--- a/Yan_Ma.pptx
+++ b/Yan_Ma.pptx
@@ -5,22 +5,23 @@
     <p:sldMasterId id="2147483648" r:id="rId1"/>
   </p:sldMasterIdLst>
   <p:notesMasterIdLst>
-    <p:notesMasterId r:id="rId15"/>
+    <p:notesMasterId r:id="rId16"/>
   </p:notesMasterIdLst>
   <p:sldIdLst>
     <p:sldId id="256" r:id="rId2"/>
     <p:sldId id="257" r:id="rId3"/>
     <p:sldId id="258" r:id="rId4"/>
     <p:sldId id="270" r:id="rId5"/>
-    <p:sldId id="263" r:id="rId6"/>
-    <p:sldId id="261" r:id="rId7"/>
+    <p:sldId id="274" r:id="rId6"/>
+    <p:sldId id="263" r:id="rId7"/>
     <p:sldId id="260" r:id="rId8"/>
-    <p:sldId id="267" r:id="rId9"/>
-    <p:sldId id="271" r:id="rId10"/>
-    <p:sldId id="272" r:id="rId11"/>
-    <p:sldId id="273" r:id="rId12"/>
-    <p:sldId id="269" r:id="rId13"/>
-    <p:sldId id="262" r:id="rId14"/>
+    <p:sldId id="275" r:id="rId9"/>
+    <p:sldId id="267" r:id="rId10"/>
+    <p:sldId id="271" r:id="rId11"/>
+    <p:sldId id="272" r:id="rId12"/>
+    <p:sldId id="273" r:id="rId13"/>
+    <p:sldId id="269" r:id="rId14"/>
+    <p:sldId id="262" r:id="rId15"/>
   </p:sldIdLst>
   <p:sldSz cx="12192000" cy="6858000"/>
   <p:notesSz cx="6858000" cy="9144000"/>
@@ -209,7 +210,7 @@
           <a:p>
             <a:fld id="{37B811D7-A2D3-8E4A-A413-28940A89CA0B}" type="datetimeFigureOut">
               <a:rPr kumimoji="1" lang="zh-CN" altLang="en-US" smtClean="0"/>
-              <a:t>2017/11/29</a:t>
+              <a:t>2018/4/11</a:t>
             </a:fld>
             <a:endParaRPr kumimoji="1" lang="zh-CN" altLang="en-US"/>
           </a:p>
@@ -561,90 +562,6 @@
 </p:notes>
 </file>
 
-<file path=ppt/notesSlides/notesSlide10.xml><?xml version="1.0" encoding="utf-8"?>
-<p:notes xmlns:a="http://schemas.openxmlformats.org/drawingml/2006/main" xmlns:r="http://schemas.openxmlformats.org/officeDocument/2006/relationships" xmlns:p="http://schemas.openxmlformats.org/presentationml/2006/main">
-  <p:cSld>
-    <p:spTree>
-      <p:nvGrpSpPr>
-        <p:cNvPr id="1" name=""/>
-        <p:cNvGrpSpPr/>
-        <p:nvPr/>
-      </p:nvGrpSpPr>
-      <p:grpSpPr>
-        <a:xfrm>
-          <a:off x="0" y="0"/>
-          <a:ext cx="0" cy="0"/>
-          <a:chOff x="0" y="0"/>
-          <a:chExt cx="0" cy="0"/>
-        </a:xfrm>
-      </p:grpSpPr>
-      <p:sp>
-        <p:nvSpPr>
-          <p:cNvPr id="2" name="幻灯片图像占位符 1"/>
-          <p:cNvSpPr>
-            <a:spLocks noGrp="1" noRot="1" noChangeAspect="1"/>
-          </p:cNvSpPr>
-          <p:nvPr>
-            <p:ph type="sldImg"/>
-          </p:nvPr>
-        </p:nvSpPr>
-        <p:spPr/>
-      </p:sp>
-      <p:sp>
-        <p:nvSpPr>
-          <p:cNvPr id="3" name="备注占位符 2"/>
-          <p:cNvSpPr>
-            <a:spLocks noGrp="1"/>
-          </p:cNvSpPr>
-          <p:nvPr>
-            <p:ph type="body" idx="1"/>
-          </p:nvPr>
-        </p:nvSpPr>
-        <p:spPr/>
-        <p:txBody>
-          <a:bodyPr/>
-          <a:lstStyle/>
-          <a:p>
-            <a:endParaRPr kumimoji="1" lang="zh-CN" altLang="en-US" dirty="0"/>
-          </a:p>
-        </p:txBody>
-      </p:sp>
-      <p:sp>
-        <p:nvSpPr>
-          <p:cNvPr id="4" name="幻灯片编号占位符 3"/>
-          <p:cNvSpPr>
-            <a:spLocks noGrp="1"/>
-          </p:cNvSpPr>
-          <p:nvPr>
-            <p:ph type="sldNum" sz="quarter" idx="10"/>
-          </p:nvPr>
-        </p:nvSpPr>
-        <p:spPr/>
-        <p:txBody>
-          <a:bodyPr/>
-          <a:lstStyle/>
-          <a:p>
-            <a:fld id="{6BCD4502-39AC-B04C-AE44-EBC610731C5B}" type="slidenum">
-              <a:rPr kumimoji="1" lang="zh-CN" altLang="en-US" smtClean="0"/>
-              <a:t>13</a:t>
-            </a:fld>
-            <a:endParaRPr kumimoji="1" lang="zh-CN" altLang="en-US"/>
-          </a:p>
-        </p:txBody>
-      </p:sp>
-    </p:spTree>
-    <p:extLst>
-      <p:ext uri="{BB962C8B-B14F-4D97-AF65-F5344CB8AC3E}">
-        <p14:creationId xmlns:p14="http://schemas.microsoft.com/office/powerpoint/2010/main" val="1067396586"/>
-      </p:ext>
-    </p:extLst>
-  </p:cSld>
-  <p:clrMapOvr>
-    <a:masterClrMapping/>
-  </p:clrMapOvr>
-</p:notes>
-</file>
-
 <file path=ppt/notesSlides/notesSlide2.xml><?xml version="1.0" encoding="utf-8"?>
 <p:notes xmlns:a="http://schemas.openxmlformats.org/drawingml/2006/main" xmlns:r="http://schemas.openxmlformats.org/officeDocument/2006/relationships" xmlns:p="http://schemas.openxmlformats.org/presentationml/2006/main">
   <p:cSld>
@@ -882,7 +799,7 @@
           <a:p>
             <a:fld id="{6BCD4502-39AC-B04C-AE44-EBC610731C5B}" type="slidenum">
               <a:rPr kumimoji="1" lang="zh-CN" altLang="en-US" smtClean="0"/>
-              <a:t>5</a:t>
+              <a:t>6</a:t>
             </a:fld>
             <a:endParaRPr kumimoji="1" lang="zh-CN" altLang="en-US"/>
           </a:p>
@@ -966,7 +883,7 @@
           <a:p>
             <a:fld id="{6BCD4502-39AC-B04C-AE44-EBC610731C5B}" type="slidenum">
               <a:rPr kumimoji="1" lang="zh-CN" altLang="en-US" smtClean="0"/>
-              <a:t>6</a:t>
+              <a:t>7</a:t>
             </a:fld>
             <a:endParaRPr kumimoji="1" lang="zh-CN" altLang="en-US"/>
           </a:p>
@@ -975,7 +892,7 @@
     </p:spTree>
     <p:extLst>
       <p:ext uri="{BB962C8B-B14F-4D97-AF65-F5344CB8AC3E}">
-        <p14:creationId xmlns:p14="http://schemas.microsoft.com/office/powerpoint/2010/main" val="756896644"/>
+        <p14:creationId xmlns:p14="http://schemas.microsoft.com/office/powerpoint/2010/main" val="1506917974"/>
       </p:ext>
     </p:extLst>
   </p:cSld>
@@ -1050,7 +967,7 @@
           <a:p>
             <a:fld id="{6BCD4502-39AC-B04C-AE44-EBC610731C5B}" type="slidenum">
               <a:rPr kumimoji="1" lang="zh-CN" altLang="en-US" smtClean="0"/>
-              <a:t>7</a:t>
+              <a:t>9</a:t>
             </a:fld>
             <a:endParaRPr kumimoji="1" lang="zh-CN" altLang="en-US"/>
           </a:p>
@@ -1059,7 +976,7 @@
     </p:spTree>
     <p:extLst>
       <p:ext uri="{BB962C8B-B14F-4D97-AF65-F5344CB8AC3E}">
-        <p14:creationId xmlns:p14="http://schemas.microsoft.com/office/powerpoint/2010/main" val="1506917974"/>
+        <p14:creationId xmlns:p14="http://schemas.microsoft.com/office/powerpoint/2010/main" val="1910945393"/>
       </p:ext>
     </p:extLst>
   </p:cSld>
@@ -1134,7 +1051,7 @@
           <a:p>
             <a:fld id="{6BCD4502-39AC-B04C-AE44-EBC610731C5B}" type="slidenum">
               <a:rPr kumimoji="1" lang="zh-CN" altLang="en-US" smtClean="0"/>
-              <a:t>8</a:t>
+              <a:t>11</a:t>
             </a:fld>
             <a:endParaRPr kumimoji="1" lang="zh-CN" altLang="en-US"/>
           </a:p>
@@ -1143,7 +1060,7 @@
     </p:spTree>
     <p:extLst>
       <p:ext uri="{BB962C8B-B14F-4D97-AF65-F5344CB8AC3E}">
-        <p14:creationId xmlns:p14="http://schemas.microsoft.com/office/powerpoint/2010/main" val="1910945393"/>
+        <p14:creationId xmlns:p14="http://schemas.microsoft.com/office/powerpoint/2010/main" val="1479199596"/>
       </p:ext>
     </p:extLst>
   </p:cSld>
@@ -1218,7 +1135,7 @@
           <a:p>
             <a:fld id="{6BCD4502-39AC-B04C-AE44-EBC610731C5B}" type="slidenum">
               <a:rPr kumimoji="1" lang="zh-CN" altLang="en-US" smtClean="0"/>
-              <a:t>10</a:t>
+              <a:t>12</a:t>
             </a:fld>
             <a:endParaRPr kumimoji="1" lang="zh-CN" altLang="en-US"/>
           </a:p>
@@ -1227,7 +1144,7 @@
     </p:spTree>
     <p:extLst>
       <p:ext uri="{BB962C8B-B14F-4D97-AF65-F5344CB8AC3E}">
-        <p14:creationId xmlns:p14="http://schemas.microsoft.com/office/powerpoint/2010/main" val="1479199596"/>
+        <p14:creationId xmlns:p14="http://schemas.microsoft.com/office/powerpoint/2010/main" val="757250444"/>
       </p:ext>
     </p:extLst>
   </p:cSld>
@@ -1302,7 +1219,7 @@
           <a:p>
             <a:fld id="{6BCD4502-39AC-B04C-AE44-EBC610731C5B}" type="slidenum">
               <a:rPr kumimoji="1" lang="zh-CN" altLang="en-US" smtClean="0"/>
-              <a:t>11</a:t>
+              <a:t>14</a:t>
             </a:fld>
             <a:endParaRPr kumimoji="1" lang="zh-CN" altLang="en-US"/>
           </a:p>
@@ -1311,7 +1228,7 @@
     </p:spTree>
     <p:extLst>
       <p:ext uri="{BB962C8B-B14F-4D97-AF65-F5344CB8AC3E}">
-        <p14:creationId xmlns:p14="http://schemas.microsoft.com/office/powerpoint/2010/main" val="757250444"/>
+        <p14:creationId xmlns:p14="http://schemas.microsoft.com/office/powerpoint/2010/main" val="1067396586"/>
       </p:ext>
     </p:extLst>
   </p:cSld>
@@ -1452,7 +1369,7 @@
           <a:p>
             <a:fld id="{2F7C874F-5C62-0B4F-B5D7-DC6ECB1730D1}" type="datetimeFigureOut">
               <a:rPr kumimoji="1" lang="zh-CN" altLang="en-US" smtClean="0"/>
-              <a:t>2017/11/29</a:t>
+              <a:t>2018/4/11</a:t>
             </a:fld>
             <a:endParaRPr kumimoji="1" lang="zh-CN" altLang="en-US"/>
           </a:p>
@@ -1622,7 +1539,7 @@
           <a:p>
             <a:fld id="{2F7C874F-5C62-0B4F-B5D7-DC6ECB1730D1}" type="datetimeFigureOut">
               <a:rPr kumimoji="1" lang="zh-CN" altLang="en-US" smtClean="0"/>
-              <a:t>2017/11/29</a:t>
+              <a:t>2018/4/11</a:t>
             </a:fld>
             <a:endParaRPr kumimoji="1" lang="zh-CN" altLang="en-US"/>
           </a:p>
@@ -1802,7 +1719,7 @@
           <a:p>
             <a:fld id="{2F7C874F-5C62-0B4F-B5D7-DC6ECB1730D1}" type="datetimeFigureOut">
               <a:rPr kumimoji="1" lang="zh-CN" altLang="en-US" smtClean="0"/>
-              <a:t>2017/11/29</a:t>
+              <a:t>2018/4/11</a:t>
             </a:fld>
             <a:endParaRPr kumimoji="1" lang="zh-CN" altLang="en-US"/>
           </a:p>
@@ -1972,7 +1889,7 @@
           <a:p>
             <a:fld id="{2F7C874F-5C62-0B4F-B5D7-DC6ECB1730D1}" type="datetimeFigureOut">
               <a:rPr kumimoji="1" lang="zh-CN" altLang="en-US" smtClean="0"/>
-              <a:t>2017/11/29</a:t>
+              <a:t>2018/4/11</a:t>
             </a:fld>
             <a:endParaRPr kumimoji="1" lang="zh-CN" altLang="en-US"/>
           </a:p>
@@ -2218,7 +2135,7 @@
           <a:p>
             <a:fld id="{2F7C874F-5C62-0B4F-B5D7-DC6ECB1730D1}" type="datetimeFigureOut">
               <a:rPr kumimoji="1" lang="zh-CN" altLang="en-US" smtClean="0"/>
-              <a:t>2017/11/29</a:t>
+              <a:t>2018/4/11</a:t>
             </a:fld>
             <a:endParaRPr kumimoji="1" lang="zh-CN" altLang="en-US"/>
           </a:p>
@@ -2450,7 +2367,7 @@
           <a:p>
             <a:fld id="{2F7C874F-5C62-0B4F-B5D7-DC6ECB1730D1}" type="datetimeFigureOut">
               <a:rPr kumimoji="1" lang="zh-CN" altLang="en-US" smtClean="0"/>
-              <a:t>2017/11/29</a:t>
+              <a:t>2018/4/11</a:t>
             </a:fld>
             <a:endParaRPr kumimoji="1" lang="zh-CN" altLang="en-US"/>
           </a:p>
@@ -2817,7 +2734,7 @@
           <a:p>
             <a:fld id="{2F7C874F-5C62-0B4F-B5D7-DC6ECB1730D1}" type="datetimeFigureOut">
               <a:rPr kumimoji="1" lang="zh-CN" altLang="en-US" smtClean="0"/>
-              <a:t>2017/11/29</a:t>
+              <a:t>2018/4/11</a:t>
             </a:fld>
             <a:endParaRPr kumimoji="1" lang="zh-CN" altLang="en-US"/>
           </a:p>
@@ -2935,7 +2852,7 @@
           <a:p>
             <a:fld id="{2F7C874F-5C62-0B4F-B5D7-DC6ECB1730D1}" type="datetimeFigureOut">
               <a:rPr kumimoji="1" lang="zh-CN" altLang="en-US" smtClean="0"/>
-              <a:t>2017/11/29</a:t>
+              <a:t>2018/4/11</a:t>
             </a:fld>
             <a:endParaRPr kumimoji="1" lang="zh-CN" altLang="en-US"/>
           </a:p>
@@ -3030,7 +2947,7 @@
           <a:p>
             <a:fld id="{2F7C874F-5C62-0B4F-B5D7-DC6ECB1730D1}" type="datetimeFigureOut">
               <a:rPr kumimoji="1" lang="zh-CN" altLang="en-US" smtClean="0"/>
-              <a:t>2017/11/29</a:t>
+              <a:t>2018/4/11</a:t>
             </a:fld>
             <a:endParaRPr kumimoji="1" lang="zh-CN" altLang="en-US"/>
           </a:p>
@@ -3307,7 +3224,7 @@
           <a:p>
             <a:fld id="{2F7C874F-5C62-0B4F-B5D7-DC6ECB1730D1}" type="datetimeFigureOut">
               <a:rPr kumimoji="1" lang="zh-CN" altLang="en-US" smtClean="0"/>
-              <a:t>2017/11/29</a:t>
+              <a:t>2018/4/11</a:t>
             </a:fld>
             <a:endParaRPr kumimoji="1" lang="zh-CN" altLang="en-US"/>
           </a:p>
@@ -3560,7 +3477,7 @@
           <a:p>
             <a:fld id="{2F7C874F-5C62-0B4F-B5D7-DC6ECB1730D1}" type="datetimeFigureOut">
               <a:rPr kumimoji="1" lang="zh-CN" altLang="en-US" smtClean="0"/>
-              <a:t>2017/11/29</a:t>
+              <a:t>2018/4/11</a:t>
             </a:fld>
             <a:endParaRPr kumimoji="1" lang="zh-CN" altLang="en-US"/>
           </a:p>
@@ -3773,7 +3690,7 @@
           <a:p>
             <a:fld id="{2F7C874F-5C62-0B4F-B5D7-DC6ECB1730D1}" type="datetimeFigureOut">
               <a:rPr kumimoji="1" lang="zh-CN" altLang="en-US" smtClean="0"/>
-              <a:t>2017/11/29</a:t>
+              <a:t>2018/4/11</a:t>
             </a:fld>
             <a:endParaRPr kumimoji="1" lang="zh-CN" altLang="en-US"/>
           </a:p>
@@ -4173,7 +4090,7 @@
           </a:blip>
           <a:srcRect/>
           <a:stretch>
-            <a:fillRect l="-12000" r="-12000"/>
+            <a:fillRect t="-6000" b="-6000"/>
           </a:stretch>
         </a:blipFill>
         <a:effectLst/>
@@ -4357,6 +4274,791 @@
 </file>
 
 <file path=ppt/slides/slide10.xml><?xml version="1.0" encoding="utf-8"?>
+<p:sld xmlns:a="http://schemas.openxmlformats.org/drawingml/2006/main" xmlns:r="http://schemas.openxmlformats.org/officeDocument/2006/relationships" xmlns:p="http://schemas.openxmlformats.org/presentationml/2006/main">
+  <p:cSld>
+    <p:spTree>
+      <p:nvGrpSpPr>
+        <p:cNvPr id="1" name=""/>
+        <p:cNvGrpSpPr/>
+        <p:nvPr/>
+      </p:nvGrpSpPr>
+      <p:grpSpPr>
+        <a:xfrm>
+          <a:off x="0" y="0"/>
+          <a:ext cx="0" cy="0"/>
+          <a:chOff x="0" y="0"/>
+          <a:chExt cx="0" cy="0"/>
+        </a:xfrm>
+      </p:grpSpPr>
+      <p:sp>
+        <p:nvSpPr>
+          <p:cNvPr id="2" name="标题 1"/>
+          <p:cNvSpPr>
+            <a:spLocks noGrp="1"/>
+          </p:cNvSpPr>
+          <p:nvPr>
+            <p:ph type="title"/>
+          </p:nvPr>
+        </p:nvSpPr>
+        <p:spPr/>
+        <p:txBody>
+          <a:bodyPr/>
+          <a:lstStyle/>
+          <a:p>
+            <a:r>
+              <a:rPr kumimoji="1" lang="en-US" altLang="zh-CN" b="1" dirty="0" smtClean="0">
+                <a:latin typeface="Times New Roman" charset="0"/>
+                <a:ea typeface="Times New Roman" charset="0"/>
+                <a:cs typeface="Times New Roman" charset="0"/>
+              </a:rPr>
+              <a:t>Which</a:t>
+            </a:r>
+            <a:r>
+              <a:rPr kumimoji="1" lang="zh-CN" altLang="en-US" b="1" dirty="0" smtClean="0">
+                <a:latin typeface="Times New Roman" charset="0"/>
+                <a:ea typeface="Times New Roman" charset="0"/>
+                <a:cs typeface="Times New Roman" charset="0"/>
+              </a:rPr>
+              <a:t> </a:t>
+            </a:r>
+            <a:r>
+              <a:rPr kumimoji="1" lang="en-US" altLang="zh-CN" b="1" dirty="0" smtClean="0">
+                <a:latin typeface="Times New Roman" charset="0"/>
+                <a:ea typeface="Times New Roman" charset="0"/>
+                <a:cs typeface="Times New Roman" charset="0"/>
+              </a:rPr>
+              <a:t>kernel</a:t>
+            </a:r>
+            <a:r>
+              <a:rPr kumimoji="1" lang="zh-CN" altLang="en-US" b="1" dirty="0" smtClean="0">
+                <a:latin typeface="Times New Roman" charset="0"/>
+                <a:ea typeface="Times New Roman" charset="0"/>
+                <a:cs typeface="Times New Roman" charset="0"/>
+              </a:rPr>
+              <a:t> </a:t>
+            </a:r>
+            <a:r>
+              <a:rPr kumimoji="1" lang="en-US" altLang="zh-CN" b="1" dirty="0" smtClean="0">
+                <a:latin typeface="Times New Roman" charset="0"/>
+                <a:ea typeface="Times New Roman" charset="0"/>
+                <a:cs typeface="Times New Roman" charset="0"/>
+              </a:rPr>
+              <a:t>we</a:t>
+            </a:r>
+            <a:r>
+              <a:rPr kumimoji="1" lang="zh-CN" altLang="en-US" b="1" dirty="0" smtClean="0">
+                <a:latin typeface="Times New Roman" charset="0"/>
+                <a:ea typeface="Times New Roman" charset="0"/>
+                <a:cs typeface="Times New Roman" charset="0"/>
+              </a:rPr>
+              <a:t> </a:t>
+            </a:r>
+            <a:r>
+              <a:rPr kumimoji="1" lang="en-US" altLang="zh-CN" b="1" dirty="0" smtClean="0">
+                <a:latin typeface="Times New Roman" charset="0"/>
+                <a:ea typeface="Times New Roman" charset="0"/>
+                <a:cs typeface="Times New Roman" charset="0"/>
+              </a:rPr>
+              <a:t>are</a:t>
+            </a:r>
+            <a:r>
+              <a:rPr kumimoji="1" lang="zh-CN" altLang="en-US" b="1" dirty="0" smtClean="0">
+                <a:latin typeface="Times New Roman" charset="0"/>
+                <a:ea typeface="Times New Roman" charset="0"/>
+                <a:cs typeface="Times New Roman" charset="0"/>
+              </a:rPr>
+              <a:t> </a:t>
+            </a:r>
+            <a:r>
+              <a:rPr kumimoji="1" lang="en-US" altLang="zh-CN" b="1" dirty="0" smtClean="0">
+                <a:latin typeface="Times New Roman" charset="0"/>
+                <a:ea typeface="Times New Roman" charset="0"/>
+                <a:cs typeface="Times New Roman" charset="0"/>
+              </a:rPr>
+              <a:t>going</a:t>
+            </a:r>
+            <a:r>
+              <a:rPr kumimoji="1" lang="zh-CN" altLang="en-US" b="1" dirty="0" smtClean="0">
+                <a:latin typeface="Times New Roman" charset="0"/>
+                <a:ea typeface="Times New Roman" charset="0"/>
+                <a:cs typeface="Times New Roman" charset="0"/>
+              </a:rPr>
+              <a:t> </a:t>
+            </a:r>
+            <a:r>
+              <a:rPr kumimoji="1" lang="en-US" altLang="zh-CN" b="1" dirty="0" smtClean="0">
+                <a:latin typeface="Times New Roman" charset="0"/>
+                <a:ea typeface="Times New Roman" charset="0"/>
+                <a:cs typeface="Times New Roman" charset="0"/>
+              </a:rPr>
+              <a:t>to</a:t>
+            </a:r>
+            <a:r>
+              <a:rPr kumimoji="1" lang="zh-CN" altLang="en-US" b="1" dirty="0" smtClean="0">
+                <a:latin typeface="Times New Roman" charset="0"/>
+                <a:ea typeface="Times New Roman" charset="0"/>
+                <a:cs typeface="Times New Roman" charset="0"/>
+              </a:rPr>
+              <a:t> </a:t>
+            </a:r>
+            <a:r>
+              <a:rPr kumimoji="1" lang="en-US" altLang="zh-CN" b="1" dirty="0" smtClean="0">
+                <a:latin typeface="Times New Roman" charset="0"/>
+                <a:ea typeface="Times New Roman" charset="0"/>
+                <a:cs typeface="Times New Roman" charset="0"/>
+              </a:rPr>
+              <a:t>use?</a:t>
+            </a:r>
+            <a:endParaRPr kumimoji="1" lang="zh-CN" altLang="en-US" b="1" dirty="0">
+              <a:latin typeface="Times New Roman" charset="0"/>
+              <a:ea typeface="Times New Roman" charset="0"/>
+              <a:cs typeface="Times New Roman" charset="0"/>
+            </a:endParaRPr>
+          </a:p>
+        </p:txBody>
+      </p:sp>
+      <p:sp>
+        <p:nvSpPr>
+          <p:cNvPr id="3" name="内容占位符 2"/>
+          <p:cNvSpPr>
+            <a:spLocks noGrp="1"/>
+          </p:cNvSpPr>
+          <p:nvPr>
+            <p:ph idx="1"/>
+          </p:nvPr>
+        </p:nvSpPr>
+        <p:spPr/>
+        <p:txBody>
+          <a:bodyPr/>
+          <a:lstStyle/>
+          <a:p>
+            <a:endParaRPr kumimoji="1" lang="zh-CN" altLang="en-US" dirty="0"/>
+          </a:p>
+        </p:txBody>
+      </p:sp>
+      <p:sp>
+        <p:nvSpPr>
+          <p:cNvPr id="4" name="文本框 3">
+            <a:hlinkClick r:id="rId2" tooltip="Face Recognition Using PCA and SVM"/>
+          </p:cNvPr>
+          <p:cNvSpPr txBox="1"/>
+          <p:nvPr/>
+        </p:nvSpPr>
+        <p:spPr>
+          <a:xfrm>
+            <a:off x="7607226" y="8087856"/>
+            <a:ext cx="3746090" cy="796413"/>
+          </a:xfrm>
+          <a:prstGeom prst="rect">
+            <a:avLst/>
+          </a:prstGeom>
+          <a:noFill/>
+        </p:spPr>
+        <p:txBody>
+          <a:bodyPr wrap="square" rtlCol="0">
+            <a:spAutoFit/>
+          </a:bodyPr>
+          <a:lstStyle/>
+          <a:p>
+            <a:endParaRPr kumimoji="1" lang="zh-CN" altLang="en-US"/>
+          </a:p>
+        </p:txBody>
+      </p:sp>
+      <p:sp>
+        <p:nvSpPr>
+          <p:cNvPr id="5" name="文本框 4"/>
+          <p:cNvSpPr txBox="1"/>
+          <p:nvPr/>
+        </p:nvSpPr>
+        <p:spPr>
+          <a:xfrm>
+            <a:off x="8061962" y="6313726"/>
+            <a:ext cx="184731" cy="369332"/>
+          </a:xfrm>
+          <a:prstGeom prst="rect">
+            <a:avLst/>
+          </a:prstGeom>
+          <a:noFill/>
+        </p:spPr>
+        <p:txBody>
+          <a:bodyPr wrap="none" rtlCol="0">
+            <a:spAutoFit/>
+          </a:bodyPr>
+          <a:lstStyle/>
+          <a:p>
+            <a:endParaRPr kumimoji="1" lang="zh-CN" altLang="en-US"/>
+          </a:p>
+        </p:txBody>
+      </p:sp>
+      <p:sp>
+        <p:nvSpPr>
+          <p:cNvPr id="6" name="文本框 5"/>
+          <p:cNvSpPr txBox="1"/>
+          <p:nvPr/>
+        </p:nvSpPr>
+        <p:spPr>
+          <a:xfrm>
+            <a:off x="7484046" y="4938634"/>
+            <a:ext cx="4215669" cy="369332"/>
+          </a:xfrm>
+          <a:prstGeom prst="rect">
+            <a:avLst/>
+          </a:prstGeom>
+          <a:noFill/>
+        </p:spPr>
+        <p:txBody>
+          <a:bodyPr wrap="square" rtlCol="0">
+            <a:spAutoFit/>
+          </a:bodyPr>
+          <a:lstStyle/>
+          <a:p>
+            <a:r>
+              <a:rPr kumimoji="1" lang="en-US" altLang="zh-CN" dirty="0" smtClean="0">
+                <a:latin typeface="Times New Roman" charset="0"/>
+                <a:ea typeface="Times New Roman" charset="0"/>
+                <a:cs typeface="Times New Roman" charset="0"/>
+                <a:hlinkClick r:id="rId2"/>
+              </a:rPr>
+              <a:t>Face</a:t>
+            </a:r>
+            <a:r>
+              <a:rPr kumimoji="1" lang="zh-CN" altLang="en-US" dirty="0" smtClean="0">
+                <a:latin typeface="Times New Roman" charset="0"/>
+                <a:ea typeface="Times New Roman" charset="0"/>
+                <a:cs typeface="Times New Roman" charset="0"/>
+                <a:hlinkClick r:id="rId2"/>
+              </a:rPr>
+              <a:t> </a:t>
+            </a:r>
+            <a:r>
+              <a:rPr kumimoji="1" lang="en-US" altLang="zh-CN" dirty="0" smtClean="0">
+                <a:latin typeface="Times New Roman" charset="0"/>
+                <a:ea typeface="Times New Roman" charset="0"/>
+                <a:cs typeface="Times New Roman" charset="0"/>
+                <a:hlinkClick r:id="rId2"/>
+              </a:rPr>
+              <a:t>Recognition</a:t>
+            </a:r>
+            <a:r>
+              <a:rPr kumimoji="1" lang="zh-CN" altLang="en-US" dirty="0" smtClean="0">
+                <a:latin typeface="Times New Roman" charset="0"/>
+                <a:ea typeface="Times New Roman" charset="0"/>
+                <a:cs typeface="Times New Roman" charset="0"/>
+                <a:hlinkClick r:id="rId2"/>
+              </a:rPr>
+              <a:t> </a:t>
+            </a:r>
+            <a:r>
+              <a:rPr kumimoji="1" lang="en-US" altLang="zh-CN" dirty="0" smtClean="0">
+                <a:latin typeface="Times New Roman" charset="0"/>
+                <a:ea typeface="Times New Roman" charset="0"/>
+                <a:cs typeface="Times New Roman" charset="0"/>
+                <a:hlinkClick r:id="rId2"/>
+              </a:rPr>
+              <a:t>Using</a:t>
+            </a:r>
+            <a:r>
+              <a:rPr kumimoji="1" lang="zh-CN" altLang="en-US" dirty="0" smtClean="0">
+                <a:latin typeface="Times New Roman" charset="0"/>
+                <a:ea typeface="Times New Roman" charset="0"/>
+                <a:cs typeface="Times New Roman" charset="0"/>
+                <a:hlinkClick r:id="rId2"/>
+              </a:rPr>
+              <a:t> </a:t>
+            </a:r>
+            <a:r>
+              <a:rPr kumimoji="1" lang="en-US" altLang="zh-CN" dirty="0" smtClean="0">
+                <a:latin typeface="Times New Roman" charset="0"/>
+                <a:ea typeface="Times New Roman" charset="0"/>
+                <a:cs typeface="Times New Roman" charset="0"/>
+                <a:hlinkClick r:id="rId2"/>
+              </a:rPr>
+              <a:t>PCA</a:t>
+            </a:r>
+            <a:r>
+              <a:rPr kumimoji="1" lang="zh-CN" altLang="en-US" dirty="0" smtClean="0">
+                <a:latin typeface="Times New Roman" charset="0"/>
+                <a:ea typeface="Times New Roman" charset="0"/>
+                <a:cs typeface="Times New Roman" charset="0"/>
+                <a:hlinkClick r:id="rId2"/>
+              </a:rPr>
+              <a:t> </a:t>
+            </a:r>
+            <a:r>
+              <a:rPr kumimoji="1" lang="en-US" altLang="zh-CN" dirty="0" smtClean="0">
+                <a:latin typeface="Times New Roman" charset="0"/>
+                <a:ea typeface="Times New Roman" charset="0"/>
+                <a:cs typeface="Times New Roman" charset="0"/>
+                <a:hlinkClick r:id="rId2"/>
+              </a:rPr>
+              <a:t>and</a:t>
+            </a:r>
+            <a:r>
+              <a:rPr kumimoji="1" lang="zh-CN" altLang="en-US" dirty="0" smtClean="0">
+                <a:latin typeface="Times New Roman" charset="0"/>
+                <a:ea typeface="Times New Roman" charset="0"/>
+                <a:cs typeface="Times New Roman" charset="0"/>
+                <a:hlinkClick r:id="rId2"/>
+              </a:rPr>
+              <a:t> </a:t>
+            </a:r>
+            <a:r>
+              <a:rPr kumimoji="1" lang="en-US" altLang="zh-CN" dirty="0" smtClean="0">
+                <a:latin typeface="Times New Roman" charset="0"/>
+                <a:ea typeface="Times New Roman" charset="0"/>
+                <a:cs typeface="Times New Roman" charset="0"/>
+                <a:hlinkClick r:id="rId2"/>
+              </a:rPr>
+              <a:t>SVM</a:t>
+            </a:r>
+            <a:endParaRPr kumimoji="1" lang="zh-CN" altLang="en-US" dirty="0">
+              <a:latin typeface="Times New Roman" charset="0"/>
+              <a:ea typeface="Times New Roman" charset="0"/>
+              <a:cs typeface="Times New Roman" charset="0"/>
+            </a:endParaRPr>
+          </a:p>
+        </p:txBody>
+      </p:sp>
+      <p:pic>
+        <p:nvPicPr>
+          <p:cNvPr id="7" name="内容占位符 11"/>
+          <p:cNvPicPr>
+            <a:picLocks noChangeAspect="1"/>
+          </p:cNvPicPr>
+          <p:nvPr/>
+        </p:nvPicPr>
+        <p:blipFill>
+          <a:blip r:embed="rId3">
+            <a:extLst>
+              <a:ext uri="{28A0092B-C50C-407E-A947-70E740481C1C}">
+                <a14:useLocalDpi xmlns:a14="http://schemas.microsoft.com/office/drawing/2010/main" val="0"/>
+              </a:ext>
+            </a:extLst>
+          </a:blip>
+          <a:stretch>
+            <a:fillRect/>
+          </a:stretch>
+        </p:blipFill>
+        <p:spPr>
+          <a:xfrm>
+            <a:off x="482600" y="1732400"/>
+            <a:ext cx="5613400" cy="3390900"/>
+          </a:xfrm>
+          <a:prstGeom prst="rect">
+            <a:avLst/>
+          </a:prstGeom>
+        </p:spPr>
+      </p:pic>
+      <p:sp>
+        <p:nvSpPr>
+          <p:cNvPr id="8" name="文本框 7"/>
+          <p:cNvSpPr txBox="1"/>
+          <p:nvPr/>
+        </p:nvSpPr>
+        <p:spPr>
+          <a:xfrm>
+            <a:off x="6268075" y="1886446"/>
+            <a:ext cx="4259484" cy="2169825"/>
+          </a:xfrm>
+          <a:prstGeom prst="rect">
+            <a:avLst/>
+          </a:prstGeom>
+          <a:noFill/>
+        </p:spPr>
+        <p:txBody>
+          <a:bodyPr wrap="square" rtlCol="0">
+            <a:spAutoFit/>
+          </a:bodyPr>
+          <a:lstStyle/>
+          <a:p>
+            <a:pPr marL="285750" indent="-285750">
+              <a:lnSpc>
+                <a:spcPct val="150000"/>
+              </a:lnSpc>
+              <a:buFont typeface="Arial" charset="0"/>
+              <a:buChar char="•"/>
+            </a:pPr>
+            <a:r>
+              <a:rPr kumimoji="1" lang="en-US" altLang="zh-CN" b="1" dirty="0" smtClean="0">
+                <a:latin typeface="Times New Roman" charset="0"/>
+                <a:ea typeface="Times New Roman" charset="0"/>
+                <a:cs typeface="Times New Roman" charset="0"/>
+              </a:rPr>
+              <a:t>P-SVM</a:t>
+            </a:r>
+            <a:r>
+              <a:rPr kumimoji="1" lang="en-US" altLang="zh-CN" dirty="0" smtClean="0">
+                <a:latin typeface="Times New Roman" charset="0"/>
+                <a:ea typeface="Times New Roman" charset="0"/>
+                <a:cs typeface="Times New Roman" charset="0"/>
+              </a:rPr>
+              <a:t>:</a:t>
+            </a:r>
+            <a:r>
+              <a:rPr kumimoji="1" lang="zh-CN" altLang="en-US" dirty="0" smtClean="0">
+                <a:latin typeface="Times New Roman" charset="0"/>
+                <a:ea typeface="Times New Roman" charset="0"/>
+                <a:cs typeface="Times New Roman" charset="0"/>
+              </a:rPr>
+              <a:t> </a:t>
+            </a:r>
+            <a:r>
+              <a:rPr kumimoji="1" lang="en-US" altLang="zh-CN" dirty="0" smtClean="0">
+                <a:latin typeface="Times New Roman" charset="0"/>
+                <a:ea typeface="Times New Roman" charset="0"/>
+                <a:cs typeface="Times New Roman" charset="0"/>
+              </a:rPr>
+              <a:t>memory overflow</a:t>
+            </a:r>
+            <a:r>
+              <a:rPr kumimoji="1" lang="zh-CN" altLang="en-US" dirty="0" smtClean="0">
+                <a:latin typeface="Times New Roman" charset="0"/>
+                <a:ea typeface="Times New Roman" charset="0"/>
+                <a:cs typeface="Times New Roman" charset="0"/>
+              </a:rPr>
+              <a:t> </a:t>
+            </a:r>
+            <a:r>
+              <a:rPr kumimoji="1" lang="en-US" altLang="zh-CN" dirty="0" smtClean="0">
+                <a:latin typeface="Times New Roman" charset="0"/>
+                <a:ea typeface="Times New Roman" charset="0"/>
+                <a:cs typeface="Times New Roman" charset="0"/>
+              </a:rPr>
+              <a:t>because</a:t>
+            </a:r>
+            <a:r>
+              <a:rPr kumimoji="1" lang="zh-CN" altLang="en-US" dirty="0" smtClean="0">
+                <a:latin typeface="Times New Roman" charset="0"/>
+                <a:ea typeface="Times New Roman" charset="0"/>
+                <a:cs typeface="Times New Roman" charset="0"/>
+              </a:rPr>
+              <a:t> </a:t>
+            </a:r>
+            <a:r>
+              <a:rPr kumimoji="1" lang="en-US" altLang="zh-CN" dirty="0" smtClean="0">
+                <a:latin typeface="Times New Roman" charset="0"/>
+                <a:ea typeface="Times New Roman" charset="0"/>
+                <a:cs typeface="Times New Roman" charset="0"/>
+              </a:rPr>
+              <a:t>of</a:t>
+            </a:r>
+            <a:r>
+              <a:rPr kumimoji="1" lang="zh-CN" altLang="en-US" dirty="0" smtClean="0">
+                <a:latin typeface="Times New Roman" charset="0"/>
+                <a:ea typeface="Times New Roman" charset="0"/>
+                <a:cs typeface="Times New Roman" charset="0"/>
+              </a:rPr>
+              <a:t> </a:t>
+            </a:r>
+            <a:r>
+              <a:rPr kumimoji="1" lang="en-US" altLang="zh-CN" dirty="0" smtClean="0">
+                <a:latin typeface="Times New Roman" charset="0"/>
+                <a:ea typeface="Times New Roman" charset="0"/>
+                <a:cs typeface="Times New Roman" charset="0"/>
+              </a:rPr>
+              <a:t>dot</a:t>
+            </a:r>
+            <a:r>
+              <a:rPr kumimoji="1" lang="zh-CN" altLang="en-US" dirty="0" smtClean="0">
+                <a:latin typeface="Times New Roman" charset="0"/>
+                <a:ea typeface="Times New Roman" charset="0"/>
+                <a:cs typeface="Times New Roman" charset="0"/>
+              </a:rPr>
+              <a:t> </a:t>
+            </a:r>
+            <a:r>
+              <a:rPr kumimoji="1" lang="en-US" altLang="zh-CN" dirty="0" smtClean="0">
+                <a:latin typeface="Times New Roman" charset="0"/>
+                <a:ea typeface="Times New Roman" charset="0"/>
+                <a:cs typeface="Times New Roman" charset="0"/>
+              </a:rPr>
+              <a:t>product</a:t>
+            </a:r>
+          </a:p>
+          <a:p>
+            <a:pPr marL="285750" indent="-285750">
+              <a:lnSpc>
+                <a:spcPct val="150000"/>
+              </a:lnSpc>
+              <a:buFont typeface="Arial" charset="0"/>
+              <a:buChar char="•"/>
+            </a:pPr>
+            <a:r>
+              <a:rPr kumimoji="1" lang="en-US" altLang="zh-CN" b="1" dirty="0" smtClean="0">
+                <a:latin typeface="Times New Roman" charset="0"/>
+                <a:ea typeface="Times New Roman" charset="0"/>
+                <a:cs typeface="Times New Roman" charset="0"/>
+              </a:rPr>
+              <a:t>Sigmoid-SVM</a:t>
+            </a:r>
+            <a:r>
+              <a:rPr kumimoji="1" lang="en-US" altLang="zh-CN" dirty="0" smtClean="0">
+                <a:latin typeface="Times New Roman" charset="0"/>
+                <a:ea typeface="Times New Roman" charset="0"/>
+                <a:cs typeface="Times New Roman" charset="0"/>
+              </a:rPr>
+              <a:t>:</a:t>
+            </a:r>
+            <a:r>
+              <a:rPr kumimoji="1" lang="zh-CN" altLang="en-US" dirty="0" smtClean="0">
+                <a:latin typeface="Times New Roman" charset="0"/>
+                <a:ea typeface="Times New Roman" charset="0"/>
+                <a:cs typeface="Times New Roman" charset="0"/>
+              </a:rPr>
+              <a:t> </a:t>
+            </a:r>
+            <a:r>
+              <a:rPr kumimoji="1" lang="en-US" altLang="zh-CN" dirty="0" smtClean="0">
+                <a:latin typeface="Times New Roman" charset="0"/>
+                <a:ea typeface="Times New Roman" charset="0"/>
+                <a:cs typeface="Times New Roman" charset="0"/>
+              </a:rPr>
+              <a:t>more</a:t>
+            </a:r>
+            <a:r>
+              <a:rPr kumimoji="1" lang="zh-CN" altLang="en-US" dirty="0" smtClean="0">
+                <a:latin typeface="Times New Roman" charset="0"/>
+                <a:ea typeface="Times New Roman" charset="0"/>
+                <a:cs typeface="Times New Roman" charset="0"/>
+              </a:rPr>
+              <a:t> </a:t>
+            </a:r>
+            <a:r>
+              <a:rPr kumimoji="1" lang="en-US" altLang="zh-CN" dirty="0" smtClean="0">
+                <a:latin typeface="Times New Roman" charset="0"/>
+                <a:ea typeface="Times New Roman" charset="0"/>
+                <a:cs typeface="Times New Roman" charset="0"/>
+              </a:rPr>
+              <a:t>parameters</a:t>
+            </a:r>
+            <a:r>
+              <a:rPr kumimoji="1" lang="zh-CN" altLang="en-US" dirty="0" smtClean="0">
+                <a:latin typeface="Times New Roman" charset="0"/>
+                <a:ea typeface="Times New Roman" charset="0"/>
+                <a:cs typeface="Times New Roman" charset="0"/>
+              </a:rPr>
+              <a:t> </a:t>
+            </a:r>
+            <a:r>
+              <a:rPr kumimoji="1" lang="en-US" altLang="zh-CN" dirty="0" smtClean="0">
+                <a:latin typeface="Times New Roman" charset="0"/>
+                <a:ea typeface="Times New Roman" charset="0"/>
+                <a:cs typeface="Times New Roman" charset="0"/>
+              </a:rPr>
+              <a:t>to</a:t>
+            </a:r>
+            <a:r>
+              <a:rPr kumimoji="1" lang="zh-CN" altLang="en-US" dirty="0" smtClean="0">
+                <a:latin typeface="Times New Roman" charset="0"/>
+                <a:ea typeface="Times New Roman" charset="0"/>
+                <a:cs typeface="Times New Roman" charset="0"/>
+              </a:rPr>
+              <a:t> </a:t>
+            </a:r>
+            <a:r>
+              <a:rPr kumimoji="1" lang="en-US" altLang="zh-CN" dirty="0" smtClean="0">
+                <a:latin typeface="Times New Roman" charset="0"/>
+                <a:ea typeface="Times New Roman" charset="0"/>
+                <a:cs typeface="Times New Roman" charset="0"/>
+              </a:rPr>
+              <a:t>determine</a:t>
+            </a:r>
+          </a:p>
+          <a:p>
+            <a:pPr marL="285750" indent="-285750">
+              <a:lnSpc>
+                <a:spcPct val="150000"/>
+              </a:lnSpc>
+              <a:buFont typeface="Arial" charset="0"/>
+              <a:buChar char="•"/>
+            </a:pPr>
+            <a:r>
+              <a:rPr kumimoji="1" lang="en-US" altLang="zh-CN" b="1" dirty="0" smtClean="0">
+                <a:latin typeface="Times New Roman" charset="0"/>
+                <a:ea typeface="Times New Roman" charset="0"/>
+                <a:cs typeface="Times New Roman" charset="0"/>
+              </a:rPr>
+              <a:t>L-SVM</a:t>
+            </a:r>
+            <a:r>
+              <a:rPr kumimoji="1" lang="en-US" altLang="zh-CN" dirty="0" smtClean="0">
+                <a:latin typeface="Times New Roman" charset="0"/>
+                <a:ea typeface="Times New Roman" charset="0"/>
+                <a:cs typeface="Times New Roman" charset="0"/>
+              </a:rPr>
+              <a:t>:</a:t>
+            </a:r>
+            <a:r>
+              <a:rPr kumimoji="1" lang="zh-CN" altLang="en-US" dirty="0" smtClean="0">
+                <a:latin typeface="Times New Roman" charset="0"/>
+                <a:ea typeface="Times New Roman" charset="0"/>
+                <a:cs typeface="Times New Roman" charset="0"/>
+              </a:rPr>
+              <a:t> </a:t>
+            </a:r>
+            <a:r>
+              <a:rPr kumimoji="1" lang="en-US" altLang="zh-CN" dirty="0" smtClean="0">
+                <a:latin typeface="Times New Roman" charset="0"/>
+                <a:ea typeface="Times New Roman" charset="0"/>
+                <a:cs typeface="Times New Roman" charset="0"/>
+              </a:rPr>
+              <a:t>particular</a:t>
+            </a:r>
+            <a:r>
+              <a:rPr kumimoji="1" lang="zh-CN" altLang="en-US" dirty="0" smtClean="0">
+                <a:latin typeface="Times New Roman" charset="0"/>
+                <a:ea typeface="Times New Roman" charset="0"/>
+                <a:cs typeface="Times New Roman" charset="0"/>
+              </a:rPr>
+              <a:t> </a:t>
+            </a:r>
+            <a:r>
+              <a:rPr kumimoji="1" lang="en-US" altLang="zh-CN" dirty="0" smtClean="0">
+                <a:latin typeface="Times New Roman" charset="0"/>
+                <a:ea typeface="Times New Roman" charset="0"/>
+                <a:cs typeface="Times New Roman" charset="0"/>
+              </a:rPr>
+              <a:t>case</a:t>
+            </a:r>
+            <a:r>
+              <a:rPr kumimoji="1" lang="zh-CN" altLang="en-US" dirty="0" smtClean="0">
+                <a:latin typeface="Times New Roman" charset="0"/>
+                <a:ea typeface="Times New Roman" charset="0"/>
+                <a:cs typeface="Times New Roman" charset="0"/>
+              </a:rPr>
+              <a:t> </a:t>
+            </a:r>
+            <a:r>
+              <a:rPr kumimoji="1" lang="en-US" altLang="zh-CN" dirty="0" smtClean="0">
+                <a:latin typeface="Times New Roman" charset="0"/>
+                <a:ea typeface="Times New Roman" charset="0"/>
+                <a:cs typeface="Times New Roman" charset="0"/>
+              </a:rPr>
+              <a:t>of</a:t>
+            </a:r>
+            <a:r>
+              <a:rPr kumimoji="1" lang="zh-CN" altLang="en-US" dirty="0" smtClean="0">
+                <a:latin typeface="Times New Roman" charset="0"/>
+                <a:ea typeface="Times New Roman" charset="0"/>
+                <a:cs typeface="Times New Roman" charset="0"/>
+              </a:rPr>
+              <a:t> </a:t>
+            </a:r>
+            <a:r>
+              <a:rPr kumimoji="1" lang="en-US" altLang="zh-CN" dirty="0" smtClean="0">
+                <a:latin typeface="Times New Roman" charset="0"/>
+                <a:ea typeface="Times New Roman" charset="0"/>
+                <a:cs typeface="Times New Roman" charset="0"/>
+              </a:rPr>
+              <a:t>RBFSVM</a:t>
+            </a:r>
+            <a:r>
+              <a:rPr kumimoji="1" lang="zh-CN" altLang="en-US" dirty="0" smtClean="0">
+                <a:latin typeface="Times New Roman" charset="0"/>
+                <a:ea typeface="Times New Roman" charset="0"/>
+                <a:cs typeface="Times New Roman" charset="0"/>
+              </a:rPr>
+              <a:t> </a:t>
+            </a:r>
+            <a:endParaRPr kumimoji="1" lang="zh-CN" altLang="en-US" dirty="0">
+              <a:latin typeface="Times New Roman" charset="0"/>
+              <a:ea typeface="Times New Roman" charset="0"/>
+              <a:cs typeface="Times New Roman" charset="0"/>
+            </a:endParaRPr>
+          </a:p>
+        </p:txBody>
+      </p:sp>
+      <p:sp>
+        <p:nvSpPr>
+          <p:cNvPr id="9" name="文本框 8"/>
+          <p:cNvSpPr txBox="1"/>
+          <p:nvPr/>
+        </p:nvSpPr>
+        <p:spPr>
+          <a:xfrm>
+            <a:off x="7484046" y="4539596"/>
+            <a:ext cx="2262158" cy="369332"/>
+          </a:xfrm>
+          <a:prstGeom prst="rect">
+            <a:avLst/>
+          </a:prstGeom>
+          <a:noFill/>
+        </p:spPr>
+        <p:txBody>
+          <a:bodyPr wrap="none" rtlCol="0">
+            <a:spAutoFit/>
+          </a:bodyPr>
+          <a:lstStyle/>
+          <a:p>
+            <a:r>
+              <a:rPr kumimoji="1" lang="en-US" altLang="zh-CN" dirty="0" smtClean="0">
+                <a:latin typeface="Times New Roman" charset="0"/>
+                <a:ea typeface="Times New Roman" charset="0"/>
+                <a:cs typeface="Times New Roman" charset="0"/>
+              </a:rPr>
+              <a:t>Method</a:t>
+            </a:r>
+            <a:r>
+              <a:rPr kumimoji="1" lang="zh-CN" altLang="en-US" dirty="0" smtClean="0">
+                <a:latin typeface="Times New Roman" charset="0"/>
+                <a:ea typeface="Times New Roman" charset="0"/>
+                <a:cs typeface="Times New Roman" charset="0"/>
+              </a:rPr>
+              <a:t> </a:t>
+            </a:r>
+            <a:r>
+              <a:rPr kumimoji="1" lang="en-US" altLang="zh-CN" dirty="0" smtClean="0">
+                <a:latin typeface="Times New Roman" charset="0"/>
+                <a:ea typeface="Times New Roman" charset="0"/>
+                <a:cs typeface="Times New Roman" charset="0"/>
+              </a:rPr>
+              <a:t>Supported</a:t>
+            </a:r>
+            <a:r>
+              <a:rPr kumimoji="1" lang="zh-CN" altLang="en-US" dirty="0" smtClean="0">
+                <a:latin typeface="Times New Roman" charset="0"/>
+                <a:ea typeface="Times New Roman" charset="0"/>
+                <a:cs typeface="Times New Roman" charset="0"/>
+              </a:rPr>
+              <a:t> </a:t>
+            </a:r>
+            <a:r>
+              <a:rPr kumimoji="1" lang="en-US" altLang="zh-CN" dirty="0" smtClean="0">
+                <a:latin typeface="Times New Roman" charset="0"/>
+                <a:ea typeface="Times New Roman" charset="0"/>
+                <a:cs typeface="Times New Roman" charset="0"/>
+              </a:rPr>
+              <a:t>by:</a:t>
+            </a:r>
+            <a:endParaRPr kumimoji="1" lang="zh-CN" altLang="en-US" dirty="0">
+              <a:latin typeface="Times New Roman" charset="0"/>
+              <a:ea typeface="Times New Roman" charset="0"/>
+              <a:cs typeface="Times New Roman" charset="0"/>
+            </a:endParaRPr>
+          </a:p>
+        </p:txBody>
+      </p:sp>
+    </p:spTree>
+    <p:extLst>
+      <p:ext uri="{BB962C8B-B14F-4D97-AF65-F5344CB8AC3E}">
+        <p14:creationId xmlns:p14="http://schemas.microsoft.com/office/powerpoint/2010/main" val="967295812"/>
+      </p:ext>
+    </p:extLst>
+  </p:cSld>
+  <p:clrMapOvr>
+    <a:masterClrMapping/>
+  </p:clrMapOvr>
+  <p:timing>
+    <p:tnLst>
+      <p:par>
+        <p:cTn id="1" dur="indefinite" restart="never" nodeType="tmRoot"/>
+      </p:par>
+    </p:tnLst>
+  </p:timing>
+</p:sld>
+</file>
+
+<file path=ppt/slides/slide11.xml><?xml version="1.0" encoding="utf-8"?>
 <p:sld xmlns:a="http://schemas.openxmlformats.org/drawingml/2006/main" xmlns:r="http://schemas.openxmlformats.org/officeDocument/2006/relationships" xmlns:p="http://schemas.openxmlformats.org/presentationml/2006/main">
   <p:cSld>
     <p:spTree>
@@ -5217,7 +5919,7 @@
 </p:sld>
 </file>
 
-<file path=ppt/slides/slide11.xml><?xml version="1.0" encoding="utf-8"?>
+<file path=ppt/slides/slide12.xml><?xml version="1.0" encoding="utf-8"?>
 <p:sld xmlns:a="http://schemas.openxmlformats.org/drawingml/2006/main" xmlns:r="http://schemas.openxmlformats.org/officeDocument/2006/relationships" xmlns:p="http://schemas.openxmlformats.org/presentationml/2006/main">
   <p:cSld>
     <p:spTree>
@@ -6012,7 +6714,7 @@
 </p:sld>
 </file>
 
-<file path=ppt/slides/slide12.xml><?xml version="1.0" encoding="utf-8"?>
+<file path=ppt/slides/slide13.xml><?xml version="1.0" encoding="utf-8"?>
 <p:sld xmlns:a="http://schemas.openxmlformats.org/drawingml/2006/main" xmlns:r="http://schemas.openxmlformats.org/officeDocument/2006/relationships" xmlns:p="http://schemas.openxmlformats.org/presentationml/2006/main">
   <p:cSld>
     <p:spTree>
@@ -6923,7 +7625,7 @@
 </p:sld>
 </file>
 
-<file path=ppt/slides/slide13.xml><?xml version="1.0" encoding="utf-8"?>
+<file path=ppt/slides/slide14.xml><?xml version="1.0" encoding="utf-8"?>
 <p:sld xmlns:a="http://schemas.openxmlformats.org/drawingml/2006/main" xmlns:r="http://schemas.openxmlformats.org/officeDocument/2006/relationships" xmlns:p="http://schemas.openxmlformats.org/presentationml/2006/main">
   <p:cSld>
     <p:spTree>
@@ -7222,188 +7924,187 @@
                 <a:ea typeface="Times New Roman" charset="0"/>
                 <a:cs typeface="Times New Roman" charset="0"/>
               </a:rPr>
-              <a:t>How</a:t>
-            </a:r>
-            <a:r>
-              <a:rPr kumimoji="1" lang="zh-CN" altLang="en-US" dirty="0" smtClean="0">
-                <a:latin typeface="Times New Roman" charset="0"/>
-                <a:ea typeface="Times New Roman" charset="0"/>
-                <a:cs typeface="Times New Roman" charset="0"/>
-              </a:rPr>
-              <a:t> </a:t>
-            </a:r>
-            <a:r>
-              <a:rPr kumimoji="1" lang="en-US" altLang="zh-CN" dirty="0" smtClean="0">
-                <a:latin typeface="Times New Roman" charset="0"/>
-                <a:ea typeface="Times New Roman" charset="0"/>
-                <a:cs typeface="Times New Roman" charset="0"/>
-              </a:rPr>
-              <a:t>to</a:t>
-            </a:r>
-            <a:r>
-              <a:rPr kumimoji="1" lang="zh-CN" altLang="en-US" dirty="0" smtClean="0">
-                <a:latin typeface="Times New Roman" charset="0"/>
-                <a:ea typeface="Times New Roman" charset="0"/>
-                <a:cs typeface="Times New Roman" charset="0"/>
-              </a:rPr>
-              <a:t> </a:t>
-            </a:r>
-            <a:r>
-              <a:rPr kumimoji="1" lang="en-US" altLang="zh-CN" dirty="0" smtClean="0">
-                <a:latin typeface="Times New Roman" charset="0"/>
-                <a:ea typeface="Times New Roman" charset="0"/>
-                <a:cs typeface="Times New Roman" charset="0"/>
-              </a:rPr>
-              <a:t>extract</a:t>
-            </a:r>
-            <a:r>
-              <a:rPr kumimoji="1" lang="zh-CN" altLang="en-US" dirty="0" smtClean="0">
-                <a:latin typeface="Times New Roman" charset="0"/>
-                <a:ea typeface="Times New Roman" charset="0"/>
-                <a:cs typeface="Times New Roman" charset="0"/>
-              </a:rPr>
-              <a:t> </a:t>
-            </a:r>
-            <a:r>
-              <a:rPr kumimoji="1" lang="en-US" altLang="zh-CN" dirty="0" smtClean="0">
-                <a:latin typeface="Times New Roman" charset="0"/>
-                <a:ea typeface="Times New Roman" charset="0"/>
-                <a:cs typeface="Times New Roman" charset="0"/>
-              </a:rPr>
-              <a:t>features</a:t>
-            </a:r>
-            <a:r>
-              <a:rPr kumimoji="1" lang="zh-CN" altLang="en-US" dirty="0" smtClean="0">
-                <a:latin typeface="Times New Roman" charset="0"/>
-                <a:ea typeface="Times New Roman" charset="0"/>
-                <a:cs typeface="Times New Roman" charset="0"/>
-              </a:rPr>
-              <a:t> </a:t>
-            </a:r>
-            <a:r>
-              <a:rPr kumimoji="1" lang="en-US" altLang="zh-CN" dirty="0" smtClean="0">
-                <a:latin typeface="Times New Roman" charset="0"/>
-                <a:ea typeface="Times New Roman" charset="0"/>
-                <a:cs typeface="Times New Roman" charset="0"/>
-              </a:rPr>
-              <a:t>from</a:t>
-            </a:r>
-            <a:r>
-              <a:rPr kumimoji="1" lang="zh-CN" altLang="en-US" dirty="0" smtClean="0">
-                <a:latin typeface="Times New Roman" charset="0"/>
-                <a:ea typeface="Times New Roman" charset="0"/>
-                <a:cs typeface="Times New Roman" charset="0"/>
-              </a:rPr>
-              <a:t> </a:t>
-            </a:r>
-            <a:r>
-              <a:rPr kumimoji="1" lang="en-US" altLang="zh-CN" dirty="0" smtClean="0">
-                <a:latin typeface="Times New Roman" charset="0"/>
-                <a:ea typeface="Times New Roman" charset="0"/>
-                <a:cs typeface="Times New Roman" charset="0"/>
-              </a:rPr>
-              <a:t>an</a:t>
-            </a:r>
-            <a:r>
-              <a:rPr kumimoji="1" lang="zh-CN" altLang="en-US" dirty="0" smtClean="0">
-                <a:latin typeface="Times New Roman" charset="0"/>
-                <a:ea typeface="Times New Roman" charset="0"/>
-                <a:cs typeface="Times New Roman" charset="0"/>
-              </a:rPr>
-              <a:t> </a:t>
-            </a:r>
-            <a:r>
-              <a:rPr kumimoji="1" lang="en-US" altLang="zh-CN" dirty="0" smtClean="0">
-                <a:latin typeface="Times New Roman" charset="0"/>
-                <a:ea typeface="Times New Roman" charset="0"/>
-                <a:cs typeface="Times New Roman" charset="0"/>
-              </a:rPr>
-              <a:t>image?</a:t>
-            </a:r>
-          </a:p>
-          <a:p>
-            <a:r>
-              <a:rPr kumimoji="1" lang="en-US" altLang="zh-CN" dirty="0" smtClean="0">
-                <a:latin typeface="Times New Roman" charset="0"/>
-                <a:ea typeface="Times New Roman" charset="0"/>
-                <a:cs typeface="Times New Roman" charset="0"/>
-              </a:rPr>
-              <a:t>How</a:t>
-            </a:r>
-            <a:r>
-              <a:rPr kumimoji="1" lang="zh-CN" altLang="en-US" dirty="0" smtClean="0">
-                <a:latin typeface="Times New Roman" charset="0"/>
-                <a:ea typeface="Times New Roman" charset="0"/>
-                <a:cs typeface="Times New Roman" charset="0"/>
-              </a:rPr>
-              <a:t> </a:t>
-            </a:r>
-            <a:r>
-              <a:rPr kumimoji="1" lang="en-US" altLang="zh-CN" dirty="0" smtClean="0">
-                <a:latin typeface="Times New Roman" charset="0"/>
-                <a:ea typeface="Times New Roman" charset="0"/>
-                <a:cs typeface="Times New Roman" charset="0"/>
-              </a:rPr>
-              <a:t>to</a:t>
-            </a:r>
-            <a:r>
-              <a:rPr kumimoji="1" lang="zh-CN" altLang="en-US" dirty="0" smtClean="0">
-                <a:latin typeface="Times New Roman" charset="0"/>
-                <a:ea typeface="Times New Roman" charset="0"/>
-                <a:cs typeface="Times New Roman" charset="0"/>
-              </a:rPr>
-              <a:t> </a:t>
-            </a:r>
-            <a:r>
-              <a:rPr kumimoji="1" lang="en-US" altLang="zh-CN" dirty="0" smtClean="0">
-                <a:latin typeface="Times New Roman" charset="0"/>
-                <a:ea typeface="Times New Roman" charset="0"/>
-                <a:cs typeface="Times New Roman" charset="0"/>
-              </a:rPr>
-              <a:t>construct</a:t>
-            </a:r>
-            <a:r>
-              <a:rPr kumimoji="1" lang="zh-CN" altLang="en-US" dirty="0" smtClean="0">
-                <a:latin typeface="Times New Roman" charset="0"/>
-                <a:ea typeface="Times New Roman" charset="0"/>
-                <a:cs typeface="Times New Roman" charset="0"/>
-              </a:rPr>
-              <a:t> </a:t>
-            </a:r>
-            <a:r>
-              <a:rPr kumimoji="1" lang="en-US" altLang="zh-CN" dirty="0" smtClean="0">
-                <a:latin typeface="Times New Roman" charset="0"/>
-                <a:ea typeface="Times New Roman" charset="0"/>
-                <a:cs typeface="Times New Roman" charset="0"/>
-              </a:rPr>
-              <a:t>the</a:t>
-            </a:r>
-            <a:r>
-              <a:rPr kumimoji="1" lang="zh-CN" altLang="en-US" dirty="0" smtClean="0">
-                <a:latin typeface="Times New Roman" charset="0"/>
-                <a:ea typeface="Times New Roman" charset="0"/>
-                <a:cs typeface="Times New Roman" charset="0"/>
-              </a:rPr>
-              <a:t> </a:t>
-            </a:r>
-            <a:r>
-              <a:rPr kumimoji="1" lang="en-US" altLang="zh-CN" dirty="0" smtClean="0">
-                <a:latin typeface="Times New Roman" charset="0"/>
-                <a:ea typeface="Times New Roman" charset="0"/>
-                <a:cs typeface="Times New Roman" charset="0"/>
-              </a:rPr>
-              <a:t>classifier?</a:t>
-            </a:r>
-          </a:p>
-          <a:p>
-            <a:r>
-              <a:rPr kumimoji="1" lang="en-US" altLang="zh-CN" dirty="0" smtClean="0">
-                <a:latin typeface="Times New Roman" charset="0"/>
-                <a:ea typeface="Times New Roman" charset="0"/>
-                <a:cs typeface="Times New Roman" charset="0"/>
-              </a:rPr>
-              <a:t>Results</a:t>
-            </a:r>
+              <a:t>Player</a:t>
+            </a:r>
+            <a:r>
+              <a:rPr kumimoji="1" lang="zh-CN" altLang="en-US" dirty="0" smtClean="0">
+                <a:latin typeface="Times New Roman" charset="0"/>
+                <a:ea typeface="Times New Roman" charset="0"/>
+                <a:cs typeface="Times New Roman" charset="0"/>
+              </a:rPr>
+              <a:t> </a:t>
+            </a:r>
+            <a:r>
+              <a:rPr kumimoji="1" lang="en-US" altLang="zh-CN" dirty="0" smtClean="0">
+                <a:latin typeface="Times New Roman" charset="0"/>
+                <a:ea typeface="Times New Roman" charset="0"/>
+                <a:cs typeface="Times New Roman" charset="0"/>
+              </a:rPr>
+              <a:t>Clustering</a:t>
+            </a:r>
+            <a:r>
+              <a:rPr kumimoji="1" lang="zh-CN" altLang="en-US" dirty="0" smtClean="0">
+                <a:latin typeface="Times New Roman" charset="0"/>
+                <a:ea typeface="Times New Roman" charset="0"/>
+                <a:cs typeface="Times New Roman" charset="0"/>
+              </a:rPr>
+              <a:t> </a:t>
+            </a:r>
+            <a:endParaRPr kumimoji="1" lang="en-US" altLang="zh-CN" dirty="0" smtClean="0">
+              <a:latin typeface="Times New Roman" charset="0"/>
+              <a:ea typeface="Times New Roman" charset="0"/>
+              <a:cs typeface="Times New Roman" charset="0"/>
+            </a:endParaRPr>
+          </a:p>
+          <a:p>
+            <a:r>
+              <a:rPr kumimoji="1" lang="en-US" altLang="zh-CN" dirty="0" smtClean="0">
+                <a:latin typeface="Times New Roman" charset="0"/>
+                <a:ea typeface="Times New Roman" charset="0"/>
+                <a:cs typeface="Times New Roman" charset="0"/>
+              </a:rPr>
+              <a:t>Team</a:t>
+            </a:r>
+            <a:r>
+              <a:rPr kumimoji="1" lang="zh-CN" altLang="en-US" dirty="0" smtClean="0">
+                <a:latin typeface="Times New Roman" charset="0"/>
+                <a:ea typeface="Times New Roman" charset="0"/>
+                <a:cs typeface="Times New Roman" charset="0"/>
+              </a:rPr>
+              <a:t> </a:t>
+            </a:r>
+            <a:r>
+              <a:rPr kumimoji="1" lang="en-US" altLang="zh-CN" dirty="0" smtClean="0">
+                <a:latin typeface="Times New Roman" charset="0"/>
+                <a:ea typeface="Times New Roman" charset="0"/>
+                <a:cs typeface="Times New Roman" charset="0"/>
+              </a:rPr>
+              <a:t>Features</a:t>
+            </a:r>
+            <a:r>
+              <a:rPr kumimoji="1" lang="zh-CN" altLang="en-US" dirty="0" smtClean="0">
+                <a:latin typeface="Times New Roman" charset="0"/>
+                <a:ea typeface="Times New Roman" charset="0"/>
+                <a:cs typeface="Times New Roman" charset="0"/>
+              </a:rPr>
+              <a:t> </a:t>
+            </a:r>
+            <a:r>
+              <a:rPr kumimoji="1" lang="en-US" altLang="zh-CN" dirty="0" smtClean="0">
+                <a:latin typeface="Times New Roman" charset="0"/>
+                <a:ea typeface="Times New Roman" charset="0"/>
+                <a:cs typeface="Times New Roman" charset="0"/>
+              </a:rPr>
+              <a:t>Constructing</a:t>
+            </a:r>
+            <a:r>
+              <a:rPr kumimoji="1" lang="zh-CN" altLang="en-US" dirty="0" smtClean="0">
+                <a:latin typeface="Times New Roman" charset="0"/>
+                <a:ea typeface="Times New Roman" charset="0"/>
+                <a:cs typeface="Times New Roman" charset="0"/>
+              </a:rPr>
+              <a:t> </a:t>
+            </a:r>
+            <a:r>
+              <a:rPr kumimoji="1" lang="en-US" altLang="zh-CN" dirty="0" smtClean="0">
+                <a:latin typeface="Times New Roman" charset="0"/>
+                <a:ea typeface="Times New Roman" charset="0"/>
+                <a:cs typeface="Times New Roman" charset="0"/>
+              </a:rPr>
+              <a:t>and</a:t>
+            </a:r>
+            <a:r>
+              <a:rPr kumimoji="1" lang="zh-CN" altLang="en-US" dirty="0" smtClean="0">
+                <a:latin typeface="Times New Roman" charset="0"/>
+                <a:ea typeface="Times New Roman" charset="0"/>
+                <a:cs typeface="Times New Roman" charset="0"/>
+              </a:rPr>
+              <a:t> </a:t>
+            </a:r>
+            <a:r>
+              <a:rPr kumimoji="1" lang="en-US" altLang="zh-CN" dirty="0" smtClean="0">
+                <a:latin typeface="Times New Roman" charset="0"/>
+                <a:ea typeface="Times New Roman" charset="0"/>
+                <a:cs typeface="Times New Roman" charset="0"/>
+              </a:rPr>
+              <a:t>Team</a:t>
+            </a:r>
+            <a:r>
+              <a:rPr kumimoji="1" lang="zh-CN" altLang="en-US" dirty="0" smtClean="0">
+                <a:latin typeface="Times New Roman" charset="0"/>
+                <a:ea typeface="Times New Roman" charset="0"/>
+                <a:cs typeface="Times New Roman" charset="0"/>
+              </a:rPr>
+              <a:t> </a:t>
+            </a:r>
+            <a:r>
+              <a:rPr kumimoji="1" lang="en-US" altLang="zh-CN" dirty="0" smtClean="0">
+                <a:latin typeface="Times New Roman" charset="0"/>
+                <a:ea typeface="Times New Roman" charset="0"/>
+                <a:cs typeface="Times New Roman" charset="0"/>
+              </a:rPr>
+              <a:t>Clustering</a:t>
+            </a:r>
+            <a:r>
+              <a:rPr kumimoji="1" lang="zh-CN" altLang="en-US" dirty="0" smtClean="0">
+                <a:latin typeface="Times New Roman" charset="0"/>
+                <a:ea typeface="Times New Roman" charset="0"/>
+                <a:cs typeface="Times New Roman" charset="0"/>
+              </a:rPr>
+              <a:t> </a:t>
+            </a:r>
+            <a:endParaRPr kumimoji="1" lang="en-US" altLang="zh-CN" dirty="0" smtClean="0">
+              <a:latin typeface="Times New Roman" charset="0"/>
+              <a:ea typeface="Times New Roman" charset="0"/>
+              <a:cs typeface="Times New Roman" charset="0"/>
+            </a:endParaRPr>
+          </a:p>
+          <a:p>
+            <a:r>
+              <a:rPr kumimoji="1" lang="en-US" altLang="zh-CN" dirty="0" smtClean="0">
+                <a:latin typeface="Times New Roman" charset="0"/>
+                <a:ea typeface="Times New Roman" charset="0"/>
+                <a:cs typeface="Times New Roman" charset="0"/>
+              </a:rPr>
+              <a:t>Team</a:t>
+            </a:r>
+            <a:r>
+              <a:rPr kumimoji="1" lang="zh-CN" altLang="en-US" dirty="0" smtClean="0">
+                <a:latin typeface="Times New Roman" charset="0"/>
+                <a:ea typeface="Times New Roman" charset="0"/>
+                <a:cs typeface="Times New Roman" charset="0"/>
+              </a:rPr>
+              <a:t> </a:t>
+            </a:r>
+            <a:r>
+              <a:rPr kumimoji="1" lang="en-US" altLang="zh-CN" dirty="0" smtClean="0">
+                <a:latin typeface="Times New Roman" charset="0"/>
+                <a:ea typeface="Times New Roman" charset="0"/>
+                <a:cs typeface="Times New Roman" charset="0"/>
+              </a:rPr>
+              <a:t>Construction</a:t>
+            </a:r>
+            <a:r>
+              <a:rPr kumimoji="1" lang="zh-CN" altLang="en-US" dirty="0" smtClean="0">
+                <a:latin typeface="Times New Roman" charset="0"/>
+                <a:ea typeface="Times New Roman" charset="0"/>
+                <a:cs typeface="Times New Roman" charset="0"/>
+              </a:rPr>
+              <a:t> </a:t>
+            </a:r>
+            <a:r>
+              <a:rPr kumimoji="1" lang="en-US" altLang="zh-CN" dirty="0" smtClean="0">
+                <a:latin typeface="Times New Roman" charset="0"/>
+                <a:ea typeface="Times New Roman" charset="0"/>
+                <a:cs typeface="Times New Roman" charset="0"/>
+              </a:rPr>
+              <a:t>Discovery</a:t>
+            </a:r>
+            <a:endParaRPr kumimoji="1" lang="en-US" altLang="zh-CN" dirty="0" smtClean="0">
+              <a:latin typeface="Times New Roman" charset="0"/>
+              <a:ea typeface="Times New Roman" charset="0"/>
+              <a:cs typeface="Times New Roman" charset="0"/>
+            </a:endParaRPr>
           </a:p>
           <a:p>
             <a:r>
@@ -7842,7 +8543,7 @@
         </p:spPr>
         <p:txBody>
           <a:bodyPr>
-            <a:normAutofit fontScale="92500" lnSpcReduction="20000"/>
+            <a:normAutofit fontScale="77500" lnSpcReduction="20000"/>
           </a:bodyPr>
           <a:lstStyle/>
           <a:p>
@@ -7857,31 +8558,382 @@
                 <a:ea typeface="Times New Roman" charset="0"/>
                 <a:cs typeface="Times New Roman" charset="0"/>
               </a:rPr>
-              <a:t>Face recognition</a:t>
-            </a:r>
-            <a:r>
-              <a:rPr kumimoji="1" lang="en-US" altLang="zh-CN" dirty="0" smtClean="0">
-                <a:latin typeface="Times New Roman" charset="0"/>
-                <a:ea typeface="Times New Roman" charset="0"/>
-                <a:cs typeface="Times New Roman" charset="0"/>
-              </a:rPr>
-              <a:t> widely</a:t>
-            </a:r>
-            <a:r>
-              <a:rPr kumimoji="1" lang="zh-CN" altLang="en-US" dirty="0" smtClean="0">
-                <a:latin typeface="Times New Roman" charset="0"/>
-                <a:ea typeface="Times New Roman" charset="0"/>
-                <a:cs typeface="Times New Roman" charset="0"/>
-              </a:rPr>
-              <a:t> </a:t>
-            </a:r>
-            <a:r>
-              <a:rPr kumimoji="1" lang="en-US" altLang="zh-CN" dirty="0" smtClean="0">
-                <a:latin typeface="Times New Roman" charset="0"/>
-                <a:ea typeface="Times New Roman" charset="0"/>
-                <a:cs typeface="Times New Roman" charset="0"/>
-              </a:rPr>
-              <a:t>used</a:t>
+              <a:t>Background:</a:t>
+            </a:r>
+            <a:r>
+              <a:rPr kumimoji="1" lang="zh-CN" altLang="en-US" b="1" dirty="0" smtClean="0">
+                <a:latin typeface="Times New Roman" charset="0"/>
+                <a:ea typeface="Times New Roman" charset="0"/>
+                <a:cs typeface="Times New Roman" charset="0"/>
+              </a:rPr>
+              <a:t> </a:t>
+            </a:r>
+            <a:r>
+              <a:rPr kumimoji="1" lang="en-US" dirty="0">
+                <a:latin typeface="Times New Roman" charset="0"/>
+                <a:ea typeface="Times New Roman" charset="0"/>
+                <a:cs typeface="Times New Roman" charset="0"/>
+              </a:rPr>
+              <a:t> National Basketball </a:t>
+            </a:r>
+            <a:r>
+              <a:rPr kumimoji="1" lang="en-US" dirty="0" smtClean="0">
+                <a:latin typeface="Times New Roman" charset="0"/>
+                <a:ea typeface="Times New Roman" charset="0"/>
+                <a:cs typeface="Times New Roman" charset="0"/>
+              </a:rPr>
+              <a:t>Association</a:t>
+            </a:r>
+            <a:r>
+              <a:rPr kumimoji="1" lang="zh-CN" altLang="en-US" dirty="0" smtClean="0">
+                <a:latin typeface="Times New Roman" charset="0"/>
+                <a:ea typeface="Times New Roman" charset="0"/>
+                <a:cs typeface="Times New Roman" charset="0"/>
+              </a:rPr>
+              <a:t> </a:t>
+            </a:r>
+            <a:r>
+              <a:rPr kumimoji="1" lang="en-US" dirty="0" smtClean="0">
+                <a:latin typeface="Times New Roman" charset="0"/>
+                <a:ea typeface="Times New Roman" charset="0"/>
+                <a:cs typeface="Times New Roman" charset="0"/>
+              </a:rPr>
+              <a:t>(</a:t>
+            </a:r>
+            <a:r>
+              <a:rPr kumimoji="1" lang="en-US" dirty="0">
+                <a:latin typeface="Times New Roman" charset="0"/>
+                <a:ea typeface="Times New Roman" charset="0"/>
+                <a:cs typeface="Times New Roman" charset="0"/>
+              </a:rPr>
+              <a:t>NBA) has entered a faster-paced </a:t>
+            </a:r>
+            <a:r>
+              <a:rPr kumimoji="1" lang="en-US" dirty="0" smtClean="0">
+                <a:latin typeface="Times New Roman" charset="0"/>
+                <a:ea typeface="Times New Roman" charset="0"/>
+                <a:cs typeface="Times New Roman" charset="0"/>
+              </a:rPr>
+              <a:t>o</a:t>
+            </a:r>
+            <a:r>
+              <a:rPr kumimoji="1" lang="en-US" altLang="zh-CN" dirty="0" smtClean="0">
+                <a:latin typeface="Times New Roman" charset="0"/>
+                <a:ea typeface="Times New Roman" charset="0"/>
+                <a:cs typeface="Times New Roman" charset="0"/>
+              </a:rPr>
+              <a:t>ff</a:t>
+            </a:r>
+            <a:r>
+              <a:rPr kumimoji="1" lang="en-US" dirty="0" smtClean="0">
+                <a:latin typeface="Times New Roman" charset="0"/>
+                <a:ea typeface="Times New Roman" charset="0"/>
+                <a:cs typeface="Times New Roman" charset="0"/>
+              </a:rPr>
+              <a:t>ensive</a:t>
+            </a:r>
+            <a:r>
+              <a:rPr kumimoji="1" lang="zh-CN" altLang="en-US" dirty="0">
+                <a:latin typeface="Times New Roman" charset="0"/>
+                <a:ea typeface="Times New Roman" charset="0"/>
+                <a:cs typeface="Times New Roman" charset="0"/>
+              </a:rPr>
+              <a:t> </a:t>
+            </a:r>
+            <a:r>
+              <a:rPr kumimoji="1" lang="en-US" dirty="0" smtClean="0">
+                <a:latin typeface="Times New Roman" charset="0"/>
+                <a:ea typeface="Times New Roman" charset="0"/>
+                <a:cs typeface="Times New Roman" charset="0"/>
+              </a:rPr>
+              <a:t>era</a:t>
+            </a:r>
+            <a:r>
+              <a:rPr kumimoji="1" lang="en-US" dirty="0">
+                <a:latin typeface="Times New Roman" charset="0"/>
+                <a:ea typeface="Times New Roman" charset="0"/>
+                <a:cs typeface="Times New Roman" charset="0"/>
+              </a:rPr>
+              <a:t>, the league has skewed towards taking more 3-point shots due to their </a:t>
+            </a:r>
+            <a:r>
+              <a:rPr kumimoji="1" lang="en-US" dirty="0" smtClean="0">
+                <a:latin typeface="Times New Roman" charset="0"/>
+                <a:ea typeface="Times New Roman" charset="0"/>
+                <a:cs typeface="Times New Roman" charset="0"/>
+              </a:rPr>
+              <a:t>high</a:t>
+            </a:r>
+            <a:r>
+              <a:rPr kumimoji="1" lang="zh-CN" altLang="en-US" dirty="0" smtClean="0">
+                <a:latin typeface="Times New Roman" charset="0"/>
+                <a:ea typeface="Times New Roman" charset="0"/>
+                <a:cs typeface="Times New Roman" charset="0"/>
+              </a:rPr>
+              <a:t> </a:t>
+            </a:r>
+            <a:r>
+              <a:rPr kumimoji="1" lang="en-US" dirty="0" smtClean="0">
+                <a:latin typeface="Times New Roman" charset="0"/>
+                <a:ea typeface="Times New Roman" charset="0"/>
+                <a:cs typeface="Times New Roman" charset="0"/>
+              </a:rPr>
+              <a:t>e</a:t>
+            </a:r>
+            <a:r>
+              <a:rPr kumimoji="1" lang="en-US" altLang="zh-CN" dirty="0" smtClean="0">
+                <a:latin typeface="Times New Roman" charset="0"/>
+                <a:ea typeface="Times New Roman" charset="0"/>
+                <a:cs typeface="Times New Roman" charset="0"/>
+              </a:rPr>
+              <a:t>ffi</a:t>
+            </a:r>
+            <a:r>
+              <a:rPr kumimoji="1" lang="en-US" dirty="0" smtClean="0">
+                <a:latin typeface="Times New Roman" charset="0"/>
+                <a:ea typeface="Times New Roman" charset="0"/>
+                <a:cs typeface="Times New Roman" charset="0"/>
+              </a:rPr>
+              <a:t>ciency </a:t>
+            </a:r>
+            <a:r>
+              <a:rPr kumimoji="1" lang="en-US" dirty="0">
+                <a:latin typeface="Times New Roman" charset="0"/>
+                <a:ea typeface="Times New Roman" charset="0"/>
+                <a:cs typeface="Times New Roman" charset="0"/>
+              </a:rPr>
+              <a:t>as measured by points per </a:t>
+            </a:r>
+            <a:r>
+              <a:rPr kumimoji="1" lang="en-US" altLang="zh-CN" dirty="0" smtClean="0">
+                <a:latin typeface="Times New Roman" charset="0"/>
+                <a:ea typeface="Times New Roman" charset="0"/>
+                <a:cs typeface="Times New Roman" charset="0"/>
+              </a:rPr>
+              <a:t>fi</a:t>
+            </a:r>
+            <a:r>
+              <a:rPr kumimoji="1" lang="en-US" dirty="0" smtClean="0">
+                <a:latin typeface="Times New Roman" charset="0"/>
+                <a:ea typeface="Times New Roman" charset="0"/>
+                <a:cs typeface="Times New Roman" charset="0"/>
+              </a:rPr>
+              <a:t>eld </a:t>
+            </a:r>
+            <a:r>
+              <a:rPr kumimoji="1" lang="en-US" dirty="0">
+                <a:latin typeface="Times New Roman" charset="0"/>
+                <a:ea typeface="Times New Roman" charset="0"/>
+                <a:cs typeface="Times New Roman" charset="0"/>
+              </a:rPr>
+              <a:t>goal attempt. Therefore, there is </a:t>
+            </a:r>
+            <a:r>
+              <a:rPr kumimoji="1" lang="en-US" dirty="0" smtClean="0">
+                <a:latin typeface="Times New Roman" charset="0"/>
+                <a:ea typeface="Times New Roman" charset="0"/>
+                <a:cs typeface="Times New Roman" charset="0"/>
+              </a:rPr>
+              <a:t>a</a:t>
+            </a:r>
+            <a:r>
+              <a:rPr kumimoji="1" lang="zh-CN" altLang="en-US" dirty="0" smtClean="0">
+                <a:latin typeface="Times New Roman" charset="0"/>
+                <a:ea typeface="Times New Roman" charset="0"/>
+                <a:cs typeface="Times New Roman" charset="0"/>
+              </a:rPr>
+              <a:t> </a:t>
+            </a:r>
+            <a:r>
+              <a:rPr kumimoji="1" lang="en-US" dirty="0" smtClean="0">
+                <a:latin typeface="Times New Roman" charset="0"/>
+                <a:ea typeface="Times New Roman" charset="0"/>
+                <a:cs typeface="Times New Roman" charset="0"/>
+              </a:rPr>
+              <a:t>huge di</a:t>
+            </a:r>
+            <a:r>
+              <a:rPr kumimoji="1" lang="en-US" altLang="zh-CN" dirty="0" smtClean="0">
+                <a:latin typeface="Times New Roman" charset="0"/>
+                <a:ea typeface="Times New Roman" charset="0"/>
+                <a:cs typeface="Times New Roman" charset="0"/>
+              </a:rPr>
+              <a:t>ff</a:t>
+            </a:r>
+            <a:r>
+              <a:rPr kumimoji="1" lang="en-US" dirty="0" smtClean="0">
+                <a:latin typeface="Times New Roman" charset="0"/>
+                <a:ea typeface="Times New Roman" charset="0"/>
+                <a:cs typeface="Times New Roman" charset="0"/>
+              </a:rPr>
+              <a:t>erence </a:t>
+            </a:r>
+            <a:r>
+              <a:rPr kumimoji="1" lang="en-US" dirty="0">
+                <a:latin typeface="Times New Roman" charset="0"/>
+                <a:ea typeface="Times New Roman" charset="0"/>
+                <a:cs typeface="Times New Roman" charset="0"/>
+              </a:rPr>
+              <a:t>between a team in the 90s and a team in the year 2010.</a:t>
+            </a:r>
+          </a:p>
+          <a:p>
+            <a:pPr>
+              <a:lnSpc>
+                <a:spcPct val="160000"/>
+              </a:lnSpc>
+            </a:pPr>
+            <a:r>
+              <a:rPr kumimoji="1" lang="en-US" altLang="zh-CN" b="1" dirty="0" smtClean="0">
+                <a:latin typeface="Times New Roman" charset="0"/>
+                <a:ea typeface="Times New Roman" charset="0"/>
+                <a:cs typeface="Times New Roman" charset="0"/>
+              </a:rPr>
+              <a:t>Objective</a:t>
+            </a:r>
+            <a:r>
+              <a:rPr kumimoji="1" lang="en-US" altLang="zh-CN" dirty="0" smtClean="0">
+                <a:latin typeface="Times New Roman" charset="0"/>
+                <a:ea typeface="Times New Roman" charset="0"/>
+                <a:cs typeface="Times New Roman" charset="0"/>
+              </a:rPr>
+              <a:t>:</a:t>
+            </a:r>
+            <a:r>
+              <a:rPr kumimoji="1" lang="zh-CN" altLang="en-US" dirty="0" smtClean="0">
+                <a:latin typeface="Times New Roman" charset="0"/>
+                <a:ea typeface="Times New Roman" charset="0"/>
+                <a:cs typeface="Times New Roman" charset="0"/>
+              </a:rPr>
+              <a:t> </a:t>
+            </a:r>
+            <a:r>
+              <a:rPr kumimoji="1" lang="en-US" altLang="zh-CN" dirty="0" smtClean="0">
+                <a:latin typeface="Times New Roman" charset="0"/>
+                <a:ea typeface="Times New Roman" charset="0"/>
+                <a:cs typeface="Times New Roman" charset="0"/>
+              </a:rPr>
+              <a:t>How</a:t>
+            </a:r>
+            <a:r>
+              <a:rPr kumimoji="1" lang="zh-CN" altLang="en-US" dirty="0" smtClean="0">
+                <a:latin typeface="Times New Roman" charset="0"/>
+                <a:ea typeface="Times New Roman" charset="0"/>
+                <a:cs typeface="Times New Roman" charset="0"/>
+              </a:rPr>
+              <a:t> </a:t>
+            </a:r>
+            <a:r>
+              <a:rPr kumimoji="1" lang="en-US" altLang="zh-CN" dirty="0" smtClean="0">
+                <a:latin typeface="Times New Roman" charset="0"/>
+                <a:ea typeface="Times New Roman" charset="0"/>
+                <a:cs typeface="Times New Roman" charset="0"/>
+              </a:rPr>
+              <a:t>to</a:t>
+            </a:r>
+            <a:r>
+              <a:rPr kumimoji="1" lang="zh-CN" altLang="en-US" dirty="0" smtClean="0">
+                <a:latin typeface="Times New Roman" charset="0"/>
+                <a:ea typeface="Times New Roman" charset="0"/>
+                <a:cs typeface="Times New Roman" charset="0"/>
+              </a:rPr>
+              <a:t> </a:t>
+            </a:r>
+            <a:r>
+              <a:rPr kumimoji="1" lang="en-US" altLang="zh-CN" dirty="0" smtClean="0">
+                <a:latin typeface="Times New Roman" charset="0"/>
+                <a:ea typeface="Times New Roman" charset="0"/>
+                <a:cs typeface="Times New Roman" charset="0"/>
+              </a:rPr>
+              <a:t>construct</a:t>
+            </a:r>
+            <a:r>
+              <a:rPr kumimoji="1" lang="zh-CN" altLang="en-US" dirty="0" smtClean="0">
+                <a:latin typeface="Times New Roman" charset="0"/>
+                <a:ea typeface="Times New Roman" charset="0"/>
+                <a:cs typeface="Times New Roman" charset="0"/>
+              </a:rPr>
+              <a:t> </a:t>
+            </a:r>
+            <a:r>
+              <a:rPr kumimoji="1" lang="en-US" altLang="zh-CN" dirty="0" smtClean="0">
+                <a:latin typeface="Times New Roman" charset="0"/>
+                <a:ea typeface="Times New Roman" charset="0"/>
+                <a:cs typeface="Times New Roman" charset="0"/>
+              </a:rPr>
+              <a:t>a</a:t>
+            </a:r>
+            <a:r>
+              <a:rPr kumimoji="1" lang="zh-CN" altLang="en-US" dirty="0" smtClean="0">
+                <a:latin typeface="Times New Roman" charset="0"/>
+                <a:ea typeface="Times New Roman" charset="0"/>
+                <a:cs typeface="Times New Roman" charset="0"/>
+              </a:rPr>
+              <a:t> </a:t>
+            </a:r>
+            <a:r>
+              <a:rPr kumimoji="1" lang="en-US" altLang="zh-CN" dirty="0" smtClean="0">
+                <a:latin typeface="Times New Roman" charset="0"/>
+                <a:ea typeface="Times New Roman" charset="0"/>
+                <a:cs typeface="Times New Roman" charset="0"/>
+              </a:rPr>
+              <a:t>basketball</a:t>
+            </a:r>
+            <a:r>
+              <a:rPr kumimoji="1" lang="zh-CN" altLang="en-US" dirty="0" smtClean="0">
+                <a:latin typeface="Times New Roman" charset="0"/>
+                <a:ea typeface="Times New Roman" charset="0"/>
+                <a:cs typeface="Times New Roman" charset="0"/>
+              </a:rPr>
+              <a:t> </a:t>
+            </a:r>
+            <a:r>
+              <a:rPr kumimoji="1" lang="en-CA" altLang="zh-CN" dirty="0" smtClean="0">
+                <a:latin typeface="Times New Roman" charset="0"/>
+                <a:ea typeface="Times New Roman" charset="0"/>
+                <a:cs typeface="Times New Roman" charset="0"/>
+              </a:rPr>
+              <a:t>teams </a:t>
+            </a:r>
+            <a:r>
+              <a:rPr kumimoji="1" lang="en-US" altLang="zh-CN" dirty="0" smtClean="0">
+                <a:latin typeface="Times New Roman" charset="0"/>
+                <a:ea typeface="Times New Roman" charset="0"/>
+                <a:cs typeface="Times New Roman" charset="0"/>
+              </a:rPr>
+              <a:t>which</a:t>
+            </a:r>
+            <a:r>
+              <a:rPr kumimoji="1" lang="zh-CN" altLang="en-US" dirty="0" smtClean="0">
+                <a:latin typeface="Times New Roman" charset="0"/>
+                <a:ea typeface="Times New Roman" charset="0"/>
+                <a:cs typeface="Times New Roman" charset="0"/>
+              </a:rPr>
+              <a:t> </a:t>
+            </a:r>
+            <a:r>
+              <a:rPr kumimoji="1" lang="en-US" altLang="zh-CN" dirty="0" smtClean="0">
+                <a:latin typeface="Times New Roman" charset="0"/>
+                <a:ea typeface="Times New Roman" charset="0"/>
+                <a:cs typeface="Times New Roman" charset="0"/>
+              </a:rPr>
+              <a:t>is</a:t>
+            </a:r>
+            <a:r>
+              <a:rPr kumimoji="1" lang="zh-CN" altLang="en-US" dirty="0" smtClean="0">
+                <a:latin typeface="Times New Roman" charset="0"/>
+                <a:ea typeface="Times New Roman" charset="0"/>
+                <a:cs typeface="Times New Roman" charset="0"/>
+              </a:rPr>
+              <a:t> </a:t>
+            </a:r>
+            <a:r>
+              <a:rPr kumimoji="1" lang="en-US" altLang="zh-CN" dirty="0" smtClean="0">
+                <a:latin typeface="Times New Roman" charset="0"/>
+                <a:ea typeface="Times New Roman" charset="0"/>
+                <a:cs typeface="Times New Roman" charset="0"/>
+              </a:rPr>
+              <a:t>fit</a:t>
             </a:r>
             <a:r>
               <a:rPr kumimoji="1" lang="zh-CN" altLang="en-US" dirty="0" smtClean="0">
@@ -7913,49 +8965,127 @@
                 <a:ea typeface="Times New Roman" charset="0"/>
                 <a:cs typeface="Times New Roman" charset="0"/>
               </a:rPr>
-              <a:t>public security, security</a:t>
-            </a:r>
-            <a:r>
-              <a:rPr kumimoji="1" lang="zh-CN" altLang="en-US" dirty="0" smtClean="0">
-                <a:latin typeface="Times New Roman" charset="0"/>
-                <a:ea typeface="Times New Roman" charset="0"/>
-                <a:cs typeface="Times New Roman" charset="0"/>
-              </a:rPr>
-              <a:t> </a:t>
-            </a:r>
-            <a:r>
-              <a:rPr kumimoji="1" lang="en-US" altLang="zh-CN" dirty="0" smtClean="0">
-                <a:latin typeface="Times New Roman" charset="0"/>
-                <a:ea typeface="Times New Roman" charset="0"/>
-                <a:cs typeface="Times New Roman" charset="0"/>
-              </a:rPr>
-              <a:t>authentication system, credit card verification, file management and Interactive system,</a:t>
-            </a:r>
-            <a:r>
-              <a:rPr kumimoji="1" lang="zh-CN" altLang="en-US" dirty="0" smtClean="0">
-                <a:latin typeface="Times New Roman" charset="0"/>
-                <a:ea typeface="Times New Roman" charset="0"/>
-                <a:cs typeface="Times New Roman" charset="0"/>
-              </a:rPr>
-              <a:t> </a:t>
-            </a:r>
-            <a:r>
-              <a:rPr kumimoji="1" lang="en-US" altLang="zh-CN" dirty="0" smtClean="0">
-                <a:latin typeface="Times New Roman" charset="0"/>
-                <a:ea typeface="Times New Roman" charset="0"/>
-                <a:cs typeface="Times New Roman" charset="0"/>
-              </a:rPr>
-              <a:t>etc.</a:t>
-            </a:r>
-            <a:r>
-              <a:rPr kumimoji="1" lang="zh-CN" altLang="en-US" dirty="0" smtClean="0">
-                <a:latin typeface="Times New Roman" charset="0"/>
-                <a:ea typeface="Times New Roman" charset="0"/>
-                <a:cs typeface="Times New Roman" charset="0"/>
-              </a:rPr>
-              <a:t> </a:t>
-            </a:r>
-            <a:endParaRPr kumimoji="1" lang="en-US" altLang="zh-CN" dirty="0" smtClean="0">
+              <a:t>the</a:t>
+            </a:r>
+            <a:r>
+              <a:rPr kumimoji="1" lang="zh-CN" altLang="en-US" dirty="0" smtClean="0">
+                <a:latin typeface="Times New Roman" charset="0"/>
+                <a:ea typeface="Times New Roman" charset="0"/>
+                <a:cs typeface="Times New Roman" charset="0"/>
+              </a:rPr>
+              <a:t> </a:t>
+            </a:r>
+            <a:r>
+              <a:rPr kumimoji="1" lang="en-US" altLang="zh-CN" dirty="0" smtClean="0">
+                <a:latin typeface="Times New Roman" charset="0"/>
+                <a:ea typeface="Times New Roman" charset="0"/>
+                <a:cs typeface="Times New Roman" charset="0"/>
+              </a:rPr>
+              <a:t>new</a:t>
+            </a:r>
+            <a:r>
+              <a:rPr kumimoji="1" lang="zh-CN" altLang="en-US" dirty="0" smtClean="0">
+                <a:latin typeface="Times New Roman" charset="0"/>
+                <a:ea typeface="Times New Roman" charset="0"/>
+                <a:cs typeface="Times New Roman" charset="0"/>
+              </a:rPr>
+              <a:t> </a:t>
+            </a:r>
+            <a:r>
+              <a:rPr kumimoji="1" lang="en-US" altLang="zh-CN" dirty="0" smtClean="0">
+                <a:latin typeface="Times New Roman" charset="0"/>
+                <a:ea typeface="Times New Roman" charset="0"/>
+                <a:cs typeface="Times New Roman" charset="0"/>
+              </a:rPr>
+              <a:t>era?</a:t>
+            </a:r>
+          </a:p>
+          <a:p>
+            <a:pPr>
+              <a:lnSpc>
+                <a:spcPct val="160000"/>
+              </a:lnSpc>
+            </a:pPr>
+            <a:r>
+              <a:rPr kumimoji="1" lang="en-US" altLang="zh-CN" b="1" dirty="0" smtClean="0">
+                <a:latin typeface="Times New Roman" charset="0"/>
+                <a:ea typeface="Times New Roman" charset="0"/>
+                <a:cs typeface="Times New Roman" charset="0"/>
+              </a:rPr>
+              <a:t>Technology</a:t>
+            </a:r>
+            <a:r>
+              <a:rPr kumimoji="1" lang="en-US" altLang="zh-CN" b="1" dirty="0" smtClean="0">
+                <a:latin typeface="Times New Roman" charset="0"/>
+                <a:ea typeface="Times New Roman" charset="0"/>
+                <a:cs typeface="Times New Roman" charset="0"/>
+              </a:rPr>
+              <a:t>: </a:t>
+            </a:r>
+            <a:r>
+              <a:rPr kumimoji="1" lang="en-US" altLang="zh-CN" dirty="0" smtClean="0">
+                <a:latin typeface="Times New Roman" charset="0"/>
+                <a:ea typeface="Times New Roman" charset="0"/>
+                <a:cs typeface="Times New Roman" charset="0"/>
+              </a:rPr>
+              <a:t>K-means</a:t>
+            </a:r>
+            <a:r>
+              <a:rPr kumimoji="1" lang="en-US" altLang="zh-CN" dirty="0">
+                <a:latin typeface="Times New Roman" charset="0"/>
+                <a:ea typeface="Times New Roman" charset="0"/>
+                <a:cs typeface="Times New Roman" charset="0"/>
+              </a:rPr>
+              <a:t>, Frequent </a:t>
+            </a:r>
+            <a:r>
+              <a:rPr kumimoji="1" lang="en-US" altLang="zh-CN" dirty="0" smtClean="0">
+                <a:latin typeface="Times New Roman" charset="0"/>
+                <a:ea typeface="Times New Roman" charset="0"/>
+                <a:cs typeface="Times New Roman" charset="0"/>
+              </a:rPr>
+              <a:t>item</a:t>
+            </a:r>
+            <a:r>
+              <a:rPr kumimoji="1" lang="zh-CN" altLang="en-US" dirty="0" smtClean="0">
+                <a:latin typeface="Times New Roman" charset="0"/>
+                <a:ea typeface="Times New Roman" charset="0"/>
+                <a:cs typeface="Times New Roman" charset="0"/>
+              </a:rPr>
+              <a:t> </a:t>
+            </a:r>
+            <a:r>
+              <a:rPr kumimoji="1" lang="en-US" altLang="zh-CN" dirty="0" smtClean="0">
+                <a:latin typeface="Times New Roman" charset="0"/>
+                <a:ea typeface="Times New Roman" charset="0"/>
+                <a:cs typeface="Times New Roman" charset="0"/>
+              </a:rPr>
+              <a:t>sets</a:t>
+            </a:r>
+            <a:r>
+              <a:rPr kumimoji="1" lang="en-US" altLang="zh-CN" dirty="0">
+                <a:latin typeface="Times New Roman" charset="0"/>
+                <a:ea typeface="Times New Roman" charset="0"/>
+                <a:cs typeface="Times New Roman" charset="0"/>
+              </a:rPr>
+              <a:t>, </a:t>
+            </a:r>
+            <a:r>
+              <a:rPr kumimoji="1" lang="en-US" altLang="zh-CN" dirty="0" smtClean="0">
+                <a:latin typeface="Times New Roman" charset="0"/>
+                <a:ea typeface="Times New Roman" charset="0"/>
+                <a:cs typeface="Times New Roman" charset="0"/>
+              </a:rPr>
+              <a:t>PageRank</a:t>
+            </a:r>
+          </a:p>
+          <a:p>
+            <a:pPr>
+              <a:lnSpc>
+                <a:spcPct val="160000"/>
+              </a:lnSpc>
+            </a:pPr>
+            <a:endParaRPr kumimoji="1" lang="en-US" altLang="zh-CN" b="1" dirty="0" smtClean="0">
               <a:latin typeface="Times New Roman" charset="0"/>
               <a:ea typeface="Times New Roman" charset="0"/>
               <a:cs typeface="Times New Roman" charset="0"/>
@@ -7964,49 +9094,29 @@
           <a:p>
             <a:pPr>
               <a:lnSpc>
-                <a:spcPct val="150000"/>
+                <a:spcPct val="160000"/>
               </a:lnSpc>
             </a:pPr>
             <a:r>
-              <a:rPr kumimoji="1" lang="en-US" altLang="zh-CN" dirty="0">
-                <a:latin typeface="Times New Roman" charset="0"/>
-                <a:ea typeface="Times New Roman" charset="0"/>
-                <a:cs typeface="Times New Roman" charset="0"/>
-              </a:rPr>
-              <a:t>C</a:t>
-            </a:r>
-            <a:r>
-              <a:rPr kumimoji="1" lang="en-US" altLang="zh-CN" dirty="0" smtClean="0">
-                <a:latin typeface="Times New Roman" charset="0"/>
-                <a:ea typeface="Times New Roman" charset="0"/>
-                <a:cs typeface="Times New Roman" charset="0"/>
-              </a:rPr>
-              <a:t>urrent hot research topic in the field of </a:t>
-            </a:r>
-            <a:r>
               <a:rPr kumimoji="1" lang="en-US" altLang="zh-CN" b="1" dirty="0" smtClean="0">
                 <a:latin typeface="Times New Roman" charset="0"/>
                 <a:ea typeface="Times New Roman" charset="0"/>
                 <a:cs typeface="Times New Roman" charset="0"/>
               </a:rPr>
-              <a:t>pattern recognition </a:t>
-            </a:r>
-            <a:r>
-              <a:rPr kumimoji="1" lang="en-US" altLang="zh-CN" dirty="0" smtClean="0">
-                <a:latin typeface="Times New Roman" charset="0"/>
-                <a:ea typeface="Times New Roman" charset="0"/>
-                <a:cs typeface="Times New Roman" charset="0"/>
-              </a:rPr>
-              <a:t>and </a:t>
-            </a:r>
-            <a:r>
-              <a:rPr kumimoji="1" lang="en-US" altLang="zh-CN" b="1" dirty="0" smtClean="0">
-                <a:latin typeface="Times New Roman" charset="0"/>
-                <a:ea typeface="Times New Roman" charset="0"/>
-                <a:cs typeface="Times New Roman" charset="0"/>
-              </a:rPr>
-              <a:t>artificial intelligence.</a:t>
-            </a:r>
+              <a:t>Databases:</a:t>
+            </a:r>
+          </a:p>
+          <a:p>
+            <a:pPr>
+              <a:lnSpc>
+                <a:spcPct val="160000"/>
+              </a:lnSpc>
+            </a:pPr>
+            <a:endParaRPr kumimoji="1" lang="en-US" altLang="zh-CN" dirty="0">
+              <a:latin typeface="Times New Roman" charset="0"/>
+              <a:ea typeface="Times New Roman" charset="0"/>
+              <a:cs typeface="Times New Roman" charset="0"/>
+            </a:endParaRPr>
           </a:p>
           <a:p>
             <a:pPr>
@@ -8020,257 +9130,450 @@
               <a:cs typeface="Times New Roman" charset="0"/>
             </a:endParaRPr>
           </a:p>
-          <a:p>
-            <a:pPr marL="0" indent="0" algn="ctr">
-              <a:lnSpc>
-                <a:spcPct val="150000"/>
-              </a:lnSpc>
-              <a:buNone/>
-            </a:pPr>
-            <a:r>
-              <a:rPr kumimoji="1" lang="en-US" altLang="zh-CN" dirty="0" smtClean="0">
-                <a:latin typeface="Times New Roman" charset="0"/>
-                <a:ea typeface="Times New Roman" charset="0"/>
-                <a:cs typeface="Times New Roman" charset="0"/>
-              </a:rPr>
-              <a:t>How</a:t>
-            </a:r>
-            <a:r>
-              <a:rPr kumimoji="1" lang="zh-CN" altLang="en-US" dirty="0" smtClean="0">
-                <a:latin typeface="Times New Roman" charset="0"/>
-                <a:ea typeface="Times New Roman" charset="0"/>
-                <a:cs typeface="Times New Roman" charset="0"/>
-              </a:rPr>
-              <a:t> </a:t>
-            </a:r>
-            <a:r>
-              <a:rPr kumimoji="1" lang="en-US" altLang="zh-CN" dirty="0">
-                <a:latin typeface="Times New Roman" charset="0"/>
-                <a:ea typeface="Times New Roman" charset="0"/>
-                <a:cs typeface="Times New Roman" charset="0"/>
-              </a:rPr>
-              <a:t>to</a:t>
-            </a:r>
-            <a:r>
-              <a:rPr kumimoji="1" lang="zh-CN" altLang="en-US" dirty="0">
-                <a:latin typeface="Times New Roman" charset="0"/>
-                <a:ea typeface="Times New Roman" charset="0"/>
-                <a:cs typeface="Times New Roman" charset="0"/>
-              </a:rPr>
-              <a:t> </a:t>
-            </a:r>
-            <a:r>
-              <a:rPr kumimoji="1" lang="en-US" altLang="zh-CN" dirty="0">
-                <a:latin typeface="Times New Roman" charset="0"/>
-                <a:ea typeface="Times New Roman" charset="0"/>
-                <a:cs typeface="Times New Roman" charset="0"/>
-              </a:rPr>
-              <a:t>use</a:t>
-            </a:r>
-            <a:r>
-              <a:rPr kumimoji="1" lang="zh-CN" altLang="en-US" dirty="0">
-                <a:latin typeface="Times New Roman" charset="0"/>
-                <a:ea typeface="Times New Roman" charset="0"/>
-                <a:cs typeface="Times New Roman" charset="0"/>
-              </a:rPr>
-              <a:t> </a:t>
-            </a:r>
-            <a:r>
-              <a:rPr lang="en-US" altLang="zh-CN" dirty="0">
-                <a:latin typeface="Times New Roman" charset="0"/>
-                <a:ea typeface="Times New Roman" charset="0"/>
-                <a:cs typeface="Times New Roman" charset="0"/>
-              </a:rPr>
-              <a:t>Principle Component Analysis</a:t>
-            </a:r>
-            <a:r>
-              <a:rPr lang="zh-CN" altLang="en-US" dirty="0">
-                <a:latin typeface="Times New Roman" charset="0"/>
-                <a:ea typeface="Times New Roman" charset="0"/>
-                <a:cs typeface="Times New Roman" charset="0"/>
-              </a:rPr>
-              <a:t> </a:t>
-            </a:r>
-            <a:r>
-              <a:rPr lang="en-US" altLang="zh-CN" dirty="0">
-                <a:latin typeface="Times New Roman" charset="0"/>
-                <a:ea typeface="Times New Roman" charset="0"/>
-                <a:cs typeface="Times New Roman" charset="0"/>
-              </a:rPr>
-              <a:t>(PCA)</a:t>
-            </a:r>
-            <a:r>
-              <a:rPr lang="zh-CN" altLang="en-US" dirty="0">
-                <a:latin typeface="Times New Roman" charset="0"/>
-                <a:ea typeface="Times New Roman" charset="0"/>
-                <a:cs typeface="Times New Roman" charset="0"/>
-              </a:rPr>
-              <a:t> </a:t>
-            </a:r>
-            <a:r>
-              <a:rPr lang="en-US" altLang="zh-CN" dirty="0">
-                <a:latin typeface="Times New Roman" charset="0"/>
-                <a:ea typeface="Times New Roman" charset="0"/>
-                <a:cs typeface="Times New Roman" charset="0"/>
-              </a:rPr>
-              <a:t>and</a:t>
-            </a:r>
-            <a:r>
-              <a:rPr lang="zh-CN" altLang="en-US" dirty="0">
-                <a:latin typeface="Times New Roman" charset="0"/>
-                <a:ea typeface="Times New Roman" charset="0"/>
-                <a:cs typeface="Times New Roman" charset="0"/>
-              </a:rPr>
-              <a:t> </a:t>
-            </a:r>
-            <a:r>
-              <a:rPr lang="en-US" altLang="zh-CN" dirty="0">
-                <a:latin typeface="Times New Roman" charset="0"/>
-                <a:ea typeface="Times New Roman" charset="0"/>
-                <a:cs typeface="Times New Roman" charset="0"/>
-              </a:rPr>
-              <a:t>Support</a:t>
-            </a:r>
-            <a:r>
-              <a:rPr lang="zh-CN" altLang="en-US" dirty="0">
-                <a:latin typeface="Times New Roman" charset="0"/>
-                <a:ea typeface="Times New Roman" charset="0"/>
-                <a:cs typeface="Times New Roman" charset="0"/>
-              </a:rPr>
-              <a:t> </a:t>
-            </a:r>
-            <a:r>
-              <a:rPr lang="en-US" altLang="zh-CN" dirty="0">
-                <a:latin typeface="Times New Roman" charset="0"/>
-                <a:ea typeface="Times New Roman" charset="0"/>
-                <a:cs typeface="Times New Roman" charset="0"/>
-              </a:rPr>
-              <a:t>Vector</a:t>
-            </a:r>
-            <a:r>
-              <a:rPr lang="zh-CN" altLang="en-US" dirty="0">
-                <a:latin typeface="Times New Roman" charset="0"/>
-                <a:ea typeface="Times New Roman" charset="0"/>
-                <a:cs typeface="Times New Roman" charset="0"/>
-              </a:rPr>
-              <a:t> </a:t>
-            </a:r>
-            <a:r>
-              <a:rPr lang="en-US" altLang="zh-CN" dirty="0">
-                <a:latin typeface="Times New Roman" charset="0"/>
-                <a:ea typeface="Times New Roman" charset="0"/>
-                <a:cs typeface="Times New Roman" charset="0"/>
-              </a:rPr>
-              <a:t>Machine</a:t>
-            </a:r>
-            <a:r>
-              <a:rPr lang="zh-CN" altLang="en-US" dirty="0">
-                <a:latin typeface="Times New Roman" charset="0"/>
-                <a:ea typeface="Times New Roman" charset="0"/>
-                <a:cs typeface="Times New Roman" charset="0"/>
-              </a:rPr>
-              <a:t> </a:t>
-            </a:r>
-            <a:r>
-              <a:rPr lang="en-US" altLang="zh-CN" dirty="0">
-                <a:latin typeface="Times New Roman" charset="0"/>
-                <a:ea typeface="Times New Roman" charset="0"/>
-                <a:cs typeface="Times New Roman" charset="0"/>
-              </a:rPr>
-              <a:t>(SVM)</a:t>
-            </a:r>
-            <a:r>
-              <a:rPr lang="zh-CN" altLang="en-US" dirty="0">
-                <a:latin typeface="Times New Roman" charset="0"/>
-                <a:ea typeface="Times New Roman" charset="0"/>
-                <a:cs typeface="Times New Roman" charset="0"/>
-              </a:rPr>
-              <a:t> </a:t>
-            </a:r>
-            <a:r>
-              <a:rPr lang="en-US" altLang="zh-CN" dirty="0">
-                <a:latin typeface="Times New Roman" charset="0"/>
-                <a:ea typeface="Times New Roman" charset="0"/>
-                <a:cs typeface="Times New Roman" charset="0"/>
-              </a:rPr>
-              <a:t>to</a:t>
-            </a:r>
-            <a:r>
-              <a:rPr lang="zh-CN" altLang="en-US" dirty="0">
-                <a:latin typeface="Times New Roman" charset="0"/>
-                <a:ea typeface="Times New Roman" charset="0"/>
-                <a:cs typeface="Times New Roman" charset="0"/>
-              </a:rPr>
-              <a:t> </a:t>
-            </a:r>
-            <a:r>
-              <a:rPr lang="en-US" altLang="zh-CN" b="1" dirty="0">
-                <a:latin typeface="Times New Roman" charset="0"/>
-                <a:ea typeface="Times New Roman" charset="0"/>
-                <a:cs typeface="Times New Roman" charset="0"/>
-              </a:rPr>
-              <a:t>implement</a:t>
-            </a:r>
-            <a:r>
-              <a:rPr lang="zh-CN" altLang="en-US" b="1" dirty="0">
-                <a:latin typeface="Times New Roman" charset="0"/>
-                <a:ea typeface="Times New Roman" charset="0"/>
-                <a:cs typeface="Times New Roman" charset="0"/>
-              </a:rPr>
-              <a:t> </a:t>
-            </a:r>
-            <a:r>
-              <a:rPr lang="en-US" altLang="zh-CN" b="1" dirty="0">
-                <a:latin typeface="Times New Roman" charset="0"/>
-                <a:ea typeface="Times New Roman" charset="0"/>
-                <a:cs typeface="Times New Roman" charset="0"/>
-              </a:rPr>
-              <a:t>face</a:t>
-            </a:r>
-            <a:r>
-              <a:rPr lang="zh-CN" altLang="en-US" b="1" dirty="0">
-                <a:latin typeface="Times New Roman" charset="0"/>
-                <a:ea typeface="Times New Roman" charset="0"/>
-                <a:cs typeface="Times New Roman" charset="0"/>
-              </a:rPr>
-              <a:t> </a:t>
-            </a:r>
-            <a:r>
-              <a:rPr lang="en-US" altLang="zh-CN" b="1" dirty="0">
-                <a:latin typeface="Times New Roman" charset="0"/>
-                <a:ea typeface="Times New Roman" charset="0"/>
-                <a:cs typeface="Times New Roman" charset="0"/>
-              </a:rPr>
-              <a:t>recognition</a:t>
-            </a:r>
-            <a:r>
-              <a:rPr lang="zh-CN" altLang="en-US" dirty="0">
-                <a:latin typeface="Times New Roman" charset="0"/>
-                <a:ea typeface="Times New Roman" charset="0"/>
-                <a:cs typeface="Times New Roman" charset="0"/>
-              </a:rPr>
-              <a:t>？</a:t>
-            </a:r>
-            <a:endParaRPr lang="en-US" altLang="zh-CN" dirty="0">
-              <a:latin typeface="Times New Roman" charset="0"/>
-              <a:ea typeface="Times New Roman" charset="0"/>
-              <a:cs typeface="Times New Roman" charset="0"/>
-            </a:endParaRPr>
-          </a:p>
-          <a:p>
-            <a:pPr>
-              <a:lnSpc>
-                <a:spcPct val="150000"/>
-              </a:lnSpc>
-            </a:pPr>
-            <a:endParaRPr kumimoji="1" lang="en-US" altLang="zh-CN" b="1" dirty="0">
-              <a:latin typeface="Times New Roman" charset="0"/>
-              <a:ea typeface="Times New Roman" charset="0"/>
-              <a:cs typeface="Times New Roman" charset="0"/>
-            </a:endParaRPr>
-          </a:p>
         </p:txBody>
       </p:sp>
+      <mc:AlternateContent xmlns:mc="http://schemas.openxmlformats.org/markup-compatibility/2006">
+        <mc:Choice xmlns:a14="http://schemas.microsoft.com/office/drawing/2010/main" Requires="a14">
+          <p:graphicFrame>
+            <p:nvGraphicFramePr>
+              <p:cNvPr id="5" name="Table 4"/>
+              <p:cNvGraphicFramePr>
+                <a:graphicFrameLocks noGrp="1"/>
+              </p:cNvGraphicFramePr>
+              <p:nvPr>
+                <p:extLst>
+                  <p:ext uri="{D42A27DB-BD31-4B8C-83A1-F6EECF244321}">
+                    <p14:modId xmlns:p14="http://schemas.microsoft.com/office/powerpoint/2010/main" val="2001314118"/>
+                  </p:ext>
+                </p:extLst>
+              </p:nvPr>
+            </p:nvGraphicFramePr>
+            <p:xfrm>
+              <a:off x="2651761" y="5321697"/>
+              <a:ext cx="3995927" cy="855266"/>
+            </p:xfrm>
+            <a:graphic>
+              <a:graphicData uri="http://schemas.openxmlformats.org/drawingml/2006/table">
+                <a:tbl>
+                  <a:tblPr firstRow="1" bandRow="1">
+                    <a:tableStyleId>{5940675A-B579-460E-94D1-54222C63F5DA}</a:tableStyleId>
+                  </a:tblPr>
+                  <a:tblGrid>
+                    <a:gridCol w="2055331"/>
+                    <a:gridCol w="1940596"/>
+                  </a:tblGrid>
+                  <a:tr h="230137">
+                    <a:tc>
+                      <a:txBody>
+                        <a:bodyPr/>
+                        <a:lstStyle/>
+                        <a:p>
+                          <a:pPr algn="r"/>
+                          <a:r>
+                            <a:rPr lang="en-US" altLang="zh-CN" sz="1200" b="1" dirty="0" smtClean="0">
+                              <a:latin typeface="Times New Roman" charset="0"/>
+                              <a:ea typeface="Times New Roman" charset="0"/>
+                              <a:cs typeface="Times New Roman" charset="0"/>
+                            </a:rPr>
+                            <a:t>Name</a:t>
+                          </a:r>
+                          <a:endParaRPr lang="en-US" sz="1200" b="1" dirty="0">
+                            <a:latin typeface="Times New Roman" charset="0"/>
+                            <a:ea typeface="Times New Roman" charset="0"/>
+                            <a:cs typeface="Times New Roman" charset="0"/>
+                          </a:endParaRPr>
+                        </a:p>
+                      </a:txBody>
+                      <a:tcPr/>
+                    </a:tc>
+                    <a:tc>
+                      <a:txBody>
+                        <a:bodyPr/>
+                        <a:lstStyle/>
+                        <a:p>
+                          <a:pPr algn="r"/>
+                          <a:r>
+                            <a:rPr lang="en-US" altLang="zh-CN" sz="1200" b="1" dirty="0" smtClean="0">
+                              <a:latin typeface="Times New Roman" charset="0"/>
+                              <a:ea typeface="Times New Roman" charset="0"/>
+                              <a:cs typeface="Times New Roman" charset="0"/>
+                            </a:rPr>
+                            <a:t>Size</a:t>
+                          </a:r>
+                          <a:endParaRPr lang="en-US" sz="1200" b="1" dirty="0">
+                            <a:latin typeface="Times New Roman" charset="0"/>
+                            <a:ea typeface="Times New Roman" charset="0"/>
+                            <a:cs typeface="Times New Roman" charset="0"/>
+                          </a:endParaRPr>
+                        </a:p>
+                      </a:txBody>
+                      <a:tcPr/>
+                    </a:tc>
+                  </a:tr>
+                  <a:tr h="208795">
+                    <a:tc>
+                      <a:txBody>
+                        <a:bodyPr/>
+                        <a:lstStyle/>
+                        <a:p>
+                          <a:pPr algn="r"/>
+                          <a:r>
+                            <a:rPr kumimoji="1" lang="en-US" altLang="zh-CN" sz="1200" dirty="0" err="1" smtClean="0">
+                              <a:latin typeface="Times New Roman" charset="0"/>
+                              <a:ea typeface="Times New Roman" charset="0"/>
+                              <a:cs typeface="Times New Roman" charset="0"/>
+                            </a:rPr>
+                            <a:t>allPlayers.csv</a:t>
+                          </a:r>
+                          <a:endParaRPr lang="en-US" sz="1200" dirty="0">
+                            <a:latin typeface="Times New Roman" charset="0"/>
+                            <a:ea typeface="Times New Roman" charset="0"/>
+                            <a:cs typeface="Times New Roman" charset="0"/>
+                          </a:endParaRPr>
+                        </a:p>
+                      </a:txBody>
+                      <a:tcPr/>
+                    </a:tc>
+                    <a:tc>
+                      <a:txBody>
+                        <a:bodyPr/>
+                        <a:lstStyle/>
+                        <a:p>
+                          <a:pPr algn="r"/>
+                          <a:r>
+                            <a:rPr kumimoji="1" lang="en-US" altLang="zh-CN" sz="1200" dirty="0" smtClean="0">
+                              <a:latin typeface="Times New Roman" charset="0"/>
+                              <a:ea typeface="Times New Roman" charset="0"/>
+                              <a:cs typeface="Times New Roman" charset="0"/>
+                            </a:rPr>
+                            <a:t> </a:t>
+                          </a:r>
+                          <a:r>
+                            <a:rPr kumimoji="1" lang="en-US" altLang="zh-CN" sz="1200" dirty="0" smtClean="0">
+                              <a:latin typeface="Times New Roman" charset="0"/>
+                              <a:ea typeface="Times New Roman" charset="0"/>
+                              <a:cs typeface="Times New Roman" charset="0"/>
+                            </a:rPr>
+                            <a:t>(18206</a:t>
+                          </a:r>
+                          <a14:m>
+                            <m:oMath xmlns:m="http://schemas.openxmlformats.org/officeDocument/2006/math">
+                              <m:r>
+                                <a:rPr kumimoji="1" lang="en-US" altLang="zh-CN" sz="1200" smtClean="0">
+                                  <a:latin typeface="Times New Roman" charset="0"/>
+                                  <a:ea typeface="Times New Roman" charset="0"/>
+                                  <a:cs typeface="Times New Roman" charset="0"/>
+                                </a:rPr>
+                                <m:t>×</m:t>
+                              </m:r>
+                            </m:oMath>
+                          </a14:m>
+                          <a:r>
+                            <a:rPr kumimoji="1" lang="en-US" altLang="zh-CN" sz="1200" dirty="0" smtClean="0">
+                              <a:latin typeface="Times New Roman" charset="0"/>
+                              <a:ea typeface="Times New Roman" charset="0"/>
+                              <a:cs typeface="Times New Roman" charset="0"/>
+                            </a:rPr>
+                            <a:t>31</a:t>
+                          </a:r>
+                          <a:r>
+                            <a:rPr kumimoji="1" lang="en-US" altLang="zh-CN" sz="1200" dirty="0">
+                              <a:latin typeface="Times New Roman" charset="0"/>
+                              <a:ea typeface="Times New Roman" charset="0"/>
+                              <a:cs typeface="Times New Roman" charset="0"/>
+                            </a:rPr>
+                            <a:t>) </a:t>
+                          </a:r>
+                          <a:endParaRPr lang="en-US" sz="1200" dirty="0">
+                            <a:latin typeface="Times New Roman" charset="0"/>
+                            <a:ea typeface="Times New Roman" charset="0"/>
+                            <a:cs typeface="Times New Roman" charset="0"/>
+                          </a:endParaRPr>
+                        </a:p>
+                      </a:txBody>
+                      <a:tcPr/>
+                    </a:tc>
+                  </a:tr>
+                  <a:tr h="306626">
+                    <a:tc>
+                      <a:txBody>
+                        <a:bodyPr/>
+                        <a:lstStyle/>
+                        <a:p>
+                          <a:pPr algn="r"/>
+                          <a:r>
+                            <a:rPr kumimoji="1" lang="en-US" altLang="zh-CN" sz="1200" dirty="0" smtClean="0">
+                              <a:latin typeface="Times New Roman" charset="0"/>
+                              <a:ea typeface="Times New Roman" charset="0"/>
+                              <a:cs typeface="Times New Roman" charset="0"/>
+                            </a:rPr>
+                            <a:t>lineups_11To16.csv</a:t>
+                          </a:r>
+                          <a:endParaRPr lang="en-US" sz="1200" dirty="0">
+                            <a:latin typeface="Times New Roman" charset="0"/>
+                            <a:ea typeface="Times New Roman" charset="0"/>
+                            <a:cs typeface="Times New Roman" charset="0"/>
+                          </a:endParaRPr>
+                        </a:p>
+                      </a:txBody>
+                      <a:tcPr/>
+                    </a:tc>
+                    <a:tc>
+                      <a:txBody>
+                        <a:bodyPr/>
+                        <a:lstStyle/>
+                        <a:p>
+                          <a:pPr marL="0" marR="0" indent="0" algn="r" defTabSz="914400" rtl="0" eaLnBrk="1" fontAlgn="auto" latinLnBrk="0" hangingPunct="1">
+                            <a:lnSpc>
+                              <a:spcPct val="100000"/>
+                            </a:lnSpc>
+                            <a:spcBef>
+                              <a:spcPts val="0"/>
+                            </a:spcBef>
+                            <a:spcAft>
+                              <a:spcPts val="0"/>
+                            </a:spcAft>
+                            <a:buClrTx/>
+                            <a:buSzTx/>
+                            <a:buFontTx/>
+                            <a:buNone/>
+                            <a:tabLst/>
+                            <a:defRPr/>
+                          </a:pPr>
+                          <a:r>
+                            <a:rPr kumimoji="1" lang="en-US" altLang="zh-CN" sz="1200" dirty="0" smtClean="0">
+                              <a:latin typeface="Times New Roman" charset="0"/>
+                              <a:ea typeface="Times New Roman" charset="0"/>
+                              <a:cs typeface="Times New Roman" charset="0"/>
+                            </a:rPr>
+                            <a:t>18</a:t>
+                          </a:r>
+                          <a:r>
+                            <a:rPr kumimoji="1" lang="en-US" altLang="zh-CN" sz="1200" dirty="0" smtClean="0">
+                              <a:latin typeface="Times New Roman" charset="0"/>
+                              <a:ea typeface="Times New Roman" charset="0"/>
+                              <a:cs typeface="Times New Roman" charset="0"/>
+                            </a:rPr>
+                            <a:t>0</a:t>
+                          </a:r>
+                          <a14:m>
+                            <m:oMath xmlns:m="http://schemas.openxmlformats.org/officeDocument/2006/math">
+                              <m:r>
+                                <a:rPr kumimoji="1" lang="en-CA" altLang="zh-CN" sz="1200" smtClean="0">
+                                  <a:latin typeface="Times New Roman" charset="0"/>
+                                  <a:ea typeface="Times New Roman" charset="0"/>
+                                  <a:cs typeface="Times New Roman" charset="0"/>
+                                </a:rPr>
+                                <m:t>1</m:t>
+                              </m:r>
+                              <m:r>
+                                <a:rPr kumimoji="1" lang="en-US" altLang="zh-CN" sz="1200">
+                                  <a:latin typeface="Times New Roman" charset="0"/>
+                                  <a:ea typeface="Times New Roman" charset="0"/>
+                                  <a:cs typeface="Times New Roman" charset="0"/>
+                                </a:rPr>
+                                <m:t>×</m:t>
+                              </m:r>
+                            </m:oMath>
+                          </a14:m>
+                          <a:r>
+                            <a:rPr kumimoji="1" lang="en-US" altLang="zh-CN" sz="1200" dirty="0" smtClean="0">
+                              <a:latin typeface="Times New Roman" charset="0"/>
+                              <a:ea typeface="Times New Roman" charset="0"/>
+                              <a:cs typeface="Times New Roman" charset="0"/>
+                            </a:rPr>
+                            <a:t>20</a:t>
+                          </a:r>
+                          <a:r>
+                            <a:rPr kumimoji="1" lang="en-US" altLang="zh-CN" sz="1200" dirty="0">
+                              <a:latin typeface="Times New Roman" charset="0"/>
+                              <a:ea typeface="Times New Roman" charset="0"/>
+                              <a:cs typeface="Times New Roman" charset="0"/>
+                            </a:rPr>
+                            <a:t>) </a:t>
+                          </a:r>
+                          <a:endParaRPr kumimoji="1" lang="en-US" altLang="zh-CN" sz="1200" dirty="0" smtClean="0">
+                            <a:latin typeface="Times New Roman" charset="0"/>
+                            <a:ea typeface="Times New Roman" charset="0"/>
+                            <a:cs typeface="Times New Roman" charset="0"/>
+                          </a:endParaRPr>
+                        </a:p>
+                      </a:txBody>
+                      <a:tcPr/>
+                    </a:tc>
+                  </a:tr>
+                </a:tbl>
+              </a:graphicData>
+            </a:graphic>
+          </p:graphicFrame>
+        </mc:Choice>
+        <mc:Fallback>
+          <p:graphicFrame>
+            <p:nvGraphicFramePr>
+              <p:cNvPr id="5" name="Table 4"/>
+              <p:cNvGraphicFramePr>
+                <a:graphicFrameLocks noGrp="1"/>
+              </p:cNvGraphicFramePr>
+              <p:nvPr>
+                <p:extLst>
+                  <p:ext uri="{D42A27DB-BD31-4B8C-83A1-F6EECF244321}">
+                    <p14:modId xmlns:p14="http://schemas.microsoft.com/office/powerpoint/2010/main" val="2001314118"/>
+                  </p:ext>
+                </p:extLst>
+              </p:nvPr>
+            </p:nvGraphicFramePr>
+            <p:xfrm>
+              <a:off x="2651761" y="5321697"/>
+              <a:ext cx="3995927" cy="855266"/>
+            </p:xfrm>
+            <a:graphic>
+              <a:graphicData uri="http://schemas.openxmlformats.org/drawingml/2006/table">
+                <a:tbl>
+                  <a:tblPr firstRow="1" bandRow="1">
+                    <a:tableStyleId>{5940675A-B579-460E-94D1-54222C63F5DA}</a:tableStyleId>
+                  </a:tblPr>
+                  <a:tblGrid>
+                    <a:gridCol w="2055331"/>
+                    <a:gridCol w="1940596"/>
+                  </a:tblGrid>
+                  <a:tr h="274320">
+                    <a:tc>
+                      <a:txBody>
+                        <a:bodyPr/>
+                        <a:lstStyle/>
+                        <a:p>
+                          <a:pPr algn="r"/>
+                          <a:r>
+                            <a:rPr lang="en-US" altLang="zh-CN" sz="1200" b="1" dirty="0" smtClean="0">
+                              <a:latin typeface="Times New Roman" charset="0"/>
+                              <a:ea typeface="Times New Roman" charset="0"/>
+                              <a:cs typeface="Times New Roman" charset="0"/>
+                            </a:rPr>
+                            <a:t>Name</a:t>
+                          </a:r>
+                          <a:endParaRPr lang="en-US" sz="1200" b="1" dirty="0">
+                            <a:latin typeface="Times New Roman" charset="0"/>
+                            <a:ea typeface="Times New Roman" charset="0"/>
+                            <a:cs typeface="Times New Roman" charset="0"/>
+                          </a:endParaRPr>
+                        </a:p>
+                      </a:txBody>
+                      <a:tcPr/>
+                    </a:tc>
+                    <a:tc>
+                      <a:txBody>
+                        <a:bodyPr/>
+                        <a:lstStyle/>
+                        <a:p>
+                          <a:pPr algn="r"/>
+                          <a:r>
+                            <a:rPr lang="en-US" altLang="zh-CN" sz="1200" b="1" dirty="0" smtClean="0">
+                              <a:latin typeface="Times New Roman" charset="0"/>
+                              <a:ea typeface="Times New Roman" charset="0"/>
+                              <a:cs typeface="Times New Roman" charset="0"/>
+                            </a:rPr>
+                            <a:t>Size</a:t>
+                          </a:r>
+                          <a:endParaRPr lang="en-US" sz="1200" b="1" dirty="0">
+                            <a:latin typeface="Times New Roman" charset="0"/>
+                            <a:ea typeface="Times New Roman" charset="0"/>
+                            <a:cs typeface="Times New Roman" charset="0"/>
+                          </a:endParaRPr>
+                        </a:p>
+                      </a:txBody>
+                      <a:tcPr/>
+                    </a:tc>
+                  </a:tr>
+                  <a:tr h="274320">
+                    <a:tc>
+                      <a:txBody>
+                        <a:bodyPr/>
+                        <a:lstStyle/>
+                        <a:p>
+                          <a:pPr algn="r"/>
+                          <a:r>
+                            <a:rPr kumimoji="1" lang="en-US" altLang="zh-CN" sz="1200" dirty="0" err="1" smtClean="0">
+                              <a:latin typeface="Times New Roman" charset="0"/>
+                              <a:ea typeface="Times New Roman" charset="0"/>
+                              <a:cs typeface="Times New Roman" charset="0"/>
+                            </a:rPr>
+                            <a:t>allPlayers.csv</a:t>
+                          </a:r>
+                          <a:endParaRPr lang="en-US" sz="1200" dirty="0">
+                            <a:latin typeface="Times New Roman" charset="0"/>
+                            <a:ea typeface="Times New Roman" charset="0"/>
+                            <a:cs typeface="Times New Roman" charset="0"/>
+                          </a:endParaRPr>
+                        </a:p>
+                      </a:txBody>
+                      <a:tcPr/>
+                    </a:tc>
+                    <a:tc>
+                      <a:txBody>
+                        <a:bodyPr/>
+                        <a:lstStyle/>
+                        <a:p>
+                          <a:endParaRPr lang="en-US"/>
+                        </a:p>
+                      </a:txBody>
+                      <a:tcPr>
+                        <a:blipFill rotWithShape="0">
+                          <a:blip r:embed="rId2"/>
+                          <a:stretch>
+                            <a:fillRect l="-106270" t="-104444" r="-627" b="-117778"/>
+                          </a:stretch>
+                        </a:blipFill>
+                      </a:tcPr>
+                    </a:tc>
+                  </a:tr>
+                  <a:tr h="306626">
+                    <a:tc>
+                      <a:txBody>
+                        <a:bodyPr/>
+                        <a:lstStyle/>
+                        <a:p>
+                          <a:pPr algn="r"/>
+                          <a:r>
+                            <a:rPr kumimoji="1" lang="en-US" altLang="zh-CN" sz="1200" dirty="0" smtClean="0">
+                              <a:latin typeface="Times New Roman" charset="0"/>
+                              <a:ea typeface="Times New Roman" charset="0"/>
+                              <a:cs typeface="Times New Roman" charset="0"/>
+                            </a:rPr>
+                            <a:t>lineups_11To16.csv</a:t>
+                          </a:r>
+                          <a:endParaRPr lang="en-US" sz="1200" dirty="0">
+                            <a:latin typeface="Times New Roman" charset="0"/>
+                            <a:ea typeface="Times New Roman" charset="0"/>
+                            <a:cs typeface="Times New Roman" charset="0"/>
+                          </a:endParaRPr>
+                        </a:p>
+                      </a:txBody>
+                      <a:tcPr/>
+                    </a:tc>
+                    <a:tc>
+                      <a:txBody>
+                        <a:bodyPr/>
+                        <a:lstStyle/>
+                        <a:p>
+                          <a:endParaRPr lang="en-US"/>
+                        </a:p>
+                      </a:txBody>
+                      <a:tcPr>
+                        <a:blipFill rotWithShape="0">
+                          <a:blip r:embed="rId2"/>
+                          <a:stretch>
+                            <a:fillRect l="-106270" t="-180392" r="-627" b="-3922"/>
+                          </a:stretch>
+                        </a:blipFill>
+                      </a:tcPr>
+                    </a:tc>
+                  </a:tr>
+                </a:tbl>
+              </a:graphicData>
+            </a:graphic>
+          </p:graphicFrame>
+        </mc:Fallback>
+      </mc:AlternateContent>
     </p:spTree>
     <p:extLst>
       <p:ext uri="{BB962C8B-B14F-4D97-AF65-F5344CB8AC3E}">
@@ -8318,7 +9621,12 @@
             <p:ph type="title"/>
           </p:nvPr>
         </p:nvSpPr>
-        <p:spPr/>
+        <p:spPr>
+          <a:xfrm>
+            <a:off x="838200" y="450573"/>
+            <a:ext cx="10515600" cy="1375051"/>
+          </a:xfrm>
+        </p:spPr>
         <p:txBody>
           <a:bodyPr/>
           <a:lstStyle/>
@@ -8329,7 +9637,7 @@
                 <a:ea typeface="Times New Roman" charset="0"/>
                 <a:cs typeface="Times New Roman" charset="0"/>
               </a:rPr>
-              <a:t>Feature</a:t>
+              <a:t>Player</a:t>
             </a:r>
             <a:r>
               <a:rPr kumimoji="1" lang="zh-CN" altLang="en-US" b="1" dirty="0" smtClean="0">
@@ -8340,333 +9648,573 @@
               <a:t> </a:t>
             </a:r>
             <a:r>
-              <a:rPr kumimoji="1" lang="en-US" altLang="zh-CN" b="1" dirty="0" smtClean="0">
-                <a:latin typeface="Times New Roman" charset="0"/>
-                <a:ea typeface="Times New Roman" charset="0"/>
-                <a:cs typeface="Times New Roman" charset="0"/>
-              </a:rPr>
-              <a:t>Extract</a:t>
-            </a:r>
-            <a:endParaRPr kumimoji="1" lang="zh-CN" altLang="en-US" b="1" dirty="0">
-              <a:latin typeface="Times New Roman" charset="0"/>
-              <a:ea typeface="Times New Roman" charset="0"/>
-              <a:cs typeface="Times New Roman" charset="0"/>
-            </a:endParaRPr>
+              <a:rPr kumimoji="1" lang="en-US" altLang="zh-CN" b="1" dirty="0">
+                <a:latin typeface="Times New Roman" charset="0"/>
+                <a:ea typeface="Times New Roman" charset="0"/>
+                <a:cs typeface="Times New Roman" charset="0"/>
+              </a:rPr>
+              <a:t>Clustering</a:t>
+            </a:r>
+            <a:r>
+              <a:rPr kumimoji="1" lang="zh-CN" altLang="en-US" b="1" dirty="0">
+                <a:latin typeface="Times New Roman" charset="0"/>
+                <a:ea typeface="Times New Roman" charset="0"/>
+                <a:cs typeface="Times New Roman" charset="0"/>
+              </a:rPr>
+              <a:t> </a:t>
+            </a:r>
           </a:p>
         </p:txBody>
       </p:sp>
-      <p:sp>
-        <p:nvSpPr>
-          <p:cNvPr id="3" name="内容占位符 2"/>
-          <p:cNvSpPr>
-            <a:spLocks noGrp="1"/>
-          </p:cNvSpPr>
-          <p:nvPr>
-            <p:ph idx="1"/>
-          </p:nvPr>
-        </p:nvSpPr>
-        <p:spPr/>
-        <p:txBody>
-          <a:bodyPr/>
-          <a:lstStyle/>
-          <a:p>
-            <a:pPr>
-              <a:lnSpc>
-                <a:spcPct val="150000"/>
-              </a:lnSpc>
-            </a:pPr>
-            <a:r>
-              <a:rPr lang="en-US" altLang="zh-CN" dirty="0">
-                <a:latin typeface="Times New Roman" charset="0"/>
-                <a:ea typeface="Times New Roman" charset="0"/>
-                <a:cs typeface="Times New Roman" charset="0"/>
-              </a:rPr>
-              <a:t>Principle Component Analysis</a:t>
-            </a:r>
-            <a:r>
-              <a:rPr lang="zh-CN" altLang="en-US" dirty="0">
-                <a:latin typeface="Times New Roman" charset="0"/>
-                <a:ea typeface="Times New Roman" charset="0"/>
-                <a:cs typeface="Times New Roman" charset="0"/>
-              </a:rPr>
-              <a:t> </a:t>
-            </a:r>
-            <a:r>
-              <a:rPr lang="en-US" altLang="zh-CN" dirty="0">
-                <a:latin typeface="Times New Roman" charset="0"/>
-                <a:ea typeface="Times New Roman" charset="0"/>
-                <a:cs typeface="Times New Roman" charset="0"/>
-              </a:rPr>
-              <a:t>(PCA</a:t>
-            </a:r>
-            <a:r>
-              <a:rPr lang="en-US" altLang="zh-CN" dirty="0" smtClean="0">
-                <a:latin typeface="Times New Roman" charset="0"/>
-                <a:ea typeface="Times New Roman" charset="0"/>
-                <a:cs typeface="Times New Roman" charset="0"/>
-              </a:rPr>
-              <a:t>)</a:t>
-            </a:r>
-          </a:p>
-          <a:p>
-            <a:pPr>
-              <a:lnSpc>
-                <a:spcPct val="150000"/>
-              </a:lnSpc>
-            </a:pPr>
-            <a:r>
-              <a:rPr kumimoji="1" lang="en-US" altLang="zh-CN" dirty="0" smtClean="0">
-                <a:latin typeface="Times New Roman" charset="0"/>
-                <a:ea typeface="Times New Roman" charset="0"/>
-                <a:cs typeface="Times New Roman" charset="0"/>
-              </a:rPr>
-              <a:t>What</a:t>
-            </a:r>
-            <a:r>
-              <a:rPr kumimoji="1" lang="zh-CN" altLang="en-US" dirty="0" smtClean="0">
-                <a:latin typeface="Times New Roman" charset="0"/>
-                <a:ea typeface="Times New Roman" charset="0"/>
-                <a:cs typeface="Times New Roman" charset="0"/>
-              </a:rPr>
-              <a:t> </a:t>
-            </a:r>
-            <a:r>
-              <a:rPr kumimoji="1" lang="en-US" altLang="zh-CN" dirty="0" smtClean="0">
-                <a:latin typeface="Times New Roman" charset="0"/>
-                <a:ea typeface="Times New Roman" charset="0"/>
-                <a:cs typeface="Times New Roman" charset="0"/>
-              </a:rPr>
-              <a:t>is</a:t>
-            </a:r>
-            <a:r>
-              <a:rPr kumimoji="1" lang="zh-CN" altLang="en-US" dirty="0" smtClean="0">
-                <a:latin typeface="Times New Roman" charset="0"/>
-                <a:ea typeface="Times New Roman" charset="0"/>
-                <a:cs typeface="Times New Roman" charset="0"/>
-              </a:rPr>
-              <a:t> </a:t>
-            </a:r>
-            <a:r>
-              <a:rPr kumimoji="1" lang="en-US" altLang="zh-CN" dirty="0" smtClean="0">
-                <a:latin typeface="Times New Roman" charset="0"/>
-                <a:ea typeface="Times New Roman" charset="0"/>
-                <a:cs typeface="Times New Roman" charset="0"/>
-              </a:rPr>
-              <a:t>PCA</a:t>
-            </a:r>
-            <a:r>
-              <a:rPr kumimoji="1" lang="zh-CN" altLang="en-US" dirty="0" smtClean="0">
-                <a:latin typeface="Times New Roman" charset="0"/>
-                <a:ea typeface="Times New Roman" charset="0"/>
-                <a:cs typeface="Times New Roman" charset="0"/>
-              </a:rPr>
-              <a:t> </a:t>
-            </a:r>
-            <a:r>
-              <a:rPr kumimoji="1" lang="en-US" altLang="zh-CN" dirty="0" smtClean="0">
-                <a:latin typeface="Times New Roman" charset="0"/>
-                <a:ea typeface="Times New Roman" charset="0"/>
-                <a:cs typeface="Times New Roman" charset="0"/>
-              </a:rPr>
-              <a:t>and</a:t>
-            </a:r>
-            <a:r>
-              <a:rPr kumimoji="1" lang="zh-CN" altLang="en-US" dirty="0" smtClean="0">
-                <a:latin typeface="Times New Roman" charset="0"/>
-                <a:ea typeface="Times New Roman" charset="0"/>
-                <a:cs typeface="Times New Roman" charset="0"/>
-              </a:rPr>
-              <a:t> </a:t>
-            </a:r>
-            <a:r>
-              <a:rPr kumimoji="1" lang="en-US" altLang="zh-CN" dirty="0" smtClean="0">
-                <a:latin typeface="Times New Roman" charset="0"/>
-                <a:ea typeface="Times New Roman" charset="0"/>
-                <a:cs typeface="Times New Roman" charset="0"/>
-              </a:rPr>
-              <a:t>how</a:t>
-            </a:r>
-            <a:r>
-              <a:rPr kumimoji="1" lang="zh-CN" altLang="en-US" dirty="0">
-                <a:latin typeface="Times New Roman" charset="0"/>
-                <a:ea typeface="Times New Roman" charset="0"/>
-                <a:cs typeface="Times New Roman" charset="0"/>
-              </a:rPr>
-              <a:t> </a:t>
-            </a:r>
-            <a:r>
-              <a:rPr kumimoji="1" lang="en-US" altLang="zh-CN" dirty="0" smtClean="0">
-                <a:latin typeface="Times New Roman" charset="0"/>
-                <a:ea typeface="Times New Roman" charset="0"/>
-                <a:cs typeface="Times New Roman" charset="0"/>
-              </a:rPr>
-              <a:t>does</a:t>
-            </a:r>
-            <a:r>
-              <a:rPr kumimoji="1" lang="zh-CN" altLang="en-US" dirty="0" smtClean="0">
-                <a:latin typeface="Times New Roman" charset="0"/>
-                <a:ea typeface="Times New Roman" charset="0"/>
-                <a:cs typeface="Times New Roman" charset="0"/>
-              </a:rPr>
-              <a:t> </a:t>
-            </a:r>
-            <a:r>
-              <a:rPr kumimoji="1" lang="en-US" altLang="zh-CN" dirty="0" smtClean="0">
-                <a:latin typeface="Times New Roman" charset="0"/>
-                <a:ea typeface="Times New Roman" charset="0"/>
-                <a:cs typeface="Times New Roman" charset="0"/>
-              </a:rPr>
-              <a:t>it</a:t>
-            </a:r>
-            <a:r>
-              <a:rPr kumimoji="1" lang="zh-CN" altLang="en-US" dirty="0" smtClean="0">
-                <a:latin typeface="Times New Roman" charset="0"/>
-                <a:ea typeface="Times New Roman" charset="0"/>
-                <a:cs typeface="Times New Roman" charset="0"/>
-              </a:rPr>
-              <a:t> </a:t>
-            </a:r>
-            <a:r>
-              <a:rPr kumimoji="1" lang="en-US" altLang="zh-CN" dirty="0" smtClean="0">
-                <a:latin typeface="Times New Roman" charset="0"/>
-                <a:ea typeface="Times New Roman" charset="0"/>
-                <a:cs typeface="Times New Roman" charset="0"/>
-              </a:rPr>
-              <a:t>work?</a:t>
-            </a:r>
-            <a:r>
-              <a:rPr kumimoji="1" lang="zh-CN" altLang="en-US" dirty="0" smtClean="0">
-                <a:latin typeface="Times New Roman" charset="0"/>
-                <a:ea typeface="Times New Roman" charset="0"/>
-                <a:cs typeface="Times New Roman" charset="0"/>
-              </a:rPr>
-              <a:t> </a:t>
-            </a:r>
-            <a:endParaRPr kumimoji="1" lang="en-US" altLang="zh-CN" dirty="0" smtClean="0">
-              <a:latin typeface="Times New Roman" charset="0"/>
-              <a:ea typeface="Times New Roman" charset="0"/>
-              <a:cs typeface="Times New Roman" charset="0"/>
-            </a:endParaRPr>
-          </a:p>
-          <a:p>
-            <a:pPr>
-              <a:lnSpc>
-                <a:spcPct val="150000"/>
-              </a:lnSpc>
-            </a:pPr>
-            <a:r>
-              <a:rPr kumimoji="1" lang="en-US" altLang="zh-CN" dirty="0" smtClean="0">
-                <a:latin typeface="Times New Roman" charset="0"/>
-                <a:ea typeface="Times New Roman" charset="0"/>
-                <a:cs typeface="Times New Roman" charset="0"/>
-                <a:hlinkClick r:id="rId3" action="ppaction://hlinksldjump"/>
-              </a:rPr>
-              <a:t>How</a:t>
-            </a:r>
-            <a:r>
-              <a:rPr kumimoji="1" lang="zh-CN" altLang="en-US" dirty="0" smtClean="0">
-                <a:latin typeface="Times New Roman" charset="0"/>
-                <a:ea typeface="Times New Roman" charset="0"/>
-                <a:cs typeface="Times New Roman" charset="0"/>
-                <a:hlinkClick r:id="rId3" action="ppaction://hlinksldjump"/>
-              </a:rPr>
-              <a:t> </a:t>
-            </a:r>
-            <a:r>
-              <a:rPr kumimoji="1" lang="en-US" altLang="zh-CN" dirty="0">
-                <a:latin typeface="Times New Roman" charset="0"/>
-                <a:ea typeface="Times New Roman" charset="0"/>
-                <a:cs typeface="Times New Roman" charset="0"/>
-                <a:hlinkClick r:id="rId3" action="ppaction://hlinksldjump"/>
-              </a:rPr>
-              <a:t>to</a:t>
-            </a:r>
-            <a:r>
-              <a:rPr kumimoji="1" lang="zh-CN" altLang="en-US" dirty="0">
-                <a:latin typeface="Times New Roman" charset="0"/>
-                <a:ea typeface="Times New Roman" charset="0"/>
-                <a:cs typeface="Times New Roman" charset="0"/>
-                <a:hlinkClick r:id="rId3" action="ppaction://hlinksldjump"/>
-              </a:rPr>
-              <a:t> </a:t>
-            </a:r>
-            <a:r>
-              <a:rPr kumimoji="1" lang="en-US" altLang="zh-CN" dirty="0" smtClean="0">
-                <a:latin typeface="Times New Roman" charset="0"/>
-                <a:ea typeface="Times New Roman" charset="0"/>
-                <a:cs typeface="Times New Roman" charset="0"/>
-                <a:hlinkClick r:id="rId3" action="ppaction://hlinksldjump"/>
-              </a:rPr>
-              <a:t>select</a:t>
-            </a:r>
-            <a:r>
-              <a:rPr kumimoji="1" lang="zh-CN" altLang="en-US" dirty="0" smtClean="0">
-                <a:latin typeface="Times New Roman" charset="0"/>
-                <a:ea typeface="Times New Roman" charset="0"/>
-                <a:cs typeface="Times New Roman" charset="0"/>
-                <a:hlinkClick r:id="rId3" action="ppaction://hlinksldjump"/>
-              </a:rPr>
-              <a:t> </a:t>
-            </a:r>
-            <a:r>
-              <a:rPr kumimoji="1" lang="en-US" altLang="zh-CN" dirty="0" smtClean="0">
-                <a:latin typeface="Times New Roman" charset="0"/>
-                <a:ea typeface="Times New Roman" charset="0"/>
-                <a:cs typeface="Times New Roman" charset="0"/>
-                <a:hlinkClick r:id="rId3" action="ppaction://hlinksldjump"/>
-              </a:rPr>
-              <a:t>the</a:t>
-            </a:r>
-            <a:r>
-              <a:rPr kumimoji="1" lang="zh-CN" altLang="en-US" dirty="0" smtClean="0">
-                <a:latin typeface="Times New Roman" charset="0"/>
-                <a:ea typeface="Times New Roman" charset="0"/>
-                <a:cs typeface="Times New Roman" charset="0"/>
-                <a:hlinkClick r:id="rId3" action="ppaction://hlinksldjump"/>
-              </a:rPr>
-              <a:t> </a:t>
-            </a:r>
-            <a:r>
-              <a:rPr kumimoji="1" lang="en-US" altLang="zh-CN" dirty="0" smtClean="0">
-                <a:latin typeface="Times New Roman" charset="0"/>
-                <a:ea typeface="Times New Roman" charset="0"/>
-                <a:cs typeface="Times New Roman" charset="0"/>
-                <a:hlinkClick r:id="rId3" action="ppaction://hlinksldjump"/>
-              </a:rPr>
-              <a:t>best</a:t>
-            </a:r>
-            <a:r>
-              <a:rPr kumimoji="1" lang="zh-CN" altLang="en-US" dirty="0" smtClean="0">
-                <a:latin typeface="Times New Roman" charset="0"/>
-                <a:ea typeface="Times New Roman" charset="0"/>
-                <a:cs typeface="Times New Roman" charset="0"/>
-                <a:hlinkClick r:id="rId3" action="ppaction://hlinksldjump"/>
-              </a:rPr>
-              <a:t> </a:t>
-            </a:r>
-            <a:r>
-              <a:rPr kumimoji="1" lang="en-US" altLang="zh-CN" dirty="0">
-                <a:latin typeface="Times New Roman" charset="0"/>
-                <a:ea typeface="Times New Roman" charset="0"/>
-                <a:cs typeface="Times New Roman" charset="0"/>
-                <a:hlinkClick r:id="rId3" action="ppaction://hlinksldjump"/>
-              </a:rPr>
-              <a:t>k</a:t>
-            </a:r>
-            <a:r>
-              <a:rPr kumimoji="1" lang="en-US" altLang="zh-CN" dirty="0" smtClean="0">
-                <a:latin typeface="Times New Roman" charset="0"/>
-                <a:ea typeface="Times New Roman" charset="0"/>
-                <a:cs typeface="Times New Roman" charset="0"/>
-              </a:rPr>
-              <a:t>?</a:t>
-            </a:r>
-          </a:p>
-          <a:p>
-            <a:endParaRPr kumimoji="1" lang="zh-CN" altLang="en-US" dirty="0"/>
-          </a:p>
-        </p:txBody>
-      </p:sp>
+      <mc:AlternateContent xmlns:mc="http://schemas.openxmlformats.org/markup-compatibility/2006">
+        <mc:Choice xmlns:a14="http://schemas.microsoft.com/office/drawing/2010/main" Requires="a14">
+          <p:sp>
+            <p:nvSpPr>
+              <p:cNvPr id="3" name="内容占位符 2"/>
+              <p:cNvSpPr>
+                <a:spLocks noGrp="1"/>
+              </p:cNvSpPr>
+              <p:nvPr>
+                <p:ph idx="1"/>
+              </p:nvPr>
+            </p:nvSpPr>
+            <p:spPr/>
+            <p:txBody>
+              <a:bodyPr/>
+              <a:lstStyle/>
+              <a:p>
+                <a:pPr>
+                  <a:lnSpc>
+                    <a:spcPct val="150000"/>
+                  </a:lnSpc>
+                </a:pPr>
+                <a:r>
+                  <a:rPr lang="en-US" altLang="zh-CN" sz="2400" dirty="0" smtClean="0">
+                    <a:latin typeface="Times New Roman" charset="0"/>
+                    <a:ea typeface="Times New Roman" charset="0"/>
+                    <a:cs typeface="Times New Roman" charset="0"/>
+                  </a:rPr>
+                  <a:t>Data</a:t>
+                </a:r>
+                <a:r>
+                  <a:rPr lang="zh-CN" altLang="en-US" sz="2400" dirty="0" smtClean="0">
+                    <a:latin typeface="Times New Roman" charset="0"/>
+                    <a:ea typeface="Times New Roman" charset="0"/>
+                    <a:cs typeface="Times New Roman" charset="0"/>
+                  </a:rPr>
+                  <a:t> </a:t>
+                </a:r>
+                <a:r>
+                  <a:rPr lang="en-US" altLang="zh-CN" sz="2400" dirty="0" smtClean="0">
+                    <a:latin typeface="Times New Roman" charset="0"/>
+                    <a:ea typeface="Times New Roman" charset="0"/>
+                    <a:cs typeface="Times New Roman" charset="0"/>
+                  </a:rPr>
+                  <a:t>selection and </a:t>
+                </a:r>
+                <a:r>
+                  <a:rPr lang="en-US" altLang="zh-CN" sz="2400" dirty="0" smtClean="0">
+                    <a:latin typeface="Times New Roman" charset="0"/>
+                    <a:ea typeface="Times New Roman" charset="0"/>
+                    <a:cs typeface="Times New Roman" charset="0"/>
+                  </a:rPr>
+                  <a:t>normalization</a:t>
+                </a:r>
+              </a:p>
+              <a:p>
+                <a:pPr lvl="1">
+                  <a:lnSpc>
+                    <a:spcPct val="150000"/>
+                  </a:lnSpc>
+                </a:pPr>
+                <a:r>
+                  <a:rPr lang="en-US" altLang="zh-CN" sz="1800" dirty="0" smtClean="0">
+                    <a:latin typeface="Times New Roman" charset="0"/>
+                    <a:ea typeface="Times New Roman" charset="0"/>
+                    <a:cs typeface="Times New Roman" charset="0"/>
+                  </a:rPr>
+                  <a:t>Players</a:t>
+                </a:r>
+                <a:r>
+                  <a:rPr lang="zh-CN" altLang="en-US" sz="1800" dirty="0" smtClean="0">
+                    <a:latin typeface="Times New Roman" charset="0"/>
+                    <a:ea typeface="Times New Roman" charset="0"/>
+                    <a:cs typeface="Times New Roman" charset="0"/>
+                  </a:rPr>
+                  <a:t> </a:t>
+                </a:r>
+                <a:r>
+                  <a:rPr lang="en-US" altLang="zh-CN" sz="1800" dirty="0">
+                    <a:latin typeface="Times New Roman" charset="0"/>
+                    <a:ea typeface="Times New Roman" charset="0"/>
+                    <a:cs typeface="Times New Roman" charset="0"/>
+                  </a:rPr>
+                  <a:t>m</a:t>
+                </a:r>
+                <a:r>
+                  <a:rPr lang="en-US" altLang="zh-CN" sz="1800" dirty="0" smtClean="0">
+                    <a:latin typeface="Times New Roman" charset="0"/>
+                    <a:ea typeface="Times New Roman" charset="0"/>
+                    <a:cs typeface="Times New Roman" charset="0"/>
+                  </a:rPr>
+                  <a:t>inutes</a:t>
+                </a:r>
+                <a:r>
+                  <a:rPr lang="zh-CN" altLang="en-US" sz="1800" dirty="0" smtClean="0">
+                    <a:latin typeface="Times New Roman" charset="0"/>
+                    <a:ea typeface="Times New Roman" charset="0"/>
+                    <a:cs typeface="Times New Roman" charset="0"/>
+                  </a:rPr>
+                  <a:t> </a:t>
+                </a:r>
+                <a:r>
+                  <a:rPr lang="en-US" altLang="zh-CN" sz="1800" dirty="0" smtClean="0">
+                    <a:latin typeface="Times New Roman" charset="0"/>
+                    <a:ea typeface="Times New Roman" charset="0"/>
+                    <a:cs typeface="Times New Roman" charset="0"/>
+                  </a:rPr>
+                  <a:t>play</a:t>
+                </a:r>
+                <a:r>
+                  <a:rPr lang="zh-CN" altLang="en-US" sz="1800" dirty="0" smtClean="0">
+                    <a:latin typeface="Times New Roman" charset="0"/>
+                    <a:ea typeface="Times New Roman" charset="0"/>
+                    <a:cs typeface="Times New Roman" charset="0"/>
+                  </a:rPr>
+                  <a:t> </a:t>
+                </a:r>
+                <a:r>
+                  <a:rPr lang="en-US" altLang="zh-CN" sz="1800" dirty="0" smtClean="0">
+                    <a:latin typeface="Times New Roman" charset="0"/>
+                    <a:ea typeface="Times New Roman" charset="0"/>
+                    <a:cs typeface="Times New Roman" charset="0"/>
+                  </a:rPr>
+                  <a:t>per</a:t>
+                </a:r>
+                <a:r>
+                  <a:rPr lang="zh-CN" altLang="en-US" sz="1800" dirty="0" smtClean="0">
+                    <a:latin typeface="Times New Roman" charset="0"/>
+                    <a:ea typeface="Times New Roman" charset="0"/>
+                    <a:cs typeface="Times New Roman" charset="0"/>
+                  </a:rPr>
+                  <a:t> </a:t>
+                </a:r>
+                <a:r>
+                  <a:rPr lang="en-US" altLang="zh-CN" sz="1800" dirty="0" smtClean="0">
+                    <a:latin typeface="Times New Roman" charset="0"/>
+                    <a:ea typeface="Times New Roman" charset="0"/>
+                    <a:cs typeface="Times New Roman" charset="0"/>
+                  </a:rPr>
+                  <a:t>game</a:t>
+                </a:r>
+                <a:r>
+                  <a:rPr lang="zh-CN" altLang="en-US" sz="1800" dirty="0" smtClean="0">
+                    <a:latin typeface="Times New Roman" charset="0"/>
+                    <a:ea typeface="Times New Roman" charset="0"/>
+                    <a:cs typeface="Times New Roman" charset="0"/>
+                  </a:rPr>
+                  <a:t> </a:t>
+                </a:r>
+                <a:r>
+                  <a:rPr lang="en-US" altLang="zh-CN" sz="1800" dirty="0" smtClean="0">
+                    <a:latin typeface="Times New Roman" charset="0"/>
+                    <a:ea typeface="Times New Roman" charset="0"/>
+                    <a:cs typeface="Times New Roman" charset="0"/>
+                  </a:rPr>
+                  <a:t>is</a:t>
+                </a:r>
+                <a:r>
+                  <a:rPr lang="zh-CN" altLang="en-US" sz="1800" dirty="0" smtClean="0">
+                    <a:latin typeface="Times New Roman" charset="0"/>
+                    <a:ea typeface="Times New Roman" charset="0"/>
+                    <a:cs typeface="Times New Roman" charset="0"/>
+                  </a:rPr>
+                  <a:t> </a:t>
+                </a:r>
+                <a:r>
+                  <a:rPr lang="en-US" altLang="zh-CN" sz="1800" dirty="0" smtClean="0">
+                    <a:latin typeface="Times New Roman" charset="0"/>
+                    <a:ea typeface="Times New Roman" charset="0"/>
+                    <a:cs typeface="Times New Roman" charset="0"/>
+                  </a:rPr>
+                  <a:t>bigger</a:t>
+                </a:r>
+                <a:r>
+                  <a:rPr lang="zh-CN" altLang="en-US" sz="1800" dirty="0" smtClean="0">
+                    <a:latin typeface="Times New Roman" charset="0"/>
+                    <a:ea typeface="Times New Roman" charset="0"/>
+                    <a:cs typeface="Times New Roman" charset="0"/>
+                  </a:rPr>
+                  <a:t> </a:t>
+                </a:r>
+                <a:r>
+                  <a:rPr lang="en-US" altLang="zh-CN" sz="1800" dirty="0" smtClean="0">
+                    <a:latin typeface="Times New Roman" charset="0"/>
+                    <a:ea typeface="Times New Roman" charset="0"/>
+                    <a:cs typeface="Times New Roman" charset="0"/>
+                  </a:rPr>
+                  <a:t>than</a:t>
+                </a:r>
+                <a:r>
+                  <a:rPr lang="zh-CN" altLang="en-US" sz="1800" dirty="0" smtClean="0">
+                    <a:latin typeface="Times New Roman" charset="0"/>
+                    <a:ea typeface="Times New Roman" charset="0"/>
+                    <a:cs typeface="Times New Roman" charset="0"/>
+                  </a:rPr>
+                  <a:t> </a:t>
+                </a:r>
+                <a:r>
+                  <a:rPr lang="en-US" altLang="zh-CN" sz="1800" dirty="0" smtClean="0">
+                    <a:latin typeface="Times New Roman" charset="0"/>
+                    <a:ea typeface="Times New Roman" charset="0"/>
+                    <a:cs typeface="Times New Roman" charset="0"/>
+                  </a:rPr>
+                  <a:t>15</a:t>
+                </a:r>
+                <a:r>
+                  <a:rPr lang="zh-CN" altLang="en-US" sz="1800" dirty="0" smtClean="0">
+                    <a:latin typeface="Times New Roman" charset="0"/>
+                    <a:ea typeface="Times New Roman" charset="0"/>
+                    <a:cs typeface="Times New Roman" charset="0"/>
+                  </a:rPr>
+                  <a:t> </a:t>
+                </a:r>
+                <a:r>
+                  <a:rPr lang="en-US" altLang="zh-CN" sz="1800" dirty="0" smtClean="0">
+                    <a:latin typeface="Times New Roman" charset="0"/>
+                    <a:ea typeface="Times New Roman" charset="0"/>
+                    <a:cs typeface="Times New Roman" charset="0"/>
+                  </a:rPr>
+                  <a:t>mins</a:t>
+                </a:r>
+              </a:p>
+              <a:p>
+                <a:pPr lvl="1">
+                  <a:lnSpc>
+                    <a:spcPct val="150000"/>
+                  </a:lnSpc>
+                </a:pPr>
+                <a14:m>
+                  <m:oMath xmlns:m="http://schemas.openxmlformats.org/officeDocument/2006/math">
+                    <m:r>
+                      <a:rPr lang="en-US" altLang="zh-CN" sz="1800" b="0" i="1" smtClean="0">
+                        <a:latin typeface="Cambria Math" charset="0"/>
+                        <a:ea typeface="Times New Roman" charset="0"/>
+                        <a:cs typeface="Times New Roman" charset="0"/>
+                      </a:rPr>
+                      <m:t>𝑁𝑜𝑟𝑚𝑎𝑙</m:t>
+                    </m:r>
+                    <m:d>
+                      <m:dPr>
+                        <m:ctrlPr>
+                          <a:rPr lang="en-US" altLang="zh-CN" sz="1800" b="0" i="1" smtClean="0">
+                            <a:latin typeface="Cambria Math" charset="0"/>
+                            <a:ea typeface="Times New Roman" charset="0"/>
+                            <a:cs typeface="Times New Roman" charset="0"/>
+                          </a:rPr>
+                        </m:ctrlPr>
+                      </m:dPr>
+                      <m:e>
+                        <m:r>
+                          <a:rPr lang="en-US" altLang="zh-CN" sz="1800" b="0" i="1" smtClean="0">
+                            <a:latin typeface="Cambria Math" charset="0"/>
+                            <a:ea typeface="Times New Roman" charset="0"/>
+                            <a:cs typeface="Times New Roman" charset="0"/>
+                          </a:rPr>
+                          <m:t>𝑣𝑎𝑙𝑢𝑒</m:t>
+                        </m:r>
+                      </m:e>
+                    </m:d>
+                    <m:r>
+                      <a:rPr lang="en-US" altLang="zh-CN" sz="1800" b="0" i="1" smtClean="0">
+                        <a:latin typeface="Cambria Math" charset="0"/>
+                        <a:ea typeface="Times New Roman" charset="0"/>
+                        <a:cs typeface="Times New Roman" charset="0"/>
+                      </a:rPr>
+                      <m:t>=</m:t>
+                    </m:r>
+                    <m:r>
+                      <a:rPr lang="zh-CN" altLang="en-US" sz="1800" b="0" i="1" smtClean="0">
+                        <a:latin typeface="Cambria Math" charset="0"/>
+                        <a:ea typeface="Times New Roman" charset="0"/>
+                        <a:cs typeface="Times New Roman" charset="0"/>
+                      </a:rPr>
+                      <m:t> </m:t>
+                    </m:r>
+                    <m:f>
+                      <m:fPr>
+                        <m:type m:val="lin"/>
+                        <m:ctrlPr>
+                          <a:rPr lang="zh-CN" altLang="en-US" sz="1800" b="0" i="1" smtClean="0">
+                            <a:latin typeface="Cambria Math" charset="0"/>
+                            <a:ea typeface="Times New Roman" charset="0"/>
+                            <a:cs typeface="Times New Roman" charset="0"/>
+                          </a:rPr>
+                        </m:ctrlPr>
+                      </m:fPr>
+                      <m:num>
+                        <m:r>
+                          <a:rPr lang="en-US" altLang="zh-CN" sz="1800" b="0" i="1" smtClean="0">
+                            <a:latin typeface="Cambria Math" charset="0"/>
+                            <a:ea typeface="Times New Roman" charset="0"/>
+                            <a:cs typeface="Times New Roman" charset="0"/>
+                          </a:rPr>
+                          <m:t>(</m:t>
+                        </m:r>
+                        <m:r>
+                          <a:rPr lang="en-US" altLang="zh-CN" sz="1800" b="0" i="1" smtClean="0">
+                            <a:latin typeface="Cambria Math" charset="0"/>
+                            <a:ea typeface="Times New Roman" charset="0"/>
+                            <a:cs typeface="Times New Roman" charset="0"/>
+                          </a:rPr>
+                          <m:t>𝑣𝑎𝑙𝑢𝑒</m:t>
+                        </m:r>
+                        <m:r>
+                          <a:rPr lang="zh-CN" altLang="en-US" sz="1800" b="0" i="1" smtClean="0">
+                            <a:latin typeface="Cambria Math" charset="0"/>
+                            <a:ea typeface="Times New Roman" charset="0"/>
+                            <a:cs typeface="Times New Roman" charset="0"/>
+                          </a:rPr>
+                          <m:t> </m:t>
+                        </m:r>
+                        <m:r>
+                          <a:rPr lang="en-US" altLang="zh-CN" sz="1800" b="0" i="1" smtClean="0">
+                            <a:latin typeface="Cambria Math" charset="0"/>
+                            <a:ea typeface="Times New Roman" charset="0"/>
+                            <a:cs typeface="Times New Roman" charset="0"/>
+                          </a:rPr>
+                          <m:t>−</m:t>
+                        </m:r>
+                        <m:r>
+                          <a:rPr lang="en-US" altLang="zh-CN" sz="1800" b="0" i="1" smtClean="0">
+                            <a:latin typeface="Cambria Math" charset="0"/>
+                            <a:ea typeface="Times New Roman" charset="0"/>
+                            <a:cs typeface="Times New Roman" charset="0"/>
+                          </a:rPr>
+                          <m:t>𝑚𝑖𝑛</m:t>
+                        </m:r>
+                        <m:r>
+                          <a:rPr lang="en-US" altLang="zh-CN" sz="1800" b="0" i="1" smtClean="0">
+                            <a:latin typeface="Cambria Math" charset="0"/>
+                            <a:ea typeface="Times New Roman" charset="0"/>
+                            <a:cs typeface="Times New Roman" charset="0"/>
+                          </a:rPr>
+                          <m:t>)</m:t>
+                        </m:r>
+                      </m:num>
+                      <m:den>
+                        <m:r>
+                          <a:rPr lang="en-US" altLang="zh-CN" sz="1800" b="0" i="1" smtClean="0">
+                            <a:latin typeface="Cambria Math" charset="0"/>
+                            <a:ea typeface="Times New Roman" charset="0"/>
+                            <a:cs typeface="Times New Roman" charset="0"/>
+                          </a:rPr>
+                          <m:t>(</m:t>
+                        </m:r>
+                        <m:r>
+                          <a:rPr lang="en-US" altLang="zh-CN" sz="1800" b="0" i="1" smtClean="0">
+                            <a:latin typeface="Cambria Math" charset="0"/>
+                            <a:ea typeface="Times New Roman" charset="0"/>
+                            <a:cs typeface="Times New Roman" charset="0"/>
+                          </a:rPr>
+                          <m:t>𝑚𝑎𝑥</m:t>
+                        </m:r>
+                        <m:r>
+                          <a:rPr lang="en-US" altLang="zh-CN" sz="1800" b="0" i="1" smtClean="0">
+                            <a:latin typeface="Cambria Math" charset="0"/>
+                            <a:ea typeface="Times New Roman" charset="0"/>
+                            <a:cs typeface="Times New Roman" charset="0"/>
+                          </a:rPr>
+                          <m:t>−</m:t>
+                        </m:r>
+                        <m:r>
+                          <a:rPr lang="en-US" altLang="zh-CN" sz="1800" b="0" i="1" smtClean="0">
+                            <a:latin typeface="Cambria Math" charset="0"/>
+                            <a:ea typeface="Times New Roman" charset="0"/>
+                            <a:cs typeface="Times New Roman" charset="0"/>
+                          </a:rPr>
+                          <m:t>𝑚𝑖𝑛</m:t>
+                        </m:r>
+                        <m:r>
+                          <a:rPr lang="en-US" altLang="zh-CN" sz="1800" b="0" i="1" smtClean="0">
+                            <a:latin typeface="Cambria Math" charset="0"/>
+                            <a:ea typeface="Times New Roman" charset="0"/>
+                            <a:cs typeface="Times New Roman" charset="0"/>
+                          </a:rPr>
+                          <m:t>)</m:t>
+                        </m:r>
+                      </m:den>
+                    </m:f>
+                  </m:oMath>
+                </a14:m>
+                <a:endParaRPr lang="en-US" altLang="zh-CN" sz="1800" dirty="0" smtClean="0">
+                  <a:latin typeface="Times New Roman" charset="0"/>
+                  <a:ea typeface="Times New Roman" charset="0"/>
+                  <a:cs typeface="Times New Roman" charset="0"/>
+                </a:endParaRPr>
+              </a:p>
+              <a:p>
+                <a:pPr>
+                  <a:lnSpc>
+                    <a:spcPct val="150000"/>
+                  </a:lnSpc>
+                </a:pPr>
+                <a:r>
+                  <a:rPr lang="en-US" sz="2400" dirty="0">
+                    <a:latin typeface="Times New Roman" charset="0"/>
+                    <a:ea typeface="Times New Roman" charset="0"/>
+                    <a:cs typeface="Times New Roman" charset="0"/>
+                  </a:rPr>
+                  <a:t>Principal component analysis (PCA</a:t>
+                </a:r>
+                <a:r>
+                  <a:rPr lang="en-US" sz="2400" dirty="0" smtClean="0">
+                    <a:latin typeface="Times New Roman" charset="0"/>
+                    <a:ea typeface="Times New Roman" charset="0"/>
+                    <a:cs typeface="Times New Roman" charset="0"/>
+                  </a:rPr>
+                  <a:t>) reduce dimension, (</a:t>
+                </a:r>
+                <a:r>
+                  <a:rPr lang="en-US" altLang="zh-CN" sz="2400" dirty="0">
+                    <a:latin typeface="Times New Roman" charset="0"/>
+                    <a:ea typeface="Times New Roman" charset="0"/>
+                    <a:cs typeface="Times New Roman" charset="0"/>
+                  </a:rPr>
+                  <a:t>Explained</a:t>
+                </a:r>
+                <a:r>
+                  <a:rPr lang="zh-CN" altLang="en-US" sz="2400" dirty="0">
+                    <a:latin typeface="Times New Roman" charset="0"/>
+                    <a:ea typeface="Times New Roman" charset="0"/>
+                    <a:cs typeface="Times New Roman" charset="0"/>
+                  </a:rPr>
+                  <a:t> </a:t>
+                </a:r>
+                <a:r>
+                  <a:rPr lang="en-US" altLang="zh-CN" sz="2400" dirty="0">
+                    <a:latin typeface="Times New Roman" charset="0"/>
+                    <a:ea typeface="Times New Roman" charset="0"/>
+                    <a:cs typeface="Times New Roman" charset="0"/>
+                  </a:rPr>
+                  <a:t>Variance</a:t>
+                </a:r>
+                <a:r>
+                  <a:rPr lang="zh-CN" altLang="en-US" sz="2400" dirty="0">
+                    <a:latin typeface="Times New Roman" charset="0"/>
+                    <a:ea typeface="Times New Roman" charset="0"/>
+                    <a:cs typeface="Times New Roman" charset="0"/>
+                  </a:rPr>
+                  <a:t> </a:t>
+                </a:r>
+                <a:r>
+                  <a:rPr lang="en-US" altLang="zh-CN" sz="2400" dirty="0" smtClean="0">
+                    <a:latin typeface="Times New Roman" charset="0"/>
+                    <a:ea typeface="Times New Roman" charset="0"/>
+                    <a:cs typeface="Times New Roman" charset="0"/>
+                  </a:rPr>
+                  <a:t>ratio</a:t>
+                </a:r>
+                <a:r>
+                  <a:rPr lang="en-US" altLang="zh-CN" sz="2400" dirty="0">
+                    <a:latin typeface="Times New Roman" charset="0"/>
+                    <a:ea typeface="Times New Roman" charset="0"/>
+                    <a:cs typeface="Times New Roman" charset="0"/>
+                  </a:rPr>
+                  <a:t> </a:t>
+                </a:r>
+                <a:r>
+                  <a:rPr lang="en-US" altLang="zh-CN" sz="2400" dirty="0" smtClean="0">
+                    <a:latin typeface="Times New Roman" charset="0"/>
+                    <a:ea typeface="Times New Roman" charset="0"/>
+                    <a:cs typeface="Times New Roman" charset="0"/>
+                  </a:rPr>
+                  <a:t>select k=3</a:t>
+                </a:r>
+                <a:r>
+                  <a:rPr lang="en-US" sz="2400" dirty="0" smtClean="0">
+                    <a:latin typeface="Times New Roman" charset="0"/>
+                    <a:ea typeface="Times New Roman" charset="0"/>
+                    <a:cs typeface="Times New Roman" charset="0"/>
+                  </a:rPr>
+                  <a:t>)</a:t>
+                </a:r>
+                <a:endParaRPr lang="en-US" sz="2400" dirty="0" smtClean="0">
+                  <a:latin typeface="Times New Roman" charset="0"/>
+                  <a:ea typeface="Times New Roman" charset="0"/>
+                  <a:cs typeface="Times New Roman" charset="0"/>
+                </a:endParaRPr>
+              </a:p>
+              <a:p>
+                <a:r>
+                  <a:rPr lang="en-CA" altLang="zh-CN" sz="2400" dirty="0" smtClean="0">
+                    <a:latin typeface="Times New Roman" charset="0"/>
+                    <a:ea typeface="Times New Roman" charset="0"/>
+                    <a:cs typeface="Times New Roman" charset="0"/>
+                  </a:rPr>
+                  <a:t>K-means </a:t>
+                </a:r>
+                <a:r>
+                  <a:rPr lang="en-CA" altLang="zh-CN" sz="2400" dirty="0" smtClean="0">
+                    <a:latin typeface="Times New Roman" charset="0"/>
+                    <a:ea typeface="Times New Roman" charset="0"/>
+                    <a:cs typeface="Times New Roman" charset="0"/>
+                  </a:rPr>
+                  <a:t>Clustering</a:t>
+                </a:r>
+              </a:p>
+              <a:p>
+                <a:r>
+                  <a:rPr lang="en-US" altLang="zh-CN" sz="2400" dirty="0" smtClean="0">
+                    <a:latin typeface="Times New Roman" charset="0"/>
+                    <a:ea typeface="Times New Roman" charset="0"/>
+                    <a:cs typeface="Times New Roman" charset="0"/>
+                  </a:rPr>
+                  <a:t>Results</a:t>
+                </a:r>
+                <a:endParaRPr lang="zh-CN" altLang="en-US" sz="2400" dirty="0">
+                  <a:latin typeface="Times New Roman" charset="0"/>
+                  <a:ea typeface="Times New Roman" charset="0"/>
+                  <a:cs typeface="Times New Roman" charset="0"/>
+                </a:endParaRPr>
+              </a:p>
+            </p:txBody>
+          </p:sp>
+        </mc:Choice>
+        <mc:Fallback>
+          <p:sp>
+            <p:nvSpPr>
+              <p:cNvPr id="3" name="内容占位符 2"/>
+              <p:cNvSpPr>
+                <a:spLocks noGrp="1" noRot="1" noChangeAspect="1" noMove="1" noResize="1" noEditPoints="1" noAdjustHandles="1" noChangeArrowheads="1" noChangeShapeType="1" noTextEdit="1"/>
+              </p:cNvSpPr>
+              <p:nvPr>
+                <p:ph idx="1"/>
+              </p:nvPr>
+            </p:nvSpPr>
+            <p:spPr>
+              <a:blipFill rotWithShape="0">
+                <a:blip r:embed="rId3"/>
+                <a:stretch>
+                  <a:fillRect l="-812"/>
+                </a:stretch>
+              </a:blipFill>
+            </p:spPr>
+            <p:txBody>
+              <a:bodyPr/>
+              <a:lstStyle/>
+              <a:p>
+                <a:r>
+                  <a:rPr lang="en-US">
+                    <a:noFill/>
+                  </a:rPr>
+                  <a:t> </a:t>
+                </a:r>
+              </a:p>
+            </p:txBody>
+          </p:sp>
+        </mc:Fallback>
+      </mc:AlternateContent>
     </p:spTree>
     <p:extLst>
       <p:ext uri="{BB962C8B-B14F-4D97-AF65-F5344CB8AC3E}">
@@ -8688,6 +10236,129 @@
 </file>
 
 <file path=ppt/slides/slide5.xml><?xml version="1.0" encoding="utf-8"?>
+<p:sld xmlns:a="http://schemas.openxmlformats.org/drawingml/2006/main" xmlns:r="http://schemas.openxmlformats.org/officeDocument/2006/relationships" xmlns:p="http://schemas.openxmlformats.org/presentationml/2006/main">
+  <p:cSld>
+    <p:spTree>
+      <p:nvGrpSpPr>
+        <p:cNvPr id="1" name=""/>
+        <p:cNvGrpSpPr/>
+        <p:nvPr/>
+      </p:nvGrpSpPr>
+      <p:grpSpPr>
+        <a:xfrm>
+          <a:off x="0" y="0"/>
+          <a:ext cx="0" cy="0"/>
+          <a:chOff x="0" y="0"/>
+          <a:chExt cx="0" cy="0"/>
+        </a:xfrm>
+      </p:grpSpPr>
+      <p:sp>
+        <p:nvSpPr>
+          <p:cNvPr id="4" name="Title 3"/>
+          <p:cNvSpPr>
+            <a:spLocks noGrp="1"/>
+          </p:cNvSpPr>
+          <p:nvPr>
+            <p:ph type="title"/>
+          </p:nvPr>
+        </p:nvSpPr>
+        <p:spPr>
+          <a:xfrm>
+            <a:off x="838200" y="365125"/>
+            <a:ext cx="4556760" cy="613283"/>
+          </a:xfrm>
+        </p:spPr>
+        <p:txBody>
+          <a:bodyPr>
+            <a:normAutofit/>
+          </a:bodyPr>
+          <a:lstStyle/>
+          <a:p>
+            <a:r>
+              <a:rPr kumimoji="1" lang="en-CA" altLang="zh-CN" sz="2400" b="1" dirty="0">
+                <a:latin typeface="Times New Roman" charset="0"/>
+                <a:ea typeface="Times New Roman" charset="0"/>
+                <a:cs typeface="Times New Roman" charset="0"/>
+              </a:rPr>
+              <a:t>Player Clustering Results</a:t>
+            </a:r>
+            <a:endParaRPr lang="en-US" sz="2400" dirty="0"/>
+          </a:p>
+        </p:txBody>
+      </p:sp>
+      <p:pic>
+        <p:nvPicPr>
+          <p:cNvPr id="8" name="Content Placeholder 7"/>
+          <p:cNvPicPr>
+            <a:picLocks noGrp="1" noChangeAspect="1"/>
+          </p:cNvPicPr>
+          <p:nvPr>
+            <p:ph sz="half" idx="2"/>
+          </p:nvPr>
+        </p:nvPicPr>
+        <p:blipFill>
+          <a:blip r:embed="rId2">
+            <a:extLst>
+              <a:ext uri="{28A0092B-C50C-407E-A947-70E740481C1C}">
+                <a14:useLocalDpi xmlns:a14="http://schemas.microsoft.com/office/drawing/2010/main" val="0"/>
+              </a:ext>
+            </a:extLst>
+          </a:blip>
+          <a:stretch>
+            <a:fillRect/>
+          </a:stretch>
+        </p:blipFill>
+        <p:spPr>
+          <a:xfrm>
+            <a:off x="265175" y="978408"/>
+            <a:ext cx="6739129" cy="5615941"/>
+          </a:xfrm>
+        </p:spPr>
+      </p:pic>
+      <p:pic>
+        <p:nvPicPr>
+          <p:cNvPr id="11" name="Picture 10"/>
+          <p:cNvPicPr>
+            <a:picLocks noChangeAspect="1"/>
+          </p:cNvPicPr>
+          <p:nvPr/>
+        </p:nvPicPr>
+        <p:blipFill>
+          <a:blip r:embed="rId3">
+            <a:extLst>
+              <a:ext uri="{28A0092B-C50C-407E-A947-70E740481C1C}">
+                <a14:useLocalDpi xmlns:a14="http://schemas.microsoft.com/office/drawing/2010/main" val="0"/>
+              </a:ext>
+            </a:extLst>
+          </a:blip>
+          <a:stretch>
+            <a:fillRect/>
+          </a:stretch>
+        </p:blipFill>
+        <p:spPr>
+          <a:xfrm>
+            <a:off x="7258506" y="136907"/>
+            <a:ext cx="3878886" cy="6318757"/>
+          </a:xfrm>
+          <a:prstGeom prst="rect">
+            <a:avLst/>
+          </a:prstGeom>
+        </p:spPr>
+      </p:pic>
+    </p:spTree>
+    <p:extLst>
+      <p:ext uri="{BB962C8B-B14F-4D97-AF65-F5344CB8AC3E}">
+        <p14:creationId xmlns:p14="http://schemas.microsoft.com/office/powerpoint/2010/main" val="27333075"/>
+      </p:ext>
+    </p:extLst>
+  </p:cSld>
+  <p:clrMapOvr>
+    <a:masterClrMapping/>
+  </p:clrMapOvr>
+</p:sld>
+</file>
+
+<file path=ppt/slides/slide6.xml><?xml version="1.0" encoding="utf-8"?>
 <p:sld xmlns:a="http://schemas.openxmlformats.org/drawingml/2006/main" xmlns:r="http://schemas.openxmlformats.org/officeDocument/2006/relationships" xmlns:p="http://schemas.openxmlformats.org/presentationml/2006/main">
   <p:cSld>
     <p:spTree>
@@ -9860,127 +11531,6 @@
 </p:sld>
 </file>
 
-<file path=ppt/slides/slide6.xml><?xml version="1.0" encoding="utf-8"?>
-<p:sld xmlns:a="http://schemas.openxmlformats.org/drawingml/2006/main" xmlns:r="http://schemas.openxmlformats.org/officeDocument/2006/relationships" xmlns:p="http://schemas.openxmlformats.org/presentationml/2006/main">
-  <p:cSld>
-    <p:bg>
-      <p:bgPr>
-        <a:solidFill>
-          <a:schemeClr val="bg1"/>
-        </a:solidFill>
-        <a:effectLst/>
-      </p:bgPr>
-    </p:bg>
-    <p:spTree>
-      <p:nvGrpSpPr>
-        <p:cNvPr id="1" name=""/>
-        <p:cNvGrpSpPr/>
-        <p:nvPr/>
-      </p:nvGrpSpPr>
-      <p:grpSpPr>
-        <a:xfrm>
-          <a:off x="0" y="0"/>
-          <a:ext cx="0" cy="0"/>
-          <a:chOff x="0" y="0"/>
-          <a:chExt cx="0" cy="0"/>
-        </a:xfrm>
-      </p:grpSpPr>
-      <p:sp>
-        <p:nvSpPr>
-          <p:cNvPr id="2" name="标题 1"/>
-          <p:cNvSpPr>
-            <a:spLocks noGrp="1"/>
-          </p:cNvSpPr>
-          <p:nvPr>
-            <p:ph type="title"/>
-          </p:nvPr>
-        </p:nvSpPr>
-        <p:spPr/>
-        <p:txBody>
-          <a:bodyPr/>
-          <a:lstStyle/>
-          <a:p>
-            <a:r>
-              <a:rPr kumimoji="1" lang="en-US" altLang="zh-CN" b="1" dirty="0" smtClean="0">
-                <a:latin typeface="Times New Roman" charset="0"/>
-                <a:ea typeface="Times New Roman" charset="0"/>
-                <a:cs typeface="Times New Roman" charset="0"/>
-              </a:rPr>
-              <a:t>PCA</a:t>
-            </a:r>
-            <a:r>
-              <a:rPr kumimoji="1" lang="zh-CN" altLang="en-US" b="1" dirty="0" smtClean="0">
-                <a:latin typeface="Times New Roman" charset="0"/>
-                <a:ea typeface="Times New Roman" charset="0"/>
-                <a:cs typeface="Times New Roman" charset="0"/>
-              </a:rPr>
-              <a:t> </a:t>
-            </a:r>
-            <a:r>
-              <a:rPr kumimoji="1" lang="en-US" altLang="zh-CN" b="1" dirty="0" smtClean="0">
-                <a:latin typeface="Times New Roman" charset="0"/>
-                <a:ea typeface="Times New Roman" charset="0"/>
-                <a:cs typeface="Times New Roman" charset="0"/>
-              </a:rPr>
-              <a:t>Result</a:t>
-            </a:r>
-            <a:endParaRPr kumimoji="1" lang="zh-CN" altLang="en-US" b="1" dirty="0">
-              <a:latin typeface="Times New Roman" charset="0"/>
-              <a:ea typeface="Times New Roman" charset="0"/>
-              <a:cs typeface="Times New Roman" charset="0"/>
-            </a:endParaRPr>
-          </a:p>
-        </p:txBody>
-      </p:sp>
-      <p:pic>
-        <p:nvPicPr>
-          <p:cNvPr id="7" name="内容占位符 6"/>
-          <p:cNvPicPr>
-            <a:picLocks noGrp="1" noChangeAspect="1"/>
-          </p:cNvPicPr>
-          <p:nvPr>
-            <p:ph idx="1"/>
-          </p:nvPr>
-        </p:nvPicPr>
-        <p:blipFill>
-          <a:blip r:embed="rId3">
-            <a:extLst>
-              <a:ext uri="{28A0092B-C50C-407E-A947-70E740481C1C}">
-                <a14:useLocalDpi xmlns:a14="http://schemas.microsoft.com/office/drawing/2010/main" val="0"/>
-              </a:ext>
-            </a:extLst>
-          </a:blip>
-          <a:stretch>
-            <a:fillRect/>
-          </a:stretch>
-        </p:blipFill>
-        <p:spPr>
-          <a:xfrm>
-            <a:off x="2651997" y="1232800"/>
-            <a:ext cx="6888006" cy="5166005"/>
-          </a:xfrm>
-        </p:spPr>
-      </p:pic>
-    </p:spTree>
-    <p:extLst>
-      <p:ext uri="{BB962C8B-B14F-4D97-AF65-F5344CB8AC3E}">
-        <p14:creationId xmlns:p14="http://schemas.microsoft.com/office/powerpoint/2010/main" val="1983817334"/>
-      </p:ext>
-    </p:extLst>
-  </p:cSld>
-  <p:clrMapOvr>
-    <a:masterClrMapping/>
-  </p:clrMapOvr>
-  <p:timing>
-    <p:tnLst>
-      <p:par>
-        <p:cTn id="1" dur="indefinite" restart="never" nodeType="tmRoot"/>
-      </p:par>
-    </p:tnLst>
-  </p:timing>
-</p:sld>
-</file>
-
 <file path=ppt/slides/slide7.xml><?xml version="1.0" encoding="utf-8"?>
 <p:sld xmlns:a="http://schemas.openxmlformats.org/drawingml/2006/main" xmlns:r="http://schemas.openxmlformats.org/officeDocument/2006/relationships" xmlns:p="http://schemas.openxmlformats.org/presentationml/2006/main">
   <p:cSld>
@@ -10010,48 +11560,106 @@
         </p:nvSpPr>
         <p:spPr>
           <a:xfrm>
-            <a:off x="838200" y="402195"/>
-            <a:ext cx="10515600" cy="1325563"/>
+            <a:off x="838200" y="516835"/>
+            <a:ext cx="8214360" cy="653597"/>
           </a:xfrm>
         </p:spPr>
         <p:txBody>
-          <a:bodyPr/>
+          <a:bodyPr>
+            <a:normAutofit/>
+          </a:bodyPr>
           <a:lstStyle/>
           <a:p>
             <a:r>
-              <a:rPr kumimoji="1" lang="en-US" altLang="zh-CN" b="1" dirty="0" smtClean="0">
-                <a:latin typeface="Times New Roman" charset="0"/>
-                <a:ea typeface="Times New Roman" charset="0"/>
-                <a:cs typeface="Times New Roman" charset="0"/>
-              </a:rPr>
-              <a:t>Preprocessing</a:t>
-            </a:r>
-            <a:r>
-              <a:rPr kumimoji="1" lang="zh-CN" altLang="en-US" b="1" dirty="0" smtClean="0">
-                <a:latin typeface="Times New Roman" charset="0"/>
-                <a:ea typeface="Times New Roman" charset="0"/>
-                <a:cs typeface="Times New Roman" charset="0"/>
-              </a:rPr>
-              <a:t> </a:t>
-            </a:r>
-            <a:r>
-              <a:rPr kumimoji="1" lang="en-US" altLang="zh-CN" b="1" dirty="0">
-                <a:latin typeface="Times New Roman" charset="0"/>
-                <a:ea typeface="Times New Roman" charset="0"/>
-                <a:cs typeface="Times New Roman" charset="0"/>
-              </a:rPr>
-              <a:t>D</a:t>
-            </a:r>
-            <a:r>
-              <a:rPr kumimoji="1" lang="en-US" altLang="zh-CN" b="1" dirty="0" smtClean="0">
-                <a:latin typeface="Times New Roman" charset="0"/>
-                <a:ea typeface="Times New Roman" charset="0"/>
-                <a:cs typeface="Times New Roman" charset="0"/>
-              </a:rPr>
-              <a:t>ata</a:t>
-            </a:r>
-            <a:r>
-              <a:rPr kumimoji="1" lang="zh-CN" altLang="en-US" b="1" dirty="0" smtClean="0">
+              <a:rPr kumimoji="1" lang="en-US" altLang="zh-CN" sz="2700" b="1" dirty="0" smtClean="0">
+                <a:latin typeface="Times New Roman" charset="0"/>
+                <a:ea typeface="Times New Roman" charset="0"/>
+                <a:cs typeface="Times New Roman" charset="0"/>
+              </a:rPr>
+              <a:t>Team</a:t>
+            </a:r>
+            <a:r>
+              <a:rPr kumimoji="1" lang="zh-CN" altLang="en-US" sz="2700" b="1" dirty="0" smtClean="0">
+                <a:latin typeface="Times New Roman" charset="0"/>
+                <a:ea typeface="Times New Roman" charset="0"/>
+                <a:cs typeface="Times New Roman" charset="0"/>
+              </a:rPr>
+              <a:t> </a:t>
+            </a:r>
+            <a:r>
+              <a:rPr kumimoji="1" lang="en-US" altLang="zh-CN" sz="2700" b="1" dirty="0">
+                <a:latin typeface="Times New Roman" charset="0"/>
+                <a:ea typeface="Times New Roman" charset="0"/>
+                <a:cs typeface="Times New Roman" charset="0"/>
+              </a:rPr>
+              <a:t>Features</a:t>
+            </a:r>
+            <a:r>
+              <a:rPr kumimoji="1" lang="zh-CN" altLang="en-US" sz="2700" b="1" dirty="0">
+                <a:latin typeface="Times New Roman" charset="0"/>
+                <a:ea typeface="Times New Roman" charset="0"/>
+                <a:cs typeface="Times New Roman" charset="0"/>
+              </a:rPr>
+              <a:t> </a:t>
+            </a:r>
+            <a:r>
+              <a:rPr kumimoji="1" lang="en-US" altLang="zh-CN" sz="2700" b="1" dirty="0">
+                <a:latin typeface="Times New Roman" charset="0"/>
+                <a:ea typeface="Times New Roman" charset="0"/>
+                <a:cs typeface="Times New Roman" charset="0"/>
+              </a:rPr>
+              <a:t>Constructing</a:t>
+            </a:r>
+            <a:r>
+              <a:rPr kumimoji="1" lang="zh-CN" altLang="en-US" sz="2700" b="1" dirty="0">
+                <a:latin typeface="Times New Roman" charset="0"/>
+                <a:ea typeface="Times New Roman" charset="0"/>
+                <a:cs typeface="Times New Roman" charset="0"/>
+              </a:rPr>
+              <a:t> </a:t>
+            </a:r>
+            <a:r>
+              <a:rPr kumimoji="1" lang="en-US" altLang="zh-CN" sz="2700" b="1" dirty="0">
+                <a:latin typeface="Times New Roman" charset="0"/>
+                <a:ea typeface="Times New Roman" charset="0"/>
+                <a:cs typeface="Times New Roman" charset="0"/>
+              </a:rPr>
+              <a:t>and</a:t>
+            </a:r>
+            <a:r>
+              <a:rPr kumimoji="1" lang="zh-CN" altLang="en-US" sz="2700" b="1" dirty="0">
+                <a:latin typeface="Times New Roman" charset="0"/>
+                <a:ea typeface="Times New Roman" charset="0"/>
+                <a:cs typeface="Times New Roman" charset="0"/>
+              </a:rPr>
+              <a:t> </a:t>
+            </a:r>
+            <a:r>
+              <a:rPr kumimoji="1" lang="en-US" altLang="zh-CN" sz="2700" b="1" dirty="0">
+                <a:latin typeface="Times New Roman" charset="0"/>
+                <a:ea typeface="Times New Roman" charset="0"/>
+                <a:cs typeface="Times New Roman" charset="0"/>
+              </a:rPr>
+              <a:t>Team</a:t>
+            </a:r>
+            <a:r>
+              <a:rPr kumimoji="1" lang="zh-CN" altLang="en-US" sz="2700" b="1" dirty="0">
+                <a:latin typeface="Times New Roman" charset="0"/>
+                <a:ea typeface="Times New Roman" charset="0"/>
+                <a:cs typeface="Times New Roman" charset="0"/>
+              </a:rPr>
+              <a:t> </a:t>
+            </a:r>
+            <a:r>
+              <a:rPr kumimoji="1" lang="en-US" altLang="zh-CN" sz="2700" b="1" dirty="0">
+                <a:latin typeface="Times New Roman" charset="0"/>
+                <a:ea typeface="Times New Roman" charset="0"/>
+                <a:cs typeface="Times New Roman" charset="0"/>
+              </a:rPr>
+              <a:t>Clustering</a:t>
+            </a:r>
+            <a:r>
+              <a:rPr kumimoji="1" lang="zh-CN" altLang="en-US" sz="2700" b="1" dirty="0">
                 <a:latin typeface="Times New Roman" charset="0"/>
                 <a:ea typeface="Times New Roman" charset="0"/>
                 <a:cs typeface="Times New Roman" charset="0"/>
@@ -10066,611 +11674,489 @@
           </a:p>
         </p:txBody>
       </p:sp>
-      <p:sp>
-        <p:nvSpPr>
-          <p:cNvPr id="3" name="内容占位符 2"/>
-          <p:cNvSpPr>
-            <a:spLocks noGrp="1"/>
-          </p:cNvSpPr>
-          <p:nvPr>
-            <p:ph idx="1"/>
-          </p:nvPr>
-        </p:nvSpPr>
-        <p:spPr/>
-        <p:txBody>
-          <a:bodyPr>
-            <a:normAutofit/>
-          </a:bodyPr>
-          <a:lstStyle/>
-          <a:p>
-            <a:pPr marL="514350" indent="-514350">
-              <a:lnSpc>
-                <a:spcPct val="150000"/>
-              </a:lnSpc>
-              <a:buFont typeface="+mj-lt"/>
-              <a:buAutoNum type="arabicPeriod"/>
-            </a:pPr>
-            <a:r>
-              <a:rPr kumimoji="1" lang="en-US" altLang="zh-CN" dirty="0" smtClean="0">
-                <a:latin typeface="Times New Roman" charset="0"/>
-                <a:ea typeface="Times New Roman" charset="0"/>
-                <a:cs typeface="Times New Roman" charset="0"/>
-              </a:rPr>
-              <a:t>Split</a:t>
-            </a:r>
-            <a:r>
-              <a:rPr kumimoji="1" lang="zh-CN" altLang="en-US" dirty="0" smtClean="0">
-                <a:latin typeface="Times New Roman" charset="0"/>
-                <a:ea typeface="Times New Roman" charset="0"/>
-                <a:cs typeface="Times New Roman" charset="0"/>
-              </a:rPr>
-              <a:t> </a:t>
-            </a:r>
-            <a:r>
-              <a:rPr kumimoji="1" lang="en-US" altLang="zh-CN" dirty="0" smtClean="0">
-                <a:latin typeface="Times New Roman" charset="0"/>
-                <a:ea typeface="Times New Roman" charset="0"/>
-                <a:cs typeface="Times New Roman" charset="0"/>
-              </a:rPr>
-              <a:t>the</a:t>
-            </a:r>
-            <a:r>
-              <a:rPr kumimoji="1" lang="zh-CN" altLang="en-US" dirty="0" smtClean="0">
-                <a:latin typeface="Times New Roman" charset="0"/>
-                <a:ea typeface="Times New Roman" charset="0"/>
-                <a:cs typeface="Times New Roman" charset="0"/>
-              </a:rPr>
-              <a:t> </a:t>
-            </a:r>
-            <a:r>
-              <a:rPr kumimoji="1" lang="en-US" altLang="zh-CN" dirty="0" smtClean="0">
-                <a:latin typeface="Times New Roman" charset="0"/>
-                <a:ea typeface="Times New Roman" charset="0"/>
-                <a:cs typeface="Times New Roman" charset="0"/>
-              </a:rPr>
-              <a:t>data</a:t>
-            </a:r>
-            <a:r>
-              <a:rPr kumimoji="1" lang="zh-CN" altLang="en-US" dirty="0" smtClean="0">
-                <a:latin typeface="Times New Roman" charset="0"/>
-                <a:ea typeface="Times New Roman" charset="0"/>
-                <a:cs typeface="Times New Roman" charset="0"/>
-              </a:rPr>
-              <a:t> </a:t>
-            </a:r>
-            <a:r>
-              <a:rPr kumimoji="1" lang="en-US" altLang="zh-CN" dirty="0" smtClean="0">
-                <a:latin typeface="Times New Roman" charset="0"/>
-                <a:ea typeface="Times New Roman" charset="0"/>
-                <a:cs typeface="Times New Roman" charset="0"/>
-              </a:rPr>
-              <a:t>into</a:t>
-            </a:r>
-            <a:r>
-              <a:rPr kumimoji="1" lang="zh-CN" altLang="en-US" dirty="0" smtClean="0">
-                <a:latin typeface="Times New Roman" charset="0"/>
-                <a:ea typeface="Times New Roman" charset="0"/>
-                <a:cs typeface="Times New Roman" charset="0"/>
-              </a:rPr>
-              <a:t> </a:t>
-            </a:r>
-            <a:r>
-              <a:rPr kumimoji="1" lang="en-US" altLang="zh-CN" dirty="0" smtClean="0">
-                <a:latin typeface="Times New Roman" charset="0"/>
-                <a:ea typeface="Times New Roman" charset="0"/>
-                <a:cs typeface="Times New Roman" charset="0"/>
-              </a:rPr>
-              <a:t>training</a:t>
-            </a:r>
-            <a:r>
-              <a:rPr kumimoji="1" lang="zh-CN" altLang="en-US" dirty="0" smtClean="0">
-                <a:latin typeface="Times New Roman" charset="0"/>
-                <a:ea typeface="Times New Roman" charset="0"/>
-                <a:cs typeface="Times New Roman" charset="0"/>
-              </a:rPr>
-              <a:t> </a:t>
-            </a:r>
-            <a:r>
-              <a:rPr kumimoji="1" lang="en-US" altLang="zh-CN" dirty="0" smtClean="0">
-                <a:latin typeface="Times New Roman" charset="0"/>
-                <a:ea typeface="Times New Roman" charset="0"/>
-                <a:cs typeface="Times New Roman" charset="0"/>
-              </a:rPr>
-              <a:t>data</a:t>
-            </a:r>
-            <a:r>
-              <a:rPr kumimoji="1" lang="zh-CN" altLang="en-US" dirty="0" smtClean="0">
-                <a:latin typeface="Times New Roman" charset="0"/>
-                <a:ea typeface="Times New Roman" charset="0"/>
-                <a:cs typeface="Times New Roman" charset="0"/>
-              </a:rPr>
-              <a:t> </a:t>
-            </a:r>
-            <a:r>
-              <a:rPr kumimoji="1" lang="en-US" altLang="zh-CN" dirty="0" smtClean="0">
-                <a:latin typeface="Times New Roman" charset="0"/>
-                <a:ea typeface="Times New Roman" charset="0"/>
-                <a:cs typeface="Times New Roman" charset="0"/>
-              </a:rPr>
-              <a:t>(5</a:t>
-            </a:r>
-            <a:r>
-              <a:rPr kumimoji="1" lang="zh-CN" altLang="en-US" dirty="0" smtClean="0">
-                <a:latin typeface="Times New Roman" charset="0"/>
-                <a:ea typeface="Times New Roman" charset="0"/>
-                <a:cs typeface="Times New Roman" charset="0"/>
-              </a:rPr>
-              <a:t> </a:t>
-            </a:r>
-            <a:r>
-              <a:rPr kumimoji="1" lang="en-US" altLang="zh-CN" dirty="0" smtClean="0">
-                <a:latin typeface="Times New Roman" charset="0"/>
-                <a:ea typeface="Times New Roman" charset="0"/>
-                <a:cs typeface="Times New Roman" charset="0"/>
-              </a:rPr>
-              <a:t>for</a:t>
-            </a:r>
-            <a:r>
-              <a:rPr kumimoji="1" lang="zh-CN" altLang="en-US" dirty="0" smtClean="0">
-                <a:latin typeface="Times New Roman" charset="0"/>
-                <a:ea typeface="Times New Roman" charset="0"/>
-                <a:cs typeface="Times New Roman" charset="0"/>
-              </a:rPr>
-              <a:t> </a:t>
-            </a:r>
-            <a:r>
-              <a:rPr kumimoji="1" lang="en-US" altLang="zh-CN" dirty="0" smtClean="0">
-                <a:latin typeface="Times New Roman" charset="0"/>
-                <a:ea typeface="Times New Roman" charset="0"/>
-                <a:cs typeface="Times New Roman" charset="0"/>
-              </a:rPr>
-              <a:t>each)</a:t>
-            </a:r>
-            <a:r>
-              <a:rPr kumimoji="1" lang="zh-CN" altLang="en-US" dirty="0" smtClean="0">
-                <a:latin typeface="Times New Roman" charset="0"/>
-                <a:ea typeface="Times New Roman" charset="0"/>
-                <a:cs typeface="Times New Roman" charset="0"/>
-              </a:rPr>
-              <a:t> </a:t>
-            </a:r>
-            <a:r>
-              <a:rPr kumimoji="1" lang="en-US" altLang="zh-CN" dirty="0" smtClean="0">
-                <a:latin typeface="Times New Roman" charset="0"/>
-                <a:ea typeface="Times New Roman" charset="0"/>
-                <a:cs typeface="Times New Roman" charset="0"/>
-              </a:rPr>
-              <a:t>and</a:t>
-            </a:r>
-            <a:r>
-              <a:rPr kumimoji="1" lang="zh-CN" altLang="en-US" dirty="0" smtClean="0">
-                <a:latin typeface="Times New Roman" charset="0"/>
-                <a:ea typeface="Times New Roman" charset="0"/>
-                <a:cs typeface="Times New Roman" charset="0"/>
-              </a:rPr>
-              <a:t> </a:t>
-            </a:r>
-            <a:r>
-              <a:rPr kumimoji="1" lang="en-US" altLang="zh-CN" dirty="0" smtClean="0">
-                <a:latin typeface="Times New Roman" charset="0"/>
-                <a:ea typeface="Times New Roman" charset="0"/>
-                <a:cs typeface="Times New Roman" charset="0"/>
-              </a:rPr>
-              <a:t>test</a:t>
-            </a:r>
-            <a:r>
-              <a:rPr kumimoji="1" lang="zh-CN" altLang="en-US" dirty="0" smtClean="0">
-                <a:latin typeface="Times New Roman" charset="0"/>
-                <a:ea typeface="Times New Roman" charset="0"/>
-                <a:cs typeface="Times New Roman" charset="0"/>
-              </a:rPr>
-              <a:t> </a:t>
-            </a:r>
-            <a:r>
-              <a:rPr kumimoji="1" lang="en-US" altLang="zh-CN" dirty="0" smtClean="0">
-                <a:latin typeface="Times New Roman" charset="0"/>
-                <a:ea typeface="Times New Roman" charset="0"/>
-                <a:cs typeface="Times New Roman" charset="0"/>
-              </a:rPr>
-              <a:t>data</a:t>
-            </a:r>
-            <a:r>
-              <a:rPr kumimoji="1" lang="zh-CN" altLang="en-US" dirty="0" smtClean="0">
-                <a:latin typeface="Times New Roman" charset="0"/>
-                <a:ea typeface="Times New Roman" charset="0"/>
-                <a:cs typeface="Times New Roman" charset="0"/>
-              </a:rPr>
-              <a:t> </a:t>
-            </a:r>
-            <a:r>
-              <a:rPr kumimoji="1" lang="en-US" altLang="zh-CN" dirty="0" smtClean="0">
-                <a:latin typeface="Times New Roman" charset="0"/>
-                <a:ea typeface="Times New Roman" charset="0"/>
-                <a:cs typeface="Times New Roman" charset="0"/>
-              </a:rPr>
-              <a:t>(5</a:t>
-            </a:r>
-            <a:r>
-              <a:rPr kumimoji="1" lang="zh-CN" altLang="en-US" dirty="0" smtClean="0">
-                <a:latin typeface="Times New Roman" charset="0"/>
-                <a:ea typeface="Times New Roman" charset="0"/>
-                <a:cs typeface="Times New Roman" charset="0"/>
-              </a:rPr>
-              <a:t> </a:t>
-            </a:r>
-            <a:r>
-              <a:rPr kumimoji="1" lang="en-US" altLang="zh-CN" dirty="0" smtClean="0">
-                <a:latin typeface="Times New Roman" charset="0"/>
-                <a:ea typeface="Times New Roman" charset="0"/>
-                <a:cs typeface="Times New Roman" charset="0"/>
-              </a:rPr>
-              <a:t>for</a:t>
-            </a:r>
-            <a:r>
-              <a:rPr kumimoji="1" lang="zh-CN" altLang="en-US" dirty="0" smtClean="0">
-                <a:latin typeface="Times New Roman" charset="0"/>
-                <a:ea typeface="Times New Roman" charset="0"/>
-                <a:cs typeface="Times New Roman" charset="0"/>
-              </a:rPr>
-              <a:t> </a:t>
-            </a:r>
-            <a:r>
-              <a:rPr kumimoji="1" lang="en-US" altLang="zh-CN" dirty="0" smtClean="0">
-                <a:latin typeface="Times New Roman" charset="0"/>
-                <a:ea typeface="Times New Roman" charset="0"/>
-                <a:cs typeface="Times New Roman" charset="0"/>
-              </a:rPr>
-              <a:t>each)</a:t>
-            </a:r>
-          </a:p>
-          <a:p>
-            <a:pPr marL="514350" indent="-514350">
-              <a:lnSpc>
-                <a:spcPct val="150000"/>
-              </a:lnSpc>
-              <a:buFont typeface="+mj-lt"/>
-              <a:buAutoNum type="arabicPeriod"/>
-            </a:pPr>
-            <a:r>
-              <a:rPr kumimoji="1" lang="en-US" altLang="zh-CN" dirty="0" smtClean="0">
-                <a:latin typeface="Times New Roman" charset="0"/>
-                <a:ea typeface="Times New Roman" charset="0"/>
-                <a:cs typeface="Times New Roman" charset="0"/>
-              </a:rPr>
-              <a:t>Read</a:t>
-            </a:r>
-            <a:r>
-              <a:rPr kumimoji="1" lang="zh-CN" altLang="en-US" dirty="0" smtClean="0">
-                <a:latin typeface="Times New Roman" charset="0"/>
-                <a:ea typeface="Times New Roman" charset="0"/>
-                <a:cs typeface="Times New Roman" charset="0"/>
-              </a:rPr>
-              <a:t> </a:t>
-            </a:r>
-            <a:r>
-              <a:rPr kumimoji="1" lang="en-US" altLang="zh-CN" dirty="0" smtClean="0">
-                <a:latin typeface="Times New Roman" charset="0"/>
-                <a:ea typeface="Times New Roman" charset="0"/>
-                <a:cs typeface="Times New Roman" charset="0"/>
-              </a:rPr>
-              <a:t>the</a:t>
-            </a:r>
-            <a:r>
-              <a:rPr kumimoji="1" lang="zh-CN" altLang="en-US" dirty="0" smtClean="0">
-                <a:latin typeface="Times New Roman" charset="0"/>
-                <a:ea typeface="Times New Roman" charset="0"/>
-                <a:cs typeface="Times New Roman" charset="0"/>
-              </a:rPr>
-              <a:t> </a:t>
-            </a:r>
-            <a:r>
-              <a:rPr kumimoji="1" lang="en-US" altLang="zh-CN" dirty="0" smtClean="0">
-                <a:latin typeface="Times New Roman" charset="0"/>
-                <a:ea typeface="Times New Roman" charset="0"/>
-                <a:cs typeface="Times New Roman" charset="0"/>
-              </a:rPr>
-              <a:t>data</a:t>
-            </a:r>
-            <a:r>
-              <a:rPr kumimoji="1" lang="zh-CN" altLang="en-US" dirty="0" smtClean="0">
-                <a:latin typeface="Times New Roman" charset="0"/>
-                <a:ea typeface="Times New Roman" charset="0"/>
-                <a:cs typeface="Times New Roman" charset="0"/>
-              </a:rPr>
-              <a:t> </a:t>
-            </a:r>
-            <a:r>
-              <a:rPr kumimoji="1" lang="en-US" altLang="zh-CN" dirty="0" smtClean="0">
-                <a:latin typeface="Times New Roman" charset="0"/>
-                <a:ea typeface="Times New Roman" charset="0"/>
-                <a:cs typeface="Times New Roman" charset="0"/>
-              </a:rPr>
-              <a:t>and</a:t>
-            </a:r>
-            <a:r>
-              <a:rPr kumimoji="1" lang="zh-CN" altLang="en-US" dirty="0" smtClean="0">
-                <a:latin typeface="Times New Roman" charset="0"/>
-                <a:ea typeface="Times New Roman" charset="0"/>
-                <a:cs typeface="Times New Roman" charset="0"/>
-              </a:rPr>
-              <a:t> </a:t>
-            </a:r>
-            <a:r>
-              <a:rPr kumimoji="1" lang="en-US" altLang="zh-CN" dirty="0" smtClean="0">
-                <a:latin typeface="Times New Roman" charset="0"/>
-                <a:ea typeface="Times New Roman" charset="0"/>
-                <a:cs typeface="Times New Roman" charset="0"/>
-              </a:rPr>
-              <a:t>use</a:t>
-            </a:r>
-            <a:r>
-              <a:rPr kumimoji="1" lang="zh-CN" altLang="en-US" dirty="0" smtClean="0">
-                <a:latin typeface="Times New Roman" charset="0"/>
-                <a:ea typeface="Times New Roman" charset="0"/>
-                <a:cs typeface="Times New Roman" charset="0"/>
-              </a:rPr>
-              <a:t> </a:t>
-            </a:r>
-            <a:r>
-              <a:rPr kumimoji="1" lang="en-US" altLang="zh-CN" dirty="0" smtClean="0">
-                <a:latin typeface="Times New Roman" charset="0"/>
-                <a:ea typeface="Times New Roman" charset="0"/>
-                <a:cs typeface="Times New Roman" charset="0"/>
-              </a:rPr>
-              <a:t>PCA</a:t>
-            </a:r>
-            <a:r>
-              <a:rPr kumimoji="1" lang="zh-CN" altLang="en-US" dirty="0" smtClean="0">
-                <a:latin typeface="Times New Roman" charset="0"/>
-                <a:ea typeface="Times New Roman" charset="0"/>
-                <a:cs typeface="Times New Roman" charset="0"/>
-              </a:rPr>
-              <a:t> </a:t>
-            </a:r>
-            <a:r>
-              <a:rPr kumimoji="1" lang="en-US" altLang="zh-CN" dirty="0" smtClean="0">
-                <a:latin typeface="Times New Roman" charset="0"/>
-                <a:ea typeface="Times New Roman" charset="0"/>
-                <a:cs typeface="Times New Roman" charset="0"/>
-              </a:rPr>
-              <a:t>to</a:t>
-            </a:r>
-            <a:r>
-              <a:rPr kumimoji="1" lang="zh-CN" altLang="en-US" dirty="0" smtClean="0">
-                <a:latin typeface="Times New Roman" charset="0"/>
-                <a:ea typeface="Times New Roman" charset="0"/>
-                <a:cs typeface="Times New Roman" charset="0"/>
-              </a:rPr>
-              <a:t> </a:t>
-            </a:r>
-            <a:r>
-              <a:rPr kumimoji="1" lang="en-US" altLang="zh-CN" dirty="0" smtClean="0">
-                <a:latin typeface="Times New Roman" charset="0"/>
-                <a:ea typeface="Times New Roman" charset="0"/>
-                <a:cs typeface="Times New Roman" charset="0"/>
-              </a:rPr>
-              <a:t>decrease</a:t>
-            </a:r>
-            <a:r>
-              <a:rPr kumimoji="1" lang="zh-CN" altLang="en-US" dirty="0" smtClean="0">
-                <a:latin typeface="Times New Roman" charset="0"/>
-                <a:ea typeface="Times New Roman" charset="0"/>
-                <a:cs typeface="Times New Roman" charset="0"/>
-              </a:rPr>
-              <a:t> </a:t>
-            </a:r>
-            <a:r>
-              <a:rPr kumimoji="1" lang="en-US" altLang="zh-CN" dirty="0" smtClean="0">
-                <a:latin typeface="Times New Roman" charset="0"/>
-                <a:ea typeface="Times New Roman" charset="0"/>
-                <a:cs typeface="Times New Roman" charset="0"/>
-              </a:rPr>
-              <a:t>the</a:t>
-            </a:r>
-            <a:r>
-              <a:rPr kumimoji="1" lang="zh-CN" altLang="en-US" dirty="0" smtClean="0">
-                <a:latin typeface="Times New Roman" charset="0"/>
-                <a:ea typeface="Times New Roman" charset="0"/>
-                <a:cs typeface="Times New Roman" charset="0"/>
-              </a:rPr>
-              <a:t> </a:t>
-            </a:r>
-            <a:r>
-              <a:rPr kumimoji="1" lang="en-US" altLang="zh-CN" dirty="0" smtClean="0">
-                <a:latin typeface="Times New Roman" charset="0"/>
-                <a:ea typeface="Times New Roman" charset="0"/>
-                <a:cs typeface="Times New Roman" charset="0"/>
-              </a:rPr>
-              <a:t>dimension</a:t>
-            </a:r>
-            <a:r>
-              <a:rPr kumimoji="1" lang="zh-CN" altLang="en-US" dirty="0" smtClean="0">
-                <a:latin typeface="Times New Roman" charset="0"/>
-                <a:ea typeface="Times New Roman" charset="0"/>
-                <a:cs typeface="Times New Roman" charset="0"/>
-              </a:rPr>
-              <a:t> </a:t>
-            </a:r>
-            <a:r>
-              <a:rPr kumimoji="1" lang="en-US" altLang="zh-CN" dirty="0" smtClean="0">
-                <a:latin typeface="Times New Roman" charset="0"/>
-                <a:ea typeface="Times New Roman" charset="0"/>
-                <a:cs typeface="Times New Roman" charset="0"/>
-              </a:rPr>
-              <a:t>(down</a:t>
-            </a:r>
-            <a:r>
-              <a:rPr kumimoji="1" lang="zh-CN" altLang="en-US" dirty="0" smtClean="0">
-                <a:latin typeface="Times New Roman" charset="0"/>
-                <a:ea typeface="Times New Roman" charset="0"/>
-                <a:cs typeface="Times New Roman" charset="0"/>
-              </a:rPr>
-              <a:t> </a:t>
-            </a:r>
-            <a:r>
-              <a:rPr kumimoji="1" lang="en-US" altLang="zh-CN" dirty="0" smtClean="0">
-                <a:latin typeface="Times New Roman" charset="0"/>
-                <a:ea typeface="Times New Roman" charset="0"/>
-                <a:cs typeface="Times New Roman" charset="0"/>
-              </a:rPr>
-              <a:t>to</a:t>
-            </a:r>
-            <a:r>
-              <a:rPr kumimoji="1" lang="zh-CN" altLang="en-US" dirty="0" smtClean="0">
-                <a:latin typeface="Times New Roman" charset="0"/>
-                <a:ea typeface="Times New Roman" charset="0"/>
-                <a:cs typeface="Times New Roman" charset="0"/>
-              </a:rPr>
-              <a:t> </a:t>
-            </a:r>
-            <a:r>
-              <a:rPr kumimoji="1" lang="en-US" altLang="zh-CN" dirty="0" smtClean="0">
-                <a:latin typeface="Times New Roman" charset="0"/>
-                <a:ea typeface="Times New Roman" charset="0"/>
-                <a:cs typeface="Times New Roman" charset="0"/>
-              </a:rPr>
-              <a:t>20)</a:t>
-            </a:r>
-          </a:p>
-          <a:p>
-            <a:pPr marL="514350" indent="-514350">
-              <a:lnSpc>
-                <a:spcPct val="150000"/>
-              </a:lnSpc>
-              <a:buFont typeface="+mj-lt"/>
-              <a:buAutoNum type="arabicPeriod"/>
-            </a:pPr>
-            <a:r>
-              <a:rPr kumimoji="1" lang="en-US" altLang="zh-CN" dirty="0" smtClean="0">
-                <a:latin typeface="Times New Roman" charset="0"/>
-                <a:ea typeface="Times New Roman" charset="0"/>
-                <a:cs typeface="Times New Roman" charset="0"/>
-              </a:rPr>
-              <a:t>Normalize</a:t>
-            </a:r>
-            <a:r>
-              <a:rPr kumimoji="1" lang="zh-CN" altLang="en-US" dirty="0" smtClean="0">
-                <a:latin typeface="Times New Roman" charset="0"/>
-                <a:ea typeface="Times New Roman" charset="0"/>
-                <a:cs typeface="Times New Roman" charset="0"/>
-              </a:rPr>
-              <a:t> </a:t>
-            </a:r>
-            <a:r>
-              <a:rPr kumimoji="1" lang="en-US" altLang="zh-CN" dirty="0" smtClean="0">
-                <a:latin typeface="Times New Roman" charset="0"/>
-                <a:ea typeface="Times New Roman" charset="0"/>
-                <a:cs typeface="Times New Roman" charset="0"/>
-              </a:rPr>
-              <a:t>the</a:t>
-            </a:r>
-            <a:r>
-              <a:rPr kumimoji="1" lang="zh-CN" altLang="en-US" dirty="0" smtClean="0">
-                <a:latin typeface="Times New Roman" charset="0"/>
-                <a:ea typeface="Times New Roman" charset="0"/>
-                <a:cs typeface="Times New Roman" charset="0"/>
-              </a:rPr>
-              <a:t> </a:t>
-            </a:r>
-            <a:r>
-              <a:rPr kumimoji="1" lang="en-US" altLang="zh-CN" dirty="0" smtClean="0">
-                <a:latin typeface="Times New Roman" charset="0"/>
-                <a:ea typeface="Times New Roman" charset="0"/>
-                <a:cs typeface="Times New Roman" charset="0"/>
-              </a:rPr>
-              <a:t>data</a:t>
-            </a:r>
-          </a:p>
-          <a:p>
-            <a:pPr marL="514350" indent="-514350">
-              <a:lnSpc>
-                <a:spcPct val="150000"/>
-              </a:lnSpc>
-              <a:buFont typeface="+mj-lt"/>
-              <a:buAutoNum type="arabicPeriod"/>
-            </a:pPr>
-            <a:r>
-              <a:rPr kumimoji="1" lang="en-US" altLang="zh-CN" dirty="0" smtClean="0">
-                <a:latin typeface="Times New Roman" charset="0"/>
-                <a:ea typeface="Times New Roman" charset="0"/>
-                <a:cs typeface="Times New Roman" charset="0"/>
-              </a:rPr>
-              <a:t>Feed</a:t>
-            </a:r>
-            <a:r>
-              <a:rPr kumimoji="1" lang="zh-CN" altLang="en-US" dirty="0" smtClean="0">
-                <a:latin typeface="Times New Roman" charset="0"/>
-                <a:ea typeface="Times New Roman" charset="0"/>
-                <a:cs typeface="Times New Roman" charset="0"/>
-              </a:rPr>
-              <a:t> </a:t>
-            </a:r>
-            <a:r>
-              <a:rPr kumimoji="1" lang="en-US" altLang="zh-CN" dirty="0" smtClean="0">
-                <a:latin typeface="Times New Roman" charset="0"/>
-                <a:ea typeface="Times New Roman" charset="0"/>
-                <a:cs typeface="Times New Roman" charset="0"/>
-              </a:rPr>
-              <a:t>the</a:t>
-            </a:r>
-            <a:r>
-              <a:rPr kumimoji="1" lang="zh-CN" altLang="en-US" dirty="0" smtClean="0">
-                <a:latin typeface="Times New Roman" charset="0"/>
-                <a:ea typeface="Times New Roman" charset="0"/>
-                <a:cs typeface="Times New Roman" charset="0"/>
-              </a:rPr>
-              <a:t> </a:t>
-            </a:r>
-            <a:r>
-              <a:rPr kumimoji="1" lang="en-US" altLang="zh-CN" dirty="0" smtClean="0">
-                <a:latin typeface="Times New Roman" charset="0"/>
-                <a:ea typeface="Times New Roman" charset="0"/>
-                <a:cs typeface="Times New Roman" charset="0"/>
-              </a:rPr>
-              <a:t>data</a:t>
-            </a:r>
-            <a:r>
-              <a:rPr kumimoji="1" lang="zh-CN" altLang="en-US" dirty="0" smtClean="0">
-                <a:latin typeface="Times New Roman" charset="0"/>
-                <a:ea typeface="Times New Roman" charset="0"/>
-                <a:cs typeface="Times New Roman" charset="0"/>
-              </a:rPr>
-              <a:t> </a:t>
-            </a:r>
-            <a:r>
-              <a:rPr kumimoji="1" lang="en-US" altLang="zh-CN" dirty="0" smtClean="0">
-                <a:latin typeface="Times New Roman" charset="0"/>
-                <a:ea typeface="Times New Roman" charset="0"/>
-                <a:cs typeface="Times New Roman" charset="0"/>
-              </a:rPr>
-              <a:t>into</a:t>
-            </a:r>
-            <a:r>
-              <a:rPr kumimoji="1" lang="zh-CN" altLang="en-US" dirty="0" smtClean="0">
-                <a:latin typeface="Times New Roman" charset="0"/>
-                <a:ea typeface="Times New Roman" charset="0"/>
-                <a:cs typeface="Times New Roman" charset="0"/>
-              </a:rPr>
-              <a:t> </a:t>
-            </a:r>
-            <a:r>
-              <a:rPr kumimoji="1" lang="en-US" altLang="zh-CN" dirty="0" smtClean="0">
-                <a:latin typeface="Times New Roman" charset="0"/>
-                <a:ea typeface="Times New Roman" charset="0"/>
-                <a:cs typeface="Times New Roman" charset="0"/>
-              </a:rPr>
-              <a:t>SVM</a:t>
-            </a:r>
-          </a:p>
-          <a:p>
-            <a:endParaRPr kumimoji="1" lang="zh-CN" altLang="en-US" dirty="0">
-              <a:latin typeface="Times New Roman" charset="0"/>
-              <a:ea typeface="Times New Roman" charset="0"/>
-              <a:cs typeface="Times New Roman" charset="0"/>
-            </a:endParaRPr>
-          </a:p>
-        </p:txBody>
-      </p:sp>
+      <mc:AlternateContent xmlns:mc="http://schemas.openxmlformats.org/markup-compatibility/2006">
+        <mc:Choice xmlns:a14="http://schemas.microsoft.com/office/drawing/2010/main" Requires="a14">
+          <p:sp>
+            <p:nvSpPr>
+              <p:cNvPr id="3" name="内容占位符 2"/>
+              <p:cNvSpPr>
+                <a:spLocks noGrp="1"/>
+              </p:cNvSpPr>
+              <p:nvPr>
+                <p:ph idx="1"/>
+              </p:nvPr>
+            </p:nvSpPr>
+            <p:spPr/>
+            <p:txBody>
+              <a:bodyPr>
+                <a:normAutofit/>
+              </a:bodyPr>
+              <a:lstStyle/>
+              <a:p>
+                <a:pPr marL="514350" indent="-514350">
+                  <a:lnSpc>
+                    <a:spcPct val="150000"/>
+                  </a:lnSpc>
+                  <a:buFont typeface="+mj-lt"/>
+                  <a:buAutoNum type="arabicPeriod"/>
+                </a:pPr>
+                <a:r>
+                  <a:rPr kumimoji="1" lang="en-US" altLang="zh-CN" sz="2400" dirty="0" smtClean="0">
+                    <a:latin typeface="Times New Roman" charset="0"/>
+                    <a:ea typeface="Times New Roman" charset="0"/>
+                    <a:cs typeface="Times New Roman" charset="0"/>
+                  </a:rPr>
+                  <a:t>Select</a:t>
+                </a:r>
+                <a:r>
+                  <a:rPr kumimoji="1" lang="zh-CN" altLang="en-US" sz="2400" dirty="0" smtClean="0">
+                    <a:latin typeface="Times New Roman" charset="0"/>
+                    <a:ea typeface="Times New Roman" charset="0"/>
+                    <a:cs typeface="Times New Roman" charset="0"/>
+                  </a:rPr>
+                  <a:t> </a:t>
+                </a:r>
+                <a:r>
+                  <a:rPr kumimoji="1" lang="en-US" altLang="zh-CN" sz="2400" dirty="0" smtClean="0">
+                    <a:latin typeface="Times New Roman" charset="0"/>
+                    <a:ea typeface="Times New Roman" charset="0"/>
+                    <a:cs typeface="Times New Roman" charset="0"/>
+                  </a:rPr>
+                  <a:t>top3 lineups (decreasing minutes) for each team.  (for players in a lineup, ordered by ‘Position</a:t>
+                </a:r>
+                <a:r>
+                  <a:rPr kumimoji="1" lang="en-US" altLang="zh-CN" sz="2400" dirty="0" smtClean="0">
+                    <a:latin typeface="Times New Roman" charset="0"/>
+                    <a:ea typeface="Times New Roman" charset="0"/>
+                    <a:cs typeface="Times New Roman" charset="0"/>
+                  </a:rPr>
+                  <a:t>’,</a:t>
+                </a:r>
+                <a:r>
+                  <a:rPr kumimoji="1" lang="zh-CN" altLang="en-US" sz="2400" dirty="0" smtClean="0">
+                    <a:latin typeface="Times New Roman" charset="0"/>
+                    <a:ea typeface="Times New Roman" charset="0"/>
+                    <a:cs typeface="Times New Roman" charset="0"/>
+                  </a:rPr>
+                  <a:t> </a:t>
+                </a:r>
+                <a:r>
+                  <a:rPr kumimoji="1" lang="en-US" altLang="zh-CN" sz="2400" dirty="0" smtClean="0">
+                    <a:latin typeface="Times New Roman" charset="0"/>
+                    <a:ea typeface="Times New Roman" charset="0"/>
+                    <a:cs typeface="Times New Roman" charset="0"/>
+                  </a:rPr>
+                  <a:t>i.e.</a:t>
+                </a:r>
+                <a:r>
+                  <a:rPr kumimoji="1" lang="zh-CN" altLang="en-US" sz="2400" dirty="0" smtClean="0">
+                    <a:latin typeface="Times New Roman" charset="0"/>
+                    <a:ea typeface="Times New Roman" charset="0"/>
+                    <a:cs typeface="Times New Roman" charset="0"/>
+                  </a:rPr>
+                  <a:t> </a:t>
+                </a:r>
+                <a:r>
+                  <a:rPr kumimoji="1" lang="en-US" altLang="zh-CN" sz="2400" dirty="0" smtClean="0">
+                    <a:latin typeface="Times New Roman" charset="0"/>
+                    <a:ea typeface="Times New Roman" charset="0"/>
+                    <a:cs typeface="Times New Roman" charset="0"/>
+                  </a:rPr>
+                  <a:t>from</a:t>
+                </a:r>
+                <a:r>
+                  <a:rPr kumimoji="1" lang="zh-CN" altLang="en-US" sz="2400" dirty="0" smtClean="0">
+                    <a:latin typeface="Times New Roman" charset="0"/>
+                    <a:ea typeface="Times New Roman" charset="0"/>
+                    <a:cs typeface="Times New Roman" charset="0"/>
+                  </a:rPr>
+                  <a:t> </a:t>
+                </a:r>
+                <a:r>
+                  <a:rPr kumimoji="1" lang="en-US" altLang="zh-CN" sz="2400" dirty="0" smtClean="0">
+                    <a:latin typeface="Times New Roman" charset="0"/>
+                    <a:ea typeface="Times New Roman" charset="0"/>
+                    <a:cs typeface="Times New Roman" charset="0"/>
+                  </a:rPr>
+                  <a:t>SG</a:t>
+                </a:r>
+                <a:r>
+                  <a:rPr kumimoji="1" lang="zh-CN" altLang="en-US" sz="2400" dirty="0" smtClean="0">
+                    <a:latin typeface="Times New Roman" charset="0"/>
+                    <a:ea typeface="Times New Roman" charset="0"/>
+                    <a:cs typeface="Times New Roman" charset="0"/>
+                  </a:rPr>
+                  <a:t> </a:t>
+                </a:r>
+                <a:r>
+                  <a:rPr kumimoji="1" lang="en-US" altLang="zh-CN" sz="2400" dirty="0" smtClean="0">
+                    <a:latin typeface="Times New Roman" charset="0"/>
+                    <a:ea typeface="Times New Roman" charset="0"/>
+                    <a:cs typeface="Times New Roman" charset="0"/>
+                  </a:rPr>
+                  <a:t>to</a:t>
+                </a:r>
+                <a:r>
+                  <a:rPr kumimoji="1" lang="zh-CN" altLang="en-US" sz="2400" dirty="0" smtClean="0">
+                    <a:latin typeface="Times New Roman" charset="0"/>
+                    <a:ea typeface="Times New Roman" charset="0"/>
+                    <a:cs typeface="Times New Roman" charset="0"/>
+                  </a:rPr>
+                  <a:t> </a:t>
+                </a:r>
+                <a:r>
+                  <a:rPr kumimoji="1" lang="en-US" altLang="zh-CN" sz="2400" dirty="0" smtClean="0">
+                    <a:latin typeface="Times New Roman" charset="0"/>
+                    <a:ea typeface="Times New Roman" charset="0"/>
+                    <a:cs typeface="Times New Roman" charset="0"/>
+                  </a:rPr>
+                  <a:t>C)</a:t>
+                </a:r>
+                <a:endParaRPr kumimoji="1" lang="en-US" altLang="zh-CN" sz="2400" dirty="0" smtClean="0">
+                  <a:latin typeface="Times New Roman" charset="0"/>
+                  <a:ea typeface="Times New Roman" charset="0"/>
+                  <a:cs typeface="Times New Roman" charset="0"/>
+                </a:endParaRPr>
+              </a:p>
+              <a:p>
+                <a:pPr marL="514350" indent="-514350">
+                  <a:lnSpc>
+                    <a:spcPct val="150000"/>
+                  </a:lnSpc>
+                  <a:buFont typeface="+mj-lt"/>
+                  <a:buAutoNum type="arabicPeriod"/>
+                </a:pPr>
+                <a:r>
+                  <a:rPr kumimoji="1" lang="en-US" altLang="zh-CN" sz="2400" dirty="0" smtClean="0">
+                    <a:latin typeface="Times New Roman" charset="0"/>
+                    <a:ea typeface="Times New Roman" charset="0"/>
+                    <a:cs typeface="Times New Roman" charset="0"/>
+                  </a:rPr>
+                  <a:t>Features = </a:t>
+                </a:r>
+                <a14:m>
+                  <m:oMath xmlns:m="http://schemas.openxmlformats.org/officeDocument/2006/math">
+                    <m:nary>
+                      <m:naryPr>
+                        <m:chr m:val="∑"/>
+                        <m:supHide m:val="on"/>
+                        <m:ctrlPr>
+                          <a:rPr kumimoji="1" lang="en-US" altLang="zh-CN" sz="2400" i="1" smtClean="0">
+                            <a:latin typeface="Times New Roman" charset="0"/>
+                            <a:ea typeface="Times New Roman" charset="0"/>
+                            <a:cs typeface="Times New Roman" charset="0"/>
+                          </a:rPr>
+                        </m:ctrlPr>
+                      </m:naryPr>
+                      <m:sub>
+                        <m:r>
+                          <m:rPr>
+                            <m:brk m:alnAt="7"/>
+                          </m:rPr>
+                          <a:rPr kumimoji="1" lang="en-CA" altLang="zh-CN" sz="2400" b="0" i="1" smtClean="0">
+                            <a:latin typeface="Times New Roman" charset="0"/>
+                            <a:ea typeface="Times New Roman" charset="0"/>
+                            <a:cs typeface="Times New Roman" charset="0"/>
+                          </a:rPr>
+                          <m:t>𝐿</m:t>
+                        </m:r>
+                        <m:r>
+                          <a:rPr kumimoji="1" lang="en-CA" altLang="zh-CN" sz="2400" b="0" i="1" smtClean="0">
+                            <a:latin typeface="Times New Roman" charset="0"/>
+                            <a:ea typeface="Times New Roman" charset="0"/>
+                            <a:cs typeface="Times New Roman" charset="0"/>
+                          </a:rPr>
+                          <m:t> </m:t>
+                        </m:r>
+                        <m:r>
+                          <a:rPr kumimoji="1" lang="en-CA" altLang="zh-CN" sz="2400" b="0" i="1" smtClean="0">
+                            <a:latin typeface="Times New Roman" charset="0"/>
+                            <a:ea typeface="Times New Roman" charset="0"/>
+                            <a:cs typeface="Times New Roman" charset="0"/>
+                          </a:rPr>
+                          <m:t>𝑖𝑛</m:t>
+                        </m:r>
+                        <m:r>
+                          <a:rPr kumimoji="1" lang="en-CA" altLang="zh-CN" sz="2400" b="0" i="1" smtClean="0">
+                            <a:latin typeface="Times New Roman" charset="0"/>
+                            <a:ea typeface="Times New Roman" charset="0"/>
+                            <a:cs typeface="Times New Roman" charset="0"/>
+                          </a:rPr>
+                          <m:t> </m:t>
+                        </m:r>
+                        <m:r>
+                          <a:rPr kumimoji="1" lang="en-CA" altLang="zh-CN" sz="2400" b="0" i="1" smtClean="0">
+                            <a:latin typeface="Times New Roman" charset="0"/>
+                            <a:ea typeface="Times New Roman" charset="0"/>
+                            <a:cs typeface="Times New Roman" charset="0"/>
+                          </a:rPr>
+                          <m:t>𝐿𝑖𝑛𝑒𝑢𝑝𝑠</m:t>
+                        </m:r>
+                      </m:sub>
+                      <m:sup/>
+                      <m:e>
+                        <m:f>
+                          <m:fPr>
+                            <m:type m:val="lin"/>
+                            <m:ctrlPr>
+                              <a:rPr kumimoji="1" lang="en-CA" altLang="zh-CN" sz="2400" b="0" i="1" smtClean="0">
+                                <a:latin typeface="Times New Roman" charset="0"/>
+                                <a:ea typeface="Times New Roman" charset="0"/>
+                                <a:cs typeface="Times New Roman" charset="0"/>
+                              </a:rPr>
+                            </m:ctrlPr>
+                          </m:fPr>
+                          <m:num>
+                            <m:d>
+                              <m:dPr>
+                                <m:ctrlPr>
+                                  <a:rPr kumimoji="1" lang="en-US" altLang="zh-CN" sz="2400" b="0" i="1" smtClean="0">
+                                    <a:latin typeface="Times New Roman" charset="0"/>
+                                    <a:ea typeface="Times New Roman" charset="0"/>
+                                    <a:cs typeface="Times New Roman" charset="0"/>
+                                  </a:rPr>
+                                </m:ctrlPr>
+                              </m:dPr>
+                              <m:e>
+                                <m:r>
+                                  <a:rPr kumimoji="1" lang="en-US" altLang="zh-CN" sz="2400" b="0" i="1" smtClean="0">
+                                    <a:latin typeface="Times New Roman" charset="0"/>
+                                    <a:ea typeface="Times New Roman" charset="0"/>
+                                    <a:cs typeface="Times New Roman" charset="0"/>
+                                  </a:rPr>
+                                  <m:t>𝑚𝑖𝑛𝑢𝑡𝑒𝑠</m:t>
+                                </m:r>
+                                <m:d>
+                                  <m:dPr>
+                                    <m:ctrlPr>
+                                      <a:rPr kumimoji="1" lang="en-US" altLang="zh-CN" sz="2400" b="0" i="1" smtClean="0">
+                                        <a:latin typeface="Times New Roman" charset="0"/>
+                                        <a:ea typeface="Times New Roman" charset="0"/>
+                                        <a:cs typeface="Times New Roman" charset="0"/>
+                                      </a:rPr>
+                                    </m:ctrlPr>
+                                  </m:dPr>
+                                  <m:e>
+                                    <m:r>
+                                      <a:rPr kumimoji="1" lang="en-US" altLang="zh-CN" sz="2400" b="0" i="1" smtClean="0">
+                                        <a:latin typeface="Times New Roman" charset="0"/>
+                                        <a:ea typeface="Times New Roman" charset="0"/>
+                                        <a:cs typeface="Times New Roman" charset="0"/>
+                                      </a:rPr>
+                                      <m:t>𝐿</m:t>
+                                    </m:r>
+                                  </m:e>
+                                </m:d>
+                              </m:e>
+                            </m:d>
+                            <m:r>
+                              <a:rPr kumimoji="1" lang="zh-CN" altLang="en-US" sz="2400" b="0" i="1" smtClean="0">
+                                <a:latin typeface="Times New Roman" charset="0"/>
+                                <a:ea typeface="Times New Roman" charset="0"/>
+                                <a:cs typeface="Times New Roman" charset="0"/>
+                              </a:rPr>
+                              <m:t>∗</m:t>
+                            </m:r>
+                            <m:r>
+                              <a:rPr kumimoji="1" lang="en-US" altLang="zh-CN" sz="2400" b="0" i="1" smtClean="0">
+                                <a:latin typeface="Times New Roman" charset="0"/>
+                                <a:ea typeface="Times New Roman" charset="0"/>
+                                <a:cs typeface="Times New Roman" charset="0"/>
+                              </a:rPr>
+                              <m:t>𝐿</m:t>
+                            </m:r>
+                          </m:num>
+                          <m:den>
+                            <m:r>
+                              <a:rPr kumimoji="1" lang="en-US" altLang="zh-CN" sz="2400" b="0" i="1" smtClean="0">
+                                <a:latin typeface="Times New Roman" charset="0"/>
+                                <a:ea typeface="Times New Roman" charset="0"/>
+                                <a:cs typeface="Times New Roman" charset="0"/>
+                              </a:rPr>
+                              <m:t>𝑠𝑢𝑚</m:t>
+                            </m:r>
+                            <m:r>
+                              <a:rPr kumimoji="1" lang="en-US" altLang="zh-CN" sz="2400" b="0" i="1" smtClean="0">
+                                <a:latin typeface="Times New Roman" charset="0"/>
+                                <a:ea typeface="Times New Roman" charset="0"/>
+                                <a:cs typeface="Times New Roman" charset="0"/>
+                              </a:rPr>
+                              <m:t>(</m:t>
+                            </m:r>
+                            <m:r>
+                              <a:rPr kumimoji="1" lang="en-US" altLang="zh-CN" sz="2400" b="0" i="1" smtClean="0">
+                                <a:latin typeface="Times New Roman" charset="0"/>
+                                <a:ea typeface="Times New Roman" charset="0"/>
+                                <a:cs typeface="Times New Roman" charset="0"/>
+                              </a:rPr>
+                              <m:t>𝑚𝑖𝑛𝑢𝑡𝑒𝑠</m:t>
+                            </m:r>
+                            <m:r>
+                              <a:rPr kumimoji="1" lang="en-US" altLang="zh-CN" sz="2400" b="0" i="1" smtClean="0">
+                                <a:latin typeface="Times New Roman" charset="0"/>
+                                <a:ea typeface="Times New Roman" charset="0"/>
+                                <a:cs typeface="Times New Roman" charset="0"/>
+                              </a:rPr>
+                              <m:t>)</m:t>
+                            </m:r>
+                          </m:den>
+                        </m:f>
+                        <m:r>
+                          <m:rPr>
+                            <m:nor/>
+                          </m:rPr>
+                          <a:rPr kumimoji="1" lang="en-US" altLang="zh-CN" sz="2400" dirty="0">
+                            <a:latin typeface="Times New Roman" charset="0"/>
+                            <a:ea typeface="Times New Roman" charset="0"/>
+                            <a:cs typeface="Times New Roman" charset="0"/>
+                          </a:rPr>
+                          <m:t> </m:t>
+                        </m:r>
+                      </m:e>
+                    </m:nary>
+                  </m:oMath>
+                </a14:m>
+                <a:endParaRPr kumimoji="1" lang="en-US" altLang="zh-CN" sz="2400" dirty="0" smtClean="0">
+                  <a:latin typeface="Times New Roman" charset="0"/>
+                  <a:ea typeface="Times New Roman" charset="0"/>
+                  <a:cs typeface="Times New Roman" charset="0"/>
+                </a:endParaRPr>
+              </a:p>
+              <a:p>
+                <a:pPr marL="514350" indent="-514350">
+                  <a:lnSpc>
+                    <a:spcPct val="150000"/>
+                  </a:lnSpc>
+                  <a:buFont typeface="+mj-lt"/>
+                  <a:buAutoNum type="arabicPeriod"/>
+                </a:pPr>
+                <a:r>
+                  <a:rPr kumimoji="1" lang="en-CA" altLang="zh-CN" sz="2400" dirty="0" smtClean="0">
+                    <a:latin typeface="Times New Roman" charset="0"/>
+                    <a:ea typeface="Times New Roman" charset="0"/>
+                    <a:cs typeface="Times New Roman" charset="0"/>
+                  </a:rPr>
+                  <a:t>K-means Clustering </a:t>
+                </a:r>
+                <a:r>
+                  <a:rPr kumimoji="1" lang="zh-CN" altLang="en-US" sz="2400" dirty="0" smtClean="0">
+                    <a:latin typeface="Times New Roman" charset="0"/>
+                    <a:ea typeface="Times New Roman" charset="0"/>
+                    <a:cs typeface="Times New Roman" charset="0"/>
+                  </a:rPr>
+                  <a:t> </a:t>
+                </a:r>
+                <a:r>
+                  <a:rPr kumimoji="1" lang="en-CA" altLang="zh-CN" sz="2400" b="1" dirty="0" smtClean="0">
+                    <a:solidFill>
+                      <a:srgbClr val="0070C0"/>
+                    </a:solidFill>
+                    <a:latin typeface="Times New Roman" charset="0"/>
+                    <a:ea typeface="Times New Roman" charset="0"/>
+                    <a:cs typeface="Times New Roman" charset="0"/>
+                    <a:hlinkClick r:id="rId3"/>
+                  </a:rPr>
+                  <a:t>(</a:t>
+                </a:r>
+                <a:r>
+                  <a:rPr lang="en-CA" sz="2400" b="1" dirty="0" smtClean="0">
+                    <a:solidFill>
+                      <a:srgbClr val="0070C0"/>
+                    </a:solidFill>
+                    <a:latin typeface="Times New Roman" charset="0"/>
+                    <a:ea typeface="Times New Roman" charset="0"/>
+                    <a:cs typeface="Times New Roman" charset="0"/>
+                    <a:hlinkClick r:id="rId3"/>
+                  </a:rPr>
+                  <a:t>Damerau–Levenshtein distance</a:t>
+                </a:r>
+                <a:r>
+                  <a:rPr kumimoji="1" lang="en-CA" altLang="zh-CN" sz="2400" b="1" dirty="0" smtClean="0">
+                    <a:solidFill>
+                      <a:srgbClr val="0070C0"/>
+                    </a:solidFill>
+                    <a:latin typeface="Times New Roman" charset="0"/>
+                    <a:ea typeface="Times New Roman" charset="0"/>
+                    <a:cs typeface="Times New Roman" charset="0"/>
+                    <a:hlinkClick r:id="rId3"/>
+                  </a:rPr>
+                  <a:t>)</a:t>
+                </a:r>
+                <a:endParaRPr kumimoji="1" lang="en-US" altLang="zh-CN" sz="2400" b="1" dirty="0" smtClean="0">
+                  <a:solidFill>
+                    <a:srgbClr val="0070C0"/>
+                  </a:solidFill>
+                  <a:latin typeface="Times New Roman" charset="0"/>
+                  <a:ea typeface="Times New Roman" charset="0"/>
+                  <a:cs typeface="Times New Roman" charset="0"/>
+                </a:endParaRPr>
+              </a:p>
+              <a:p>
+                <a:pPr marL="514350" indent="-514350">
+                  <a:lnSpc>
+                    <a:spcPct val="150000"/>
+                  </a:lnSpc>
+                  <a:buFont typeface="+mj-lt"/>
+                  <a:buAutoNum type="arabicPeriod"/>
+                </a:pPr>
+                <a:r>
+                  <a:rPr kumimoji="1" lang="en-CA" altLang="zh-CN" sz="2400" dirty="0" smtClean="0">
+                    <a:latin typeface="Times New Roman" charset="0"/>
+                    <a:ea typeface="Times New Roman" charset="0"/>
+                    <a:cs typeface="Times New Roman" charset="0"/>
+                  </a:rPr>
+                  <a:t>Results</a:t>
+                </a:r>
+                <a:endParaRPr kumimoji="1" lang="en-US" altLang="zh-CN" sz="2400" dirty="0" smtClean="0">
+                  <a:latin typeface="Times New Roman" charset="0"/>
+                  <a:ea typeface="Times New Roman" charset="0"/>
+                  <a:cs typeface="Times New Roman" charset="0"/>
+                </a:endParaRPr>
+              </a:p>
+              <a:p>
+                <a:endParaRPr kumimoji="1" lang="zh-CN" altLang="en-US" dirty="0">
+                  <a:latin typeface="Times New Roman" charset="0"/>
+                  <a:ea typeface="Times New Roman" charset="0"/>
+                  <a:cs typeface="Times New Roman" charset="0"/>
+                </a:endParaRPr>
+              </a:p>
+            </p:txBody>
+          </p:sp>
+        </mc:Choice>
+        <mc:Fallback>
+          <p:sp>
+            <p:nvSpPr>
+              <p:cNvPr id="3" name="内容占位符 2"/>
+              <p:cNvSpPr>
+                <a:spLocks noGrp="1" noRot="1" noChangeAspect="1" noMove="1" noResize="1" noEditPoints="1" noAdjustHandles="1" noChangeArrowheads="1" noChangeShapeType="1" noTextEdit="1"/>
+              </p:cNvSpPr>
+              <p:nvPr>
+                <p:ph idx="1"/>
+              </p:nvPr>
+            </p:nvSpPr>
+            <p:spPr>
+              <a:blipFill rotWithShape="0">
+                <a:blip r:embed="rId4"/>
+                <a:stretch>
+                  <a:fillRect l="-812" r="-870"/>
+                </a:stretch>
+              </a:blipFill>
+            </p:spPr>
+            <p:txBody>
+              <a:bodyPr/>
+              <a:lstStyle/>
+              <a:p>
+                <a:r>
+                  <a:rPr lang="en-US">
+                    <a:noFill/>
+                  </a:rPr>
+                  <a:t> </a:t>
+                </a:r>
+              </a:p>
+            </p:txBody>
+          </p:sp>
+        </mc:Fallback>
+      </mc:AlternateContent>
     </p:spTree>
     <p:extLst>
       <p:ext uri="{BB962C8B-B14F-4D97-AF65-F5344CB8AC3E}">
@@ -10710,7 +12196,7 @@
       </p:grpSpPr>
       <p:sp>
         <p:nvSpPr>
-          <p:cNvPr id="2" name="标题 1"/>
+          <p:cNvPr id="2" name="Title 1"/>
           <p:cNvSpPr>
             <a:spLocks noGrp="1"/>
           </p:cNvSpPr>
@@ -10723,73 +12209,13 @@
           <a:bodyPr/>
           <a:lstStyle/>
           <a:p>
-            <a:r>
-              <a:rPr kumimoji="1" lang="en-US" altLang="zh-CN" b="1" dirty="0" smtClean="0">
-                <a:latin typeface="Times New Roman" charset="0"/>
-                <a:ea typeface="Times New Roman" charset="0"/>
-                <a:cs typeface="Times New Roman" charset="0"/>
-              </a:rPr>
-              <a:t>How</a:t>
-            </a:r>
-            <a:r>
-              <a:rPr kumimoji="1" lang="zh-CN" altLang="en-US" b="1" dirty="0" smtClean="0">
-                <a:latin typeface="Times New Roman" charset="0"/>
-                <a:ea typeface="Times New Roman" charset="0"/>
-                <a:cs typeface="Times New Roman" charset="0"/>
-              </a:rPr>
-              <a:t> </a:t>
-            </a:r>
-            <a:r>
-              <a:rPr kumimoji="1" lang="en-US" altLang="zh-CN" b="1" dirty="0" smtClean="0">
-                <a:latin typeface="Times New Roman" charset="0"/>
-                <a:ea typeface="Times New Roman" charset="0"/>
-                <a:cs typeface="Times New Roman" charset="0"/>
-              </a:rPr>
-              <a:t>to</a:t>
-            </a:r>
-            <a:r>
-              <a:rPr kumimoji="1" lang="zh-CN" altLang="en-US" b="1" dirty="0" smtClean="0">
-                <a:latin typeface="Times New Roman" charset="0"/>
-                <a:ea typeface="Times New Roman" charset="0"/>
-                <a:cs typeface="Times New Roman" charset="0"/>
-              </a:rPr>
-              <a:t> </a:t>
-            </a:r>
-            <a:r>
-              <a:rPr kumimoji="1" lang="en-US" altLang="zh-CN" b="1" dirty="0" smtClean="0">
-                <a:latin typeface="Times New Roman" charset="0"/>
-                <a:ea typeface="Times New Roman" charset="0"/>
-                <a:cs typeface="Times New Roman" charset="0"/>
-              </a:rPr>
-              <a:t>Construct</a:t>
-            </a:r>
-            <a:r>
-              <a:rPr kumimoji="1" lang="zh-CN" altLang="en-US" b="1" dirty="0" smtClean="0">
-                <a:latin typeface="Times New Roman" charset="0"/>
-                <a:ea typeface="Times New Roman" charset="0"/>
-                <a:cs typeface="Times New Roman" charset="0"/>
-              </a:rPr>
-              <a:t> </a:t>
-            </a:r>
-            <a:r>
-              <a:rPr kumimoji="1" lang="en-US" altLang="zh-CN" b="1" dirty="0" smtClean="0">
-                <a:latin typeface="Times New Roman" charset="0"/>
-                <a:ea typeface="Times New Roman" charset="0"/>
-                <a:cs typeface="Times New Roman" charset="0"/>
-              </a:rPr>
-              <a:t>SVM</a:t>
-            </a:r>
-            <a:endParaRPr kumimoji="1" lang="zh-CN" altLang="en-US" b="1" dirty="0">
-              <a:latin typeface="Times New Roman" charset="0"/>
-              <a:ea typeface="Times New Roman" charset="0"/>
-              <a:cs typeface="Times New Roman" charset="0"/>
-            </a:endParaRPr>
+            <a:endParaRPr lang="en-US" dirty="0"/>
           </a:p>
         </p:txBody>
       </p:sp>
       <p:sp>
         <p:nvSpPr>
-          <p:cNvPr id="3" name="内容占位符 2"/>
+          <p:cNvPr id="3" name="Content Placeholder 2"/>
           <p:cNvSpPr>
             <a:spLocks noGrp="1"/>
           </p:cNvSpPr>
@@ -10802,369 +12228,20 @@
           <a:bodyPr/>
           <a:lstStyle/>
           <a:p>
-            <a:pPr>
-              <a:lnSpc>
-                <a:spcPct val="150000"/>
-              </a:lnSpc>
-            </a:pPr>
-            <a:r>
-              <a:rPr kumimoji="1" lang="en-US" altLang="zh-CN" dirty="0" smtClean="0">
-                <a:latin typeface="Times New Roman" charset="0"/>
-                <a:ea typeface="Times New Roman" charset="0"/>
-                <a:cs typeface="Times New Roman" charset="0"/>
-                <a:hlinkClick r:id="rId3" action="ppaction://hlinksldjump"/>
-              </a:rPr>
-              <a:t>Which</a:t>
-            </a:r>
-            <a:r>
-              <a:rPr kumimoji="1" lang="zh-CN" altLang="en-US" dirty="0" smtClean="0">
-                <a:latin typeface="Times New Roman" charset="0"/>
-                <a:ea typeface="Times New Roman" charset="0"/>
-                <a:cs typeface="Times New Roman" charset="0"/>
-                <a:hlinkClick r:id="rId3" action="ppaction://hlinksldjump"/>
-              </a:rPr>
-              <a:t> </a:t>
-            </a:r>
-            <a:r>
-              <a:rPr kumimoji="1" lang="en-US" altLang="zh-CN" dirty="0" smtClean="0">
-                <a:latin typeface="Times New Roman" charset="0"/>
-                <a:ea typeface="Times New Roman" charset="0"/>
-                <a:cs typeface="Times New Roman" charset="0"/>
-                <a:hlinkClick r:id="rId3" action="ppaction://hlinksldjump"/>
-              </a:rPr>
-              <a:t>kernel</a:t>
-            </a:r>
-            <a:r>
-              <a:rPr kumimoji="1" lang="zh-CN" altLang="en-US" dirty="0" smtClean="0">
-                <a:latin typeface="Times New Roman" charset="0"/>
-                <a:ea typeface="Times New Roman" charset="0"/>
-                <a:cs typeface="Times New Roman" charset="0"/>
-                <a:hlinkClick r:id="rId3" action="ppaction://hlinksldjump"/>
-              </a:rPr>
-              <a:t> </a:t>
-            </a:r>
-            <a:r>
-              <a:rPr kumimoji="1" lang="en-US" altLang="zh-CN" dirty="0" smtClean="0">
-                <a:latin typeface="Times New Roman" charset="0"/>
-                <a:ea typeface="Times New Roman" charset="0"/>
-                <a:cs typeface="Times New Roman" charset="0"/>
-                <a:hlinkClick r:id="rId3" action="ppaction://hlinksldjump"/>
-              </a:rPr>
-              <a:t>to</a:t>
-            </a:r>
-            <a:r>
-              <a:rPr kumimoji="1" lang="zh-CN" altLang="en-US" dirty="0" smtClean="0">
-                <a:latin typeface="Times New Roman" charset="0"/>
-                <a:ea typeface="Times New Roman" charset="0"/>
-                <a:cs typeface="Times New Roman" charset="0"/>
-                <a:hlinkClick r:id="rId3" action="ppaction://hlinksldjump"/>
-              </a:rPr>
-              <a:t> </a:t>
-            </a:r>
-            <a:r>
-              <a:rPr kumimoji="1" lang="en-US" altLang="zh-CN" dirty="0" smtClean="0">
-                <a:latin typeface="Times New Roman" charset="0"/>
-                <a:ea typeface="Times New Roman" charset="0"/>
-                <a:cs typeface="Times New Roman" charset="0"/>
-                <a:hlinkClick r:id="rId3" action="ppaction://hlinksldjump"/>
-              </a:rPr>
-              <a:t>use</a:t>
-            </a:r>
-            <a:r>
-              <a:rPr kumimoji="1" lang="en-US" altLang="zh-CN" dirty="0" smtClean="0">
-                <a:latin typeface="Times New Roman" charset="0"/>
-                <a:ea typeface="Times New Roman" charset="0"/>
-                <a:cs typeface="Times New Roman" charset="0"/>
-              </a:rPr>
-              <a:t>?</a:t>
-            </a:r>
-            <a:endParaRPr kumimoji="1" lang="en-US" altLang="zh-CN" dirty="0">
-              <a:latin typeface="Times New Roman" charset="0"/>
-              <a:ea typeface="Times New Roman" charset="0"/>
-              <a:cs typeface="Times New Roman" charset="0"/>
-            </a:endParaRPr>
-          </a:p>
-          <a:p>
-            <a:pPr>
-              <a:lnSpc>
-                <a:spcPct val="150000"/>
-              </a:lnSpc>
-            </a:pPr>
-            <a:r>
-              <a:rPr kumimoji="1" lang="en-US" altLang="zh-CN" dirty="0" smtClean="0">
-                <a:latin typeface="Times New Roman" charset="0"/>
-                <a:ea typeface="Times New Roman" charset="0"/>
-                <a:cs typeface="Times New Roman" charset="0"/>
-                <a:hlinkClick r:id="rId4" action="ppaction://hlinksldjump"/>
-              </a:rPr>
-              <a:t>How</a:t>
-            </a:r>
-            <a:r>
-              <a:rPr kumimoji="1" lang="zh-CN" altLang="en-US" dirty="0" smtClean="0">
-                <a:latin typeface="Times New Roman" charset="0"/>
-                <a:ea typeface="Times New Roman" charset="0"/>
-                <a:cs typeface="Times New Roman" charset="0"/>
-                <a:hlinkClick r:id="rId4" action="ppaction://hlinksldjump"/>
-              </a:rPr>
-              <a:t> </a:t>
-            </a:r>
-            <a:r>
-              <a:rPr kumimoji="1" lang="en-US" altLang="zh-CN" dirty="0" smtClean="0">
-                <a:latin typeface="Times New Roman" charset="0"/>
-                <a:ea typeface="Times New Roman" charset="0"/>
-                <a:cs typeface="Times New Roman" charset="0"/>
-                <a:hlinkClick r:id="rId4" action="ppaction://hlinksldjump"/>
-              </a:rPr>
-              <a:t>to</a:t>
-            </a:r>
-            <a:r>
-              <a:rPr kumimoji="1" lang="zh-CN" altLang="en-US" dirty="0" smtClean="0">
-                <a:latin typeface="Times New Roman" charset="0"/>
-                <a:ea typeface="Times New Roman" charset="0"/>
-                <a:cs typeface="Times New Roman" charset="0"/>
-                <a:hlinkClick r:id="rId4" action="ppaction://hlinksldjump"/>
-              </a:rPr>
-              <a:t> </a:t>
-            </a:r>
-            <a:r>
-              <a:rPr kumimoji="1" lang="en-US" altLang="zh-CN" dirty="0" smtClean="0">
-                <a:latin typeface="Times New Roman" charset="0"/>
-                <a:ea typeface="Times New Roman" charset="0"/>
-                <a:cs typeface="Times New Roman" charset="0"/>
-                <a:hlinkClick r:id="rId4" action="ppaction://hlinksldjump"/>
-              </a:rPr>
-              <a:t>select</a:t>
-            </a:r>
-            <a:r>
-              <a:rPr kumimoji="1" lang="zh-CN" altLang="en-US" dirty="0" smtClean="0">
-                <a:latin typeface="Times New Roman" charset="0"/>
-                <a:ea typeface="Times New Roman" charset="0"/>
-                <a:cs typeface="Times New Roman" charset="0"/>
-                <a:hlinkClick r:id="rId4" action="ppaction://hlinksldjump"/>
-              </a:rPr>
-              <a:t> </a:t>
-            </a:r>
-            <a:r>
-              <a:rPr kumimoji="1" lang="en-US" altLang="zh-CN" dirty="0" smtClean="0">
-                <a:latin typeface="Times New Roman" charset="0"/>
-                <a:ea typeface="Times New Roman" charset="0"/>
-                <a:cs typeface="Times New Roman" charset="0"/>
-                <a:hlinkClick r:id="rId4" action="ppaction://hlinksldjump"/>
-              </a:rPr>
-              <a:t>the</a:t>
-            </a:r>
-            <a:r>
-              <a:rPr kumimoji="1" lang="zh-CN" altLang="en-US" dirty="0" smtClean="0">
-                <a:latin typeface="Times New Roman" charset="0"/>
-                <a:ea typeface="Times New Roman" charset="0"/>
-                <a:cs typeface="Times New Roman" charset="0"/>
-                <a:hlinkClick r:id="rId4" action="ppaction://hlinksldjump"/>
-              </a:rPr>
-              <a:t> </a:t>
-            </a:r>
-            <a:r>
-              <a:rPr kumimoji="1" lang="en-US" altLang="zh-CN" dirty="0" smtClean="0">
-                <a:latin typeface="Times New Roman" charset="0"/>
-                <a:ea typeface="Times New Roman" charset="0"/>
-                <a:cs typeface="Times New Roman" charset="0"/>
-                <a:hlinkClick r:id="rId4" action="ppaction://hlinksldjump"/>
-              </a:rPr>
-              <a:t>parameter</a:t>
-            </a:r>
-            <a:r>
-              <a:rPr kumimoji="1" lang="zh-CN" altLang="en-US" dirty="0" smtClean="0">
-                <a:latin typeface="Times New Roman" charset="0"/>
-                <a:ea typeface="Times New Roman" charset="0"/>
-                <a:cs typeface="Times New Roman" charset="0"/>
-                <a:hlinkClick r:id="rId4" action="ppaction://hlinksldjump"/>
-              </a:rPr>
-              <a:t> </a:t>
-            </a:r>
-            <a:r>
-              <a:rPr kumimoji="1" lang="en-US" altLang="zh-CN" dirty="0" smtClean="0">
-                <a:latin typeface="Times New Roman" charset="0"/>
-                <a:ea typeface="Times New Roman" charset="0"/>
-                <a:cs typeface="Times New Roman" charset="0"/>
-                <a:hlinkClick r:id="rId4" action="ppaction://hlinksldjump"/>
-              </a:rPr>
-              <a:t>values</a:t>
-            </a:r>
-            <a:r>
-              <a:rPr kumimoji="1" lang="zh-CN" altLang="en-US" dirty="0" smtClean="0">
-                <a:latin typeface="Times New Roman" charset="0"/>
-                <a:ea typeface="Times New Roman" charset="0"/>
-                <a:cs typeface="Times New Roman" charset="0"/>
-                <a:hlinkClick r:id="rId4" action="ppaction://hlinksldjump"/>
-              </a:rPr>
-              <a:t> </a:t>
-            </a:r>
-            <a:r>
-              <a:rPr kumimoji="1" lang="en-US" altLang="zh-CN" dirty="0" smtClean="0">
-                <a:latin typeface="Times New Roman" charset="0"/>
-                <a:ea typeface="Times New Roman" charset="0"/>
-                <a:cs typeface="Times New Roman" charset="0"/>
-                <a:hlinkClick r:id="rId4" action="ppaction://hlinksldjump"/>
-              </a:rPr>
-              <a:t>in</a:t>
-            </a:r>
-            <a:r>
-              <a:rPr kumimoji="1" lang="zh-CN" altLang="en-US" dirty="0" smtClean="0">
-                <a:latin typeface="Times New Roman" charset="0"/>
-                <a:ea typeface="Times New Roman" charset="0"/>
-                <a:cs typeface="Times New Roman" charset="0"/>
-                <a:hlinkClick r:id="rId4" action="ppaction://hlinksldjump"/>
-              </a:rPr>
-              <a:t> </a:t>
-            </a:r>
-            <a:r>
-              <a:rPr kumimoji="1" lang="en-US" altLang="zh-CN" dirty="0" smtClean="0">
-                <a:latin typeface="Times New Roman" charset="0"/>
-                <a:ea typeface="Times New Roman" charset="0"/>
-                <a:cs typeface="Times New Roman" charset="0"/>
-                <a:hlinkClick r:id="rId4" action="ppaction://hlinksldjump"/>
-              </a:rPr>
-              <a:t>SVM</a:t>
-            </a:r>
-            <a:r>
-              <a:rPr kumimoji="1" lang="en-US" altLang="zh-CN" dirty="0" smtClean="0">
-                <a:latin typeface="Times New Roman" charset="0"/>
-                <a:ea typeface="Times New Roman" charset="0"/>
-                <a:cs typeface="Times New Roman" charset="0"/>
-              </a:rPr>
-              <a:t>?</a:t>
-            </a:r>
-          </a:p>
-          <a:p>
-            <a:pPr>
-              <a:lnSpc>
-                <a:spcPct val="150000"/>
-              </a:lnSpc>
-            </a:pPr>
-            <a:r>
-              <a:rPr kumimoji="1" lang="en-US" altLang="zh-CN" dirty="0" smtClean="0">
-                <a:latin typeface="Times New Roman" charset="0"/>
-                <a:ea typeface="Times New Roman" charset="0"/>
-                <a:cs typeface="Times New Roman" charset="0"/>
-                <a:hlinkClick r:id="rId5" action="ppaction://hlinksldjump"/>
-              </a:rPr>
-              <a:t>How</a:t>
-            </a:r>
-            <a:r>
-              <a:rPr kumimoji="1" lang="zh-CN" altLang="en-US" dirty="0" smtClean="0">
-                <a:latin typeface="Times New Roman" charset="0"/>
-                <a:ea typeface="Times New Roman" charset="0"/>
-                <a:cs typeface="Times New Roman" charset="0"/>
-                <a:hlinkClick r:id="rId5" action="ppaction://hlinksldjump"/>
-              </a:rPr>
-              <a:t> </a:t>
-            </a:r>
-            <a:r>
-              <a:rPr kumimoji="1" lang="en-US" altLang="zh-CN" dirty="0" smtClean="0">
-                <a:latin typeface="Times New Roman" charset="0"/>
-                <a:ea typeface="Times New Roman" charset="0"/>
-                <a:cs typeface="Times New Roman" charset="0"/>
-                <a:hlinkClick r:id="rId5" action="ppaction://hlinksldjump"/>
-              </a:rPr>
-              <a:t>to</a:t>
-            </a:r>
-            <a:r>
-              <a:rPr kumimoji="1" lang="zh-CN" altLang="en-US" dirty="0" smtClean="0">
-                <a:latin typeface="Times New Roman" charset="0"/>
-                <a:ea typeface="Times New Roman" charset="0"/>
-                <a:cs typeface="Times New Roman" charset="0"/>
-                <a:hlinkClick r:id="rId5" action="ppaction://hlinksldjump"/>
-              </a:rPr>
-              <a:t> </a:t>
-            </a:r>
-            <a:r>
-              <a:rPr kumimoji="1" lang="en-US" altLang="zh-CN" dirty="0" smtClean="0">
-                <a:latin typeface="Times New Roman" charset="0"/>
-                <a:ea typeface="Times New Roman" charset="0"/>
-                <a:cs typeface="Times New Roman" charset="0"/>
-                <a:hlinkClick r:id="rId5" action="ppaction://hlinksldjump"/>
-              </a:rPr>
-              <a:t>construct</a:t>
-            </a:r>
-            <a:r>
-              <a:rPr kumimoji="1" lang="zh-CN" altLang="en-US" dirty="0" smtClean="0">
-                <a:latin typeface="Times New Roman" charset="0"/>
-                <a:ea typeface="Times New Roman" charset="0"/>
-                <a:cs typeface="Times New Roman" charset="0"/>
-                <a:hlinkClick r:id="rId5" action="ppaction://hlinksldjump"/>
-              </a:rPr>
-              <a:t> </a:t>
-            </a:r>
-            <a:r>
-              <a:rPr kumimoji="1" lang="en-US" altLang="zh-CN" dirty="0" smtClean="0">
-                <a:latin typeface="Times New Roman" charset="0"/>
-                <a:ea typeface="Times New Roman" charset="0"/>
-                <a:cs typeface="Times New Roman" charset="0"/>
-                <a:hlinkClick r:id="rId5" action="ppaction://hlinksldjump"/>
-              </a:rPr>
-              <a:t>multi-classifier</a:t>
-            </a:r>
-            <a:r>
-              <a:rPr kumimoji="1" lang="zh-CN" altLang="en-US" dirty="0" smtClean="0">
-                <a:latin typeface="Times New Roman" charset="0"/>
-                <a:ea typeface="Times New Roman" charset="0"/>
-                <a:cs typeface="Times New Roman" charset="0"/>
-                <a:hlinkClick r:id="rId5" action="ppaction://hlinksldjump"/>
-              </a:rPr>
-              <a:t> </a:t>
-            </a:r>
-            <a:r>
-              <a:rPr kumimoji="1" lang="en-US" altLang="zh-CN" dirty="0" smtClean="0">
-                <a:latin typeface="Times New Roman" charset="0"/>
-                <a:ea typeface="Times New Roman" charset="0"/>
-                <a:cs typeface="Times New Roman" charset="0"/>
-                <a:hlinkClick r:id="rId5" action="ppaction://hlinksldjump"/>
-              </a:rPr>
-              <a:t>SVM</a:t>
-            </a:r>
-            <a:r>
-              <a:rPr kumimoji="1" lang="en-US" altLang="zh-CN" dirty="0" smtClean="0">
-                <a:latin typeface="Times New Roman" charset="0"/>
-                <a:ea typeface="Times New Roman" charset="0"/>
-                <a:cs typeface="Times New Roman" charset="0"/>
-              </a:rPr>
-              <a:t>?</a:t>
-            </a:r>
-            <a:r>
-              <a:rPr kumimoji="1" lang="zh-CN" altLang="en-US" dirty="0" smtClean="0">
-                <a:latin typeface="Times New Roman" charset="0"/>
-                <a:ea typeface="Times New Roman" charset="0"/>
-                <a:cs typeface="Times New Roman" charset="0"/>
-              </a:rPr>
-              <a:t> </a:t>
-            </a:r>
-            <a:endParaRPr kumimoji="1" lang="en-US" altLang="zh-CN" dirty="0">
-              <a:latin typeface="Times New Roman" charset="0"/>
-              <a:ea typeface="Times New Roman" charset="0"/>
-              <a:cs typeface="Times New Roman" charset="0"/>
-            </a:endParaRPr>
-          </a:p>
-          <a:p>
-            <a:endParaRPr kumimoji="1" lang="zh-CN" altLang="en-US" dirty="0"/>
+            <a:endParaRPr lang="en-US"/>
           </a:p>
         </p:txBody>
       </p:sp>
     </p:spTree>
     <p:extLst>
       <p:ext uri="{BB962C8B-B14F-4D97-AF65-F5344CB8AC3E}">
-        <p14:creationId xmlns:p14="http://schemas.microsoft.com/office/powerpoint/2010/main" val="1369389605"/>
+        <p14:creationId xmlns:p14="http://schemas.microsoft.com/office/powerpoint/2010/main" val="2021162171"/>
       </p:ext>
     </p:extLst>
   </p:cSld>
   <p:clrMapOvr>
     <a:masterClrMapping/>
   </p:clrMapOvr>
-  <p:timing>
-    <p:tnLst>
-      <p:par>
-        <p:cTn id="1" dur="indefinite" restart="never" nodeType="tmRoot"/>
-      </p:par>
-    </p:tnLst>
-  </p:timing>
 </p:sld>
 </file>
 
@@ -11201,108 +12278,12 @@
           <a:lstStyle/>
           <a:p>
             <a:r>
-              <a:rPr kumimoji="1" lang="en-US" altLang="zh-CN" b="1" dirty="0" smtClean="0">
-                <a:latin typeface="Times New Roman" charset="0"/>
-                <a:ea typeface="Times New Roman" charset="0"/>
-                <a:cs typeface="Times New Roman" charset="0"/>
-              </a:rPr>
-              <a:t>Which</a:t>
-            </a:r>
-            <a:r>
-              <a:rPr kumimoji="1" lang="zh-CN" altLang="en-US" b="1" dirty="0" smtClean="0">
-                <a:latin typeface="Times New Roman" charset="0"/>
-                <a:ea typeface="Times New Roman" charset="0"/>
-                <a:cs typeface="Times New Roman" charset="0"/>
-              </a:rPr>
-              <a:t> </a:t>
-            </a:r>
-            <a:r>
-              <a:rPr kumimoji="1" lang="en-US" altLang="zh-CN" b="1" dirty="0" smtClean="0">
-                <a:latin typeface="Times New Roman" charset="0"/>
-                <a:ea typeface="Times New Roman" charset="0"/>
-                <a:cs typeface="Times New Roman" charset="0"/>
-              </a:rPr>
-              <a:t>kernel</a:t>
-            </a:r>
-            <a:r>
-              <a:rPr kumimoji="1" lang="zh-CN" altLang="en-US" b="1" dirty="0" smtClean="0">
-                <a:latin typeface="Times New Roman" charset="0"/>
-                <a:ea typeface="Times New Roman" charset="0"/>
-                <a:cs typeface="Times New Roman" charset="0"/>
-              </a:rPr>
-              <a:t> </a:t>
-            </a:r>
-            <a:r>
-              <a:rPr kumimoji="1" lang="en-US" altLang="zh-CN" b="1" dirty="0" smtClean="0">
-                <a:latin typeface="Times New Roman" charset="0"/>
-                <a:ea typeface="Times New Roman" charset="0"/>
-                <a:cs typeface="Times New Roman" charset="0"/>
-              </a:rPr>
-              <a:t>we</a:t>
-            </a:r>
-            <a:r>
-              <a:rPr kumimoji="1" lang="zh-CN" altLang="en-US" b="1" dirty="0" smtClean="0">
-                <a:latin typeface="Times New Roman" charset="0"/>
-                <a:ea typeface="Times New Roman" charset="0"/>
-                <a:cs typeface="Times New Roman" charset="0"/>
-              </a:rPr>
-              <a:t> </a:t>
-            </a:r>
-            <a:r>
-              <a:rPr kumimoji="1" lang="en-US" altLang="zh-CN" b="1" dirty="0" smtClean="0">
-                <a:latin typeface="Times New Roman" charset="0"/>
-                <a:ea typeface="Times New Roman" charset="0"/>
-                <a:cs typeface="Times New Roman" charset="0"/>
-              </a:rPr>
-              <a:t>are</a:t>
-            </a:r>
-            <a:r>
-              <a:rPr kumimoji="1" lang="zh-CN" altLang="en-US" b="1" dirty="0" smtClean="0">
-                <a:latin typeface="Times New Roman" charset="0"/>
-                <a:ea typeface="Times New Roman" charset="0"/>
-                <a:cs typeface="Times New Roman" charset="0"/>
-              </a:rPr>
-              <a:t> </a:t>
-            </a:r>
-            <a:r>
-              <a:rPr kumimoji="1" lang="en-US" altLang="zh-CN" b="1" dirty="0" smtClean="0">
-                <a:latin typeface="Times New Roman" charset="0"/>
-                <a:ea typeface="Times New Roman" charset="0"/>
-                <a:cs typeface="Times New Roman" charset="0"/>
-              </a:rPr>
-              <a:t>going</a:t>
-            </a:r>
-            <a:r>
-              <a:rPr kumimoji="1" lang="zh-CN" altLang="en-US" b="1" dirty="0" smtClean="0">
-                <a:latin typeface="Times New Roman" charset="0"/>
-                <a:ea typeface="Times New Roman" charset="0"/>
-                <a:cs typeface="Times New Roman" charset="0"/>
-              </a:rPr>
-              <a:t> </a:t>
-            </a:r>
-            <a:r>
-              <a:rPr kumimoji="1" lang="en-US" altLang="zh-CN" b="1" dirty="0" smtClean="0">
-                <a:latin typeface="Times New Roman" charset="0"/>
-                <a:ea typeface="Times New Roman" charset="0"/>
-                <a:cs typeface="Times New Roman" charset="0"/>
-              </a:rPr>
-              <a:t>to</a:t>
-            </a:r>
-            <a:r>
-              <a:rPr kumimoji="1" lang="zh-CN" altLang="en-US" b="1" dirty="0" smtClean="0">
-                <a:latin typeface="Times New Roman" charset="0"/>
-                <a:ea typeface="Times New Roman" charset="0"/>
-                <a:cs typeface="Times New Roman" charset="0"/>
-              </a:rPr>
-              <a:t> </a:t>
-            </a:r>
-            <a:r>
-              <a:rPr kumimoji="1" lang="en-US" altLang="zh-CN" b="1" dirty="0" smtClean="0">
-                <a:latin typeface="Times New Roman" charset="0"/>
-                <a:ea typeface="Times New Roman" charset="0"/>
-                <a:cs typeface="Times New Roman" charset="0"/>
-              </a:rPr>
-              <a:t>use?</a:t>
+              <a:rPr kumimoji="1" lang="en-CA" altLang="zh-CN" b="1" dirty="0" smtClean="0">
+                <a:latin typeface="Times New Roman" charset="0"/>
+                <a:ea typeface="Times New Roman" charset="0"/>
+                <a:cs typeface="Times New Roman" charset="0"/>
+              </a:rPr>
+              <a:t>Team Clustering Results</a:t>
             </a:r>
             <a:endParaRPr kumimoji="1" lang="zh-CN" altLang="en-US" b="1" dirty="0">
               <a:latin typeface="Times New Roman" charset="0"/>
@@ -11327,418 +12308,268 @@
           <a:bodyPr/>
           <a:lstStyle/>
           <a:p>
-            <a:endParaRPr kumimoji="1" lang="zh-CN" altLang="en-US" dirty="0"/>
-          </a:p>
-        </p:txBody>
-      </p:sp>
-      <p:sp>
-        <p:nvSpPr>
-          <p:cNvPr id="4" name="文本框 3">
-            <a:hlinkClick r:id="rId2" tooltip="Face Recognition Using PCA and SVM"/>
-          </p:cNvPr>
-          <p:cNvSpPr txBox="1"/>
-          <p:nvPr/>
-        </p:nvSpPr>
-        <p:spPr>
-          <a:xfrm>
-            <a:off x="7607226" y="8087856"/>
-            <a:ext cx="3746090" cy="796413"/>
-          </a:xfrm>
-          <a:prstGeom prst="rect">
-            <a:avLst/>
-          </a:prstGeom>
-          <a:noFill/>
-        </p:spPr>
-        <p:txBody>
-          <a:bodyPr wrap="square" rtlCol="0">
-            <a:spAutoFit/>
-          </a:bodyPr>
-          <a:lstStyle/>
-          <a:p>
-            <a:endParaRPr kumimoji="1" lang="zh-CN" altLang="en-US"/>
-          </a:p>
-        </p:txBody>
-      </p:sp>
-      <p:sp>
-        <p:nvSpPr>
-          <p:cNvPr id="5" name="文本框 4"/>
-          <p:cNvSpPr txBox="1"/>
-          <p:nvPr/>
-        </p:nvSpPr>
-        <p:spPr>
-          <a:xfrm>
-            <a:off x="8061962" y="6313726"/>
-            <a:ext cx="184731" cy="369332"/>
-          </a:xfrm>
-          <a:prstGeom prst="rect">
-            <a:avLst/>
-          </a:prstGeom>
-          <a:noFill/>
-        </p:spPr>
-        <p:txBody>
-          <a:bodyPr wrap="none" rtlCol="0">
-            <a:spAutoFit/>
-          </a:bodyPr>
-          <a:lstStyle/>
-          <a:p>
-            <a:endParaRPr kumimoji="1" lang="zh-CN" altLang="en-US"/>
-          </a:p>
-        </p:txBody>
-      </p:sp>
-      <p:sp>
-        <p:nvSpPr>
-          <p:cNvPr id="6" name="文本框 5"/>
-          <p:cNvSpPr txBox="1"/>
-          <p:nvPr/>
-        </p:nvSpPr>
-        <p:spPr>
-          <a:xfrm>
-            <a:off x="7484046" y="4938634"/>
-            <a:ext cx="4215669" cy="369332"/>
-          </a:xfrm>
-          <a:prstGeom prst="rect">
-            <a:avLst/>
-          </a:prstGeom>
-          <a:noFill/>
-        </p:spPr>
-        <p:txBody>
-          <a:bodyPr wrap="square" rtlCol="0">
-            <a:spAutoFit/>
-          </a:bodyPr>
-          <a:lstStyle/>
-          <a:p>
-            <a:r>
-              <a:rPr kumimoji="1" lang="en-US" altLang="zh-CN" dirty="0" smtClean="0">
-                <a:latin typeface="Times New Roman" charset="0"/>
-                <a:ea typeface="Times New Roman" charset="0"/>
-                <a:cs typeface="Times New Roman" charset="0"/>
-                <a:hlinkClick r:id="rId2"/>
-              </a:rPr>
-              <a:t>Face</a:t>
-            </a:r>
-            <a:r>
-              <a:rPr kumimoji="1" lang="zh-CN" altLang="en-US" dirty="0" smtClean="0">
-                <a:latin typeface="Times New Roman" charset="0"/>
-                <a:ea typeface="Times New Roman" charset="0"/>
-                <a:cs typeface="Times New Roman" charset="0"/>
-                <a:hlinkClick r:id="rId2"/>
-              </a:rPr>
-              <a:t> </a:t>
-            </a:r>
-            <a:r>
-              <a:rPr kumimoji="1" lang="en-US" altLang="zh-CN" dirty="0" smtClean="0">
-                <a:latin typeface="Times New Roman" charset="0"/>
-                <a:ea typeface="Times New Roman" charset="0"/>
-                <a:cs typeface="Times New Roman" charset="0"/>
-                <a:hlinkClick r:id="rId2"/>
-              </a:rPr>
-              <a:t>Recognition</a:t>
-            </a:r>
-            <a:r>
-              <a:rPr kumimoji="1" lang="zh-CN" altLang="en-US" dirty="0" smtClean="0">
-                <a:latin typeface="Times New Roman" charset="0"/>
-                <a:ea typeface="Times New Roman" charset="0"/>
-                <a:cs typeface="Times New Roman" charset="0"/>
-                <a:hlinkClick r:id="rId2"/>
-              </a:rPr>
-              <a:t> </a:t>
-            </a:r>
-            <a:r>
-              <a:rPr kumimoji="1" lang="en-US" altLang="zh-CN" dirty="0" smtClean="0">
-                <a:latin typeface="Times New Roman" charset="0"/>
-                <a:ea typeface="Times New Roman" charset="0"/>
-                <a:cs typeface="Times New Roman" charset="0"/>
-                <a:hlinkClick r:id="rId2"/>
-              </a:rPr>
-              <a:t>Using</a:t>
-            </a:r>
-            <a:r>
-              <a:rPr kumimoji="1" lang="zh-CN" altLang="en-US" dirty="0" smtClean="0">
-                <a:latin typeface="Times New Roman" charset="0"/>
-                <a:ea typeface="Times New Roman" charset="0"/>
-                <a:cs typeface="Times New Roman" charset="0"/>
-                <a:hlinkClick r:id="rId2"/>
-              </a:rPr>
-              <a:t> </a:t>
-            </a:r>
-            <a:r>
-              <a:rPr kumimoji="1" lang="en-US" altLang="zh-CN" dirty="0" smtClean="0">
-                <a:latin typeface="Times New Roman" charset="0"/>
-                <a:ea typeface="Times New Roman" charset="0"/>
-                <a:cs typeface="Times New Roman" charset="0"/>
-                <a:hlinkClick r:id="rId2"/>
-              </a:rPr>
-              <a:t>PCA</a:t>
-            </a:r>
-            <a:r>
-              <a:rPr kumimoji="1" lang="zh-CN" altLang="en-US" dirty="0" smtClean="0">
-                <a:latin typeface="Times New Roman" charset="0"/>
-                <a:ea typeface="Times New Roman" charset="0"/>
-                <a:cs typeface="Times New Roman" charset="0"/>
-                <a:hlinkClick r:id="rId2"/>
-              </a:rPr>
-              <a:t> </a:t>
-            </a:r>
-            <a:r>
-              <a:rPr kumimoji="1" lang="en-US" altLang="zh-CN" dirty="0" smtClean="0">
-                <a:latin typeface="Times New Roman" charset="0"/>
-                <a:ea typeface="Times New Roman" charset="0"/>
-                <a:cs typeface="Times New Roman" charset="0"/>
-                <a:hlinkClick r:id="rId2"/>
-              </a:rPr>
-              <a:t>and</a:t>
-            </a:r>
-            <a:r>
-              <a:rPr kumimoji="1" lang="zh-CN" altLang="en-US" dirty="0" smtClean="0">
-                <a:latin typeface="Times New Roman" charset="0"/>
-                <a:ea typeface="Times New Roman" charset="0"/>
-                <a:cs typeface="Times New Roman" charset="0"/>
-                <a:hlinkClick r:id="rId2"/>
-              </a:rPr>
-              <a:t> </a:t>
-            </a:r>
-            <a:r>
-              <a:rPr kumimoji="1" lang="en-US" altLang="zh-CN" dirty="0" smtClean="0">
-                <a:latin typeface="Times New Roman" charset="0"/>
-                <a:ea typeface="Times New Roman" charset="0"/>
-                <a:cs typeface="Times New Roman" charset="0"/>
-                <a:hlinkClick r:id="rId2"/>
-              </a:rPr>
-              <a:t>SVM</a:t>
-            </a:r>
-            <a:endParaRPr kumimoji="1" lang="zh-CN" altLang="en-US" dirty="0">
+            <a:pPr>
+              <a:lnSpc>
+                <a:spcPct val="150000"/>
+              </a:lnSpc>
+            </a:pPr>
+            <a:r>
+              <a:rPr kumimoji="1" lang="en-US" altLang="zh-CN" dirty="0" smtClean="0">
+                <a:latin typeface="Times New Roman" charset="0"/>
+                <a:ea typeface="Times New Roman" charset="0"/>
+                <a:cs typeface="Times New Roman" charset="0"/>
+                <a:hlinkClick r:id="rId3" action="ppaction://hlinksldjump"/>
+              </a:rPr>
+              <a:t>Which</a:t>
+            </a:r>
+            <a:r>
+              <a:rPr kumimoji="1" lang="zh-CN" altLang="en-US" dirty="0" smtClean="0">
+                <a:latin typeface="Times New Roman" charset="0"/>
+                <a:ea typeface="Times New Roman" charset="0"/>
+                <a:cs typeface="Times New Roman" charset="0"/>
+                <a:hlinkClick r:id="rId3" action="ppaction://hlinksldjump"/>
+              </a:rPr>
+              <a:t> </a:t>
+            </a:r>
+            <a:r>
+              <a:rPr kumimoji="1" lang="en-US" altLang="zh-CN" dirty="0" smtClean="0">
+                <a:latin typeface="Times New Roman" charset="0"/>
+                <a:ea typeface="Times New Roman" charset="0"/>
+                <a:cs typeface="Times New Roman" charset="0"/>
+                <a:hlinkClick r:id="rId3" action="ppaction://hlinksldjump"/>
+              </a:rPr>
+              <a:t>kernel</a:t>
+            </a:r>
+            <a:r>
+              <a:rPr kumimoji="1" lang="zh-CN" altLang="en-US" dirty="0" smtClean="0">
+                <a:latin typeface="Times New Roman" charset="0"/>
+                <a:ea typeface="Times New Roman" charset="0"/>
+                <a:cs typeface="Times New Roman" charset="0"/>
+                <a:hlinkClick r:id="rId3" action="ppaction://hlinksldjump"/>
+              </a:rPr>
+              <a:t> </a:t>
+            </a:r>
+            <a:r>
+              <a:rPr kumimoji="1" lang="en-US" altLang="zh-CN" dirty="0" smtClean="0">
+                <a:latin typeface="Times New Roman" charset="0"/>
+                <a:ea typeface="Times New Roman" charset="0"/>
+                <a:cs typeface="Times New Roman" charset="0"/>
+                <a:hlinkClick r:id="rId3" action="ppaction://hlinksldjump"/>
+              </a:rPr>
+              <a:t>to</a:t>
+            </a:r>
+            <a:r>
+              <a:rPr kumimoji="1" lang="zh-CN" altLang="en-US" dirty="0" smtClean="0">
+                <a:latin typeface="Times New Roman" charset="0"/>
+                <a:ea typeface="Times New Roman" charset="0"/>
+                <a:cs typeface="Times New Roman" charset="0"/>
+                <a:hlinkClick r:id="rId3" action="ppaction://hlinksldjump"/>
+              </a:rPr>
+              <a:t> </a:t>
+            </a:r>
+            <a:r>
+              <a:rPr kumimoji="1" lang="en-US" altLang="zh-CN" dirty="0" smtClean="0">
+                <a:latin typeface="Times New Roman" charset="0"/>
+                <a:ea typeface="Times New Roman" charset="0"/>
+                <a:cs typeface="Times New Roman" charset="0"/>
+                <a:hlinkClick r:id="rId3" action="ppaction://hlinksldjump"/>
+              </a:rPr>
+              <a:t>use</a:t>
+            </a:r>
+            <a:r>
+              <a:rPr kumimoji="1" lang="en-US" altLang="zh-CN" dirty="0" smtClean="0">
+                <a:latin typeface="Times New Roman" charset="0"/>
+                <a:ea typeface="Times New Roman" charset="0"/>
+                <a:cs typeface="Times New Roman" charset="0"/>
+              </a:rPr>
+              <a:t>?</a:t>
+            </a:r>
+            <a:endParaRPr kumimoji="1" lang="en-US" altLang="zh-CN" dirty="0">
               <a:latin typeface="Times New Roman" charset="0"/>
               <a:ea typeface="Times New Roman" charset="0"/>
               <a:cs typeface="Times New Roman" charset="0"/>
             </a:endParaRPr>
           </a:p>
-        </p:txBody>
-      </p:sp>
-      <p:pic>
-        <p:nvPicPr>
-          <p:cNvPr id="7" name="内容占位符 11"/>
-          <p:cNvPicPr>
-            <a:picLocks noChangeAspect="1"/>
-          </p:cNvPicPr>
-          <p:nvPr/>
-        </p:nvPicPr>
-        <p:blipFill>
-          <a:blip r:embed="rId3">
-            <a:extLst>
-              <a:ext uri="{28A0092B-C50C-407E-A947-70E740481C1C}">
-                <a14:useLocalDpi xmlns:a14="http://schemas.microsoft.com/office/drawing/2010/main" val="0"/>
-              </a:ext>
-            </a:extLst>
-          </a:blip>
-          <a:stretch>
-            <a:fillRect/>
-          </a:stretch>
-        </p:blipFill>
-        <p:spPr>
-          <a:xfrm>
-            <a:off x="482600" y="1732400"/>
-            <a:ext cx="5613400" cy="3390900"/>
-          </a:xfrm>
-          <a:prstGeom prst="rect">
-            <a:avLst/>
-          </a:prstGeom>
-        </p:spPr>
-      </p:pic>
-      <p:sp>
-        <p:nvSpPr>
-          <p:cNvPr id="8" name="文本框 7"/>
-          <p:cNvSpPr txBox="1"/>
-          <p:nvPr/>
-        </p:nvSpPr>
-        <p:spPr>
-          <a:xfrm>
-            <a:off x="6268075" y="1886446"/>
-            <a:ext cx="4259484" cy="2169825"/>
-          </a:xfrm>
-          <a:prstGeom prst="rect">
-            <a:avLst/>
-          </a:prstGeom>
-          <a:noFill/>
-        </p:spPr>
-        <p:txBody>
-          <a:bodyPr wrap="square" rtlCol="0">
-            <a:spAutoFit/>
-          </a:bodyPr>
-          <a:lstStyle/>
-          <a:p>
-            <a:pPr marL="285750" indent="-285750">
+          <a:p>
+            <a:pPr>
               <a:lnSpc>
                 <a:spcPct val="150000"/>
               </a:lnSpc>
-              <a:buFont typeface="Arial" charset="0"/>
-              <a:buChar char="•"/>
             </a:pPr>
             <a:r>
-              <a:rPr kumimoji="1" lang="en-US" altLang="zh-CN" b="1" dirty="0" smtClean="0">
-                <a:latin typeface="Times New Roman" charset="0"/>
-                <a:ea typeface="Times New Roman" charset="0"/>
-                <a:cs typeface="Times New Roman" charset="0"/>
-              </a:rPr>
-              <a:t>P-SVM</a:t>
-            </a:r>
-            <a:r>
-              <a:rPr kumimoji="1" lang="en-US" altLang="zh-CN" dirty="0" smtClean="0">
-                <a:latin typeface="Times New Roman" charset="0"/>
-                <a:ea typeface="Times New Roman" charset="0"/>
-                <a:cs typeface="Times New Roman" charset="0"/>
-              </a:rPr>
-              <a:t>:</a:t>
-            </a:r>
-            <a:r>
-              <a:rPr kumimoji="1" lang="zh-CN" altLang="en-US" dirty="0" smtClean="0">
-                <a:latin typeface="Times New Roman" charset="0"/>
-                <a:ea typeface="Times New Roman" charset="0"/>
-                <a:cs typeface="Times New Roman" charset="0"/>
-              </a:rPr>
-              <a:t> </a:t>
-            </a:r>
-            <a:r>
-              <a:rPr kumimoji="1" lang="en-US" altLang="zh-CN" dirty="0" smtClean="0">
-                <a:latin typeface="Times New Roman" charset="0"/>
-                <a:ea typeface="Times New Roman" charset="0"/>
-                <a:cs typeface="Times New Roman" charset="0"/>
-              </a:rPr>
-              <a:t>memory overflow</a:t>
-            </a:r>
-            <a:r>
-              <a:rPr kumimoji="1" lang="zh-CN" altLang="en-US" dirty="0" smtClean="0">
-                <a:latin typeface="Times New Roman" charset="0"/>
-                <a:ea typeface="Times New Roman" charset="0"/>
-                <a:cs typeface="Times New Roman" charset="0"/>
-              </a:rPr>
-              <a:t> </a:t>
-            </a:r>
-            <a:r>
-              <a:rPr kumimoji="1" lang="en-US" altLang="zh-CN" dirty="0" smtClean="0">
-                <a:latin typeface="Times New Roman" charset="0"/>
-                <a:ea typeface="Times New Roman" charset="0"/>
-                <a:cs typeface="Times New Roman" charset="0"/>
-              </a:rPr>
-              <a:t>because</a:t>
-            </a:r>
-            <a:r>
-              <a:rPr kumimoji="1" lang="zh-CN" altLang="en-US" dirty="0" smtClean="0">
-                <a:latin typeface="Times New Roman" charset="0"/>
-                <a:ea typeface="Times New Roman" charset="0"/>
-                <a:cs typeface="Times New Roman" charset="0"/>
-              </a:rPr>
-              <a:t> </a:t>
-            </a:r>
-            <a:r>
-              <a:rPr kumimoji="1" lang="en-US" altLang="zh-CN" dirty="0" smtClean="0">
-                <a:latin typeface="Times New Roman" charset="0"/>
-                <a:ea typeface="Times New Roman" charset="0"/>
-                <a:cs typeface="Times New Roman" charset="0"/>
-              </a:rPr>
-              <a:t>of</a:t>
-            </a:r>
-            <a:r>
-              <a:rPr kumimoji="1" lang="zh-CN" altLang="en-US" dirty="0" smtClean="0">
-                <a:latin typeface="Times New Roman" charset="0"/>
-                <a:ea typeface="Times New Roman" charset="0"/>
-                <a:cs typeface="Times New Roman" charset="0"/>
-              </a:rPr>
-              <a:t> </a:t>
-            </a:r>
-            <a:r>
-              <a:rPr kumimoji="1" lang="en-US" altLang="zh-CN" dirty="0" smtClean="0">
-                <a:latin typeface="Times New Roman" charset="0"/>
-                <a:ea typeface="Times New Roman" charset="0"/>
-                <a:cs typeface="Times New Roman" charset="0"/>
-              </a:rPr>
-              <a:t>dot</a:t>
-            </a:r>
-            <a:r>
-              <a:rPr kumimoji="1" lang="zh-CN" altLang="en-US" dirty="0" smtClean="0">
-                <a:latin typeface="Times New Roman" charset="0"/>
-                <a:ea typeface="Times New Roman" charset="0"/>
-                <a:cs typeface="Times New Roman" charset="0"/>
-              </a:rPr>
-              <a:t> </a:t>
-            </a:r>
-            <a:r>
-              <a:rPr kumimoji="1" lang="en-US" altLang="zh-CN" dirty="0" smtClean="0">
-                <a:latin typeface="Times New Roman" charset="0"/>
-                <a:ea typeface="Times New Roman" charset="0"/>
-                <a:cs typeface="Times New Roman" charset="0"/>
-              </a:rPr>
-              <a:t>product</a:t>
-            </a:r>
-          </a:p>
-          <a:p>
-            <a:pPr marL="285750" indent="-285750">
+              <a:rPr kumimoji="1" lang="en-US" altLang="zh-CN" dirty="0" smtClean="0">
+                <a:latin typeface="Times New Roman" charset="0"/>
+                <a:ea typeface="Times New Roman" charset="0"/>
+                <a:cs typeface="Times New Roman" charset="0"/>
+                <a:hlinkClick r:id="rId4" action="ppaction://hlinksldjump"/>
+              </a:rPr>
+              <a:t>How</a:t>
+            </a:r>
+            <a:r>
+              <a:rPr kumimoji="1" lang="zh-CN" altLang="en-US" dirty="0" smtClean="0">
+                <a:latin typeface="Times New Roman" charset="0"/>
+                <a:ea typeface="Times New Roman" charset="0"/>
+                <a:cs typeface="Times New Roman" charset="0"/>
+                <a:hlinkClick r:id="rId4" action="ppaction://hlinksldjump"/>
+              </a:rPr>
+              <a:t> </a:t>
+            </a:r>
+            <a:r>
+              <a:rPr kumimoji="1" lang="en-US" altLang="zh-CN" dirty="0" smtClean="0">
+                <a:latin typeface="Times New Roman" charset="0"/>
+                <a:ea typeface="Times New Roman" charset="0"/>
+                <a:cs typeface="Times New Roman" charset="0"/>
+                <a:hlinkClick r:id="rId4" action="ppaction://hlinksldjump"/>
+              </a:rPr>
+              <a:t>to</a:t>
+            </a:r>
+            <a:r>
+              <a:rPr kumimoji="1" lang="zh-CN" altLang="en-US" dirty="0" smtClean="0">
+                <a:latin typeface="Times New Roman" charset="0"/>
+                <a:ea typeface="Times New Roman" charset="0"/>
+                <a:cs typeface="Times New Roman" charset="0"/>
+                <a:hlinkClick r:id="rId4" action="ppaction://hlinksldjump"/>
+              </a:rPr>
+              <a:t> </a:t>
+            </a:r>
+            <a:r>
+              <a:rPr kumimoji="1" lang="en-US" altLang="zh-CN" dirty="0" smtClean="0">
+                <a:latin typeface="Times New Roman" charset="0"/>
+                <a:ea typeface="Times New Roman" charset="0"/>
+                <a:cs typeface="Times New Roman" charset="0"/>
+                <a:hlinkClick r:id="rId4" action="ppaction://hlinksldjump"/>
+              </a:rPr>
+              <a:t>select</a:t>
+            </a:r>
+            <a:r>
+              <a:rPr kumimoji="1" lang="zh-CN" altLang="en-US" dirty="0" smtClean="0">
+                <a:latin typeface="Times New Roman" charset="0"/>
+                <a:ea typeface="Times New Roman" charset="0"/>
+                <a:cs typeface="Times New Roman" charset="0"/>
+                <a:hlinkClick r:id="rId4" action="ppaction://hlinksldjump"/>
+              </a:rPr>
+              <a:t> </a:t>
+            </a:r>
+            <a:r>
+              <a:rPr kumimoji="1" lang="en-US" altLang="zh-CN" dirty="0" smtClean="0">
+                <a:latin typeface="Times New Roman" charset="0"/>
+                <a:ea typeface="Times New Roman" charset="0"/>
+                <a:cs typeface="Times New Roman" charset="0"/>
+                <a:hlinkClick r:id="rId4" action="ppaction://hlinksldjump"/>
+              </a:rPr>
+              <a:t>the</a:t>
+            </a:r>
+            <a:r>
+              <a:rPr kumimoji="1" lang="zh-CN" altLang="en-US" dirty="0" smtClean="0">
+                <a:latin typeface="Times New Roman" charset="0"/>
+                <a:ea typeface="Times New Roman" charset="0"/>
+                <a:cs typeface="Times New Roman" charset="0"/>
+                <a:hlinkClick r:id="rId4" action="ppaction://hlinksldjump"/>
+              </a:rPr>
+              <a:t> </a:t>
+            </a:r>
+            <a:r>
+              <a:rPr kumimoji="1" lang="en-US" altLang="zh-CN" dirty="0" smtClean="0">
+                <a:latin typeface="Times New Roman" charset="0"/>
+                <a:ea typeface="Times New Roman" charset="0"/>
+                <a:cs typeface="Times New Roman" charset="0"/>
+                <a:hlinkClick r:id="rId4" action="ppaction://hlinksldjump"/>
+              </a:rPr>
+              <a:t>parameter</a:t>
+            </a:r>
+            <a:r>
+              <a:rPr kumimoji="1" lang="zh-CN" altLang="en-US" dirty="0" smtClean="0">
+                <a:latin typeface="Times New Roman" charset="0"/>
+                <a:ea typeface="Times New Roman" charset="0"/>
+                <a:cs typeface="Times New Roman" charset="0"/>
+                <a:hlinkClick r:id="rId4" action="ppaction://hlinksldjump"/>
+              </a:rPr>
+              <a:t> </a:t>
+            </a:r>
+            <a:r>
+              <a:rPr kumimoji="1" lang="en-US" altLang="zh-CN" dirty="0" smtClean="0">
+                <a:latin typeface="Times New Roman" charset="0"/>
+                <a:ea typeface="Times New Roman" charset="0"/>
+                <a:cs typeface="Times New Roman" charset="0"/>
+                <a:hlinkClick r:id="rId4" action="ppaction://hlinksldjump"/>
+              </a:rPr>
+              <a:t>values</a:t>
+            </a:r>
+            <a:r>
+              <a:rPr kumimoji="1" lang="zh-CN" altLang="en-US" dirty="0" smtClean="0">
+                <a:latin typeface="Times New Roman" charset="0"/>
+                <a:ea typeface="Times New Roman" charset="0"/>
+                <a:cs typeface="Times New Roman" charset="0"/>
+                <a:hlinkClick r:id="rId4" action="ppaction://hlinksldjump"/>
+              </a:rPr>
+              <a:t> </a:t>
+            </a:r>
+            <a:r>
+              <a:rPr kumimoji="1" lang="en-US" altLang="zh-CN" dirty="0" smtClean="0">
+                <a:latin typeface="Times New Roman" charset="0"/>
+                <a:ea typeface="Times New Roman" charset="0"/>
+                <a:cs typeface="Times New Roman" charset="0"/>
+                <a:hlinkClick r:id="rId4" action="ppaction://hlinksldjump"/>
+              </a:rPr>
+              <a:t>in</a:t>
+            </a:r>
+            <a:r>
+              <a:rPr kumimoji="1" lang="zh-CN" altLang="en-US" dirty="0" smtClean="0">
+                <a:latin typeface="Times New Roman" charset="0"/>
+                <a:ea typeface="Times New Roman" charset="0"/>
+                <a:cs typeface="Times New Roman" charset="0"/>
+                <a:hlinkClick r:id="rId4" action="ppaction://hlinksldjump"/>
+              </a:rPr>
+              <a:t> </a:t>
+            </a:r>
+            <a:r>
+              <a:rPr kumimoji="1" lang="en-US" altLang="zh-CN" dirty="0" smtClean="0">
+                <a:latin typeface="Times New Roman" charset="0"/>
+                <a:ea typeface="Times New Roman" charset="0"/>
+                <a:cs typeface="Times New Roman" charset="0"/>
+                <a:hlinkClick r:id="rId4" action="ppaction://hlinksldjump"/>
+              </a:rPr>
+              <a:t>SVM</a:t>
+            </a:r>
+            <a:r>
+              <a:rPr kumimoji="1" lang="en-US" altLang="zh-CN" dirty="0" smtClean="0">
+                <a:latin typeface="Times New Roman" charset="0"/>
+                <a:ea typeface="Times New Roman" charset="0"/>
+                <a:cs typeface="Times New Roman" charset="0"/>
+              </a:rPr>
+              <a:t>?</a:t>
+            </a:r>
+          </a:p>
+          <a:p>
+            <a:pPr>
               <a:lnSpc>
                 <a:spcPct val="150000"/>
               </a:lnSpc>
-              <a:buFont typeface="Arial" charset="0"/>
-              <a:buChar char="•"/>
             </a:pPr>
             <a:r>
-              <a:rPr kumimoji="1" lang="en-US" altLang="zh-CN" b="1" dirty="0" smtClean="0">
-                <a:latin typeface="Times New Roman" charset="0"/>
-                <a:ea typeface="Times New Roman" charset="0"/>
-                <a:cs typeface="Times New Roman" charset="0"/>
-              </a:rPr>
-              <a:t>Sigmoid-SVM</a:t>
-            </a:r>
-            <a:r>
-              <a:rPr kumimoji="1" lang="en-US" altLang="zh-CN" dirty="0" smtClean="0">
-                <a:latin typeface="Times New Roman" charset="0"/>
-                <a:ea typeface="Times New Roman" charset="0"/>
-                <a:cs typeface="Times New Roman" charset="0"/>
-              </a:rPr>
-              <a:t>:</a:t>
-            </a:r>
-            <a:r>
-              <a:rPr kumimoji="1" lang="zh-CN" altLang="en-US" dirty="0" smtClean="0">
-                <a:latin typeface="Times New Roman" charset="0"/>
-                <a:ea typeface="Times New Roman" charset="0"/>
-                <a:cs typeface="Times New Roman" charset="0"/>
-              </a:rPr>
-              <a:t> </a:t>
-            </a:r>
-            <a:r>
-              <a:rPr kumimoji="1" lang="en-US" altLang="zh-CN" dirty="0" smtClean="0">
-                <a:latin typeface="Times New Roman" charset="0"/>
-                <a:ea typeface="Times New Roman" charset="0"/>
-                <a:cs typeface="Times New Roman" charset="0"/>
-              </a:rPr>
-              <a:t>more</a:t>
-            </a:r>
-            <a:r>
-              <a:rPr kumimoji="1" lang="zh-CN" altLang="en-US" dirty="0" smtClean="0">
-                <a:latin typeface="Times New Roman" charset="0"/>
-                <a:ea typeface="Times New Roman" charset="0"/>
-                <a:cs typeface="Times New Roman" charset="0"/>
-              </a:rPr>
-              <a:t> </a:t>
-            </a:r>
-            <a:r>
-              <a:rPr kumimoji="1" lang="en-US" altLang="zh-CN" dirty="0" smtClean="0">
-                <a:latin typeface="Times New Roman" charset="0"/>
-                <a:ea typeface="Times New Roman" charset="0"/>
-                <a:cs typeface="Times New Roman" charset="0"/>
-              </a:rPr>
-              <a:t>parameters</a:t>
-            </a:r>
-            <a:r>
-              <a:rPr kumimoji="1" lang="zh-CN" altLang="en-US" dirty="0" smtClean="0">
-                <a:latin typeface="Times New Roman" charset="0"/>
-                <a:ea typeface="Times New Roman" charset="0"/>
-                <a:cs typeface="Times New Roman" charset="0"/>
-              </a:rPr>
-              <a:t> </a:t>
-            </a:r>
-            <a:r>
-              <a:rPr kumimoji="1" lang="en-US" altLang="zh-CN" dirty="0" smtClean="0">
-                <a:latin typeface="Times New Roman" charset="0"/>
-                <a:ea typeface="Times New Roman" charset="0"/>
-                <a:cs typeface="Times New Roman" charset="0"/>
+              <a:rPr kumimoji="1" lang="en-US" altLang="zh-CN" dirty="0" smtClean="0">
+                <a:latin typeface="Times New Roman" charset="0"/>
+                <a:ea typeface="Times New Roman" charset="0"/>
+                <a:cs typeface="Times New Roman" charset="0"/>
+                <a:hlinkClick r:id="rId5" action="ppaction://hlinksldjump"/>
+              </a:rPr>
+              <a:t>How</a:t>
+            </a:r>
+            <a:r>
+              <a:rPr kumimoji="1" lang="zh-CN" altLang="en-US" dirty="0" smtClean="0">
+                <a:latin typeface="Times New Roman" charset="0"/>
+                <a:ea typeface="Times New Roman" charset="0"/>
+                <a:cs typeface="Times New Roman" charset="0"/>
+                <a:hlinkClick r:id="rId5" action="ppaction://hlinksldjump"/>
+              </a:rPr>
+              <a:t> </a:t>
+            </a:r>
+            <a:r>
+              <a:rPr kumimoji="1" lang="en-US" altLang="zh-CN" dirty="0" smtClean="0">
+                <a:latin typeface="Times New Roman" charset="0"/>
+                <a:ea typeface="Times New Roman" charset="0"/>
+                <a:cs typeface="Times New Roman" charset="0"/>
+                <a:hlinkClick r:id="rId5" action="ppaction://hlinksldjump"/>
               </a:rPr>
               <a:t>to</a:t>
             </a:r>
@@ -11747,196 +12578,86 @@
                 <a:latin typeface="Times New Roman" charset="0"/>
                 <a:ea typeface="Times New Roman" charset="0"/>
                 <a:cs typeface="Times New Roman" charset="0"/>
-              </a:rPr>
-              <a:t> </a:t>
-            </a:r>
-            <a:r>
-              <a:rPr kumimoji="1" lang="en-US" altLang="zh-CN" dirty="0" smtClean="0">
-                <a:latin typeface="Times New Roman" charset="0"/>
-                <a:ea typeface="Times New Roman" charset="0"/>
-                <a:cs typeface="Times New Roman" charset="0"/>
-              </a:rPr>
-              <a:t>determine</a:t>
-            </a:r>
-          </a:p>
-          <a:p>
-            <a:pPr marL="285750" indent="-285750">
-              <a:lnSpc>
-                <a:spcPct val="150000"/>
-              </a:lnSpc>
-              <a:buFont typeface="Arial" charset="0"/>
-              <a:buChar char="•"/>
-            </a:pPr>
-            <a:r>
-              <a:rPr kumimoji="1" lang="en-US" altLang="zh-CN" b="1" dirty="0" smtClean="0">
-                <a:latin typeface="Times New Roman" charset="0"/>
-                <a:ea typeface="Times New Roman" charset="0"/>
-                <a:cs typeface="Times New Roman" charset="0"/>
-              </a:rPr>
-              <a:t>L-SVM</a:t>
-            </a:r>
-            <a:r>
-              <a:rPr kumimoji="1" lang="en-US" altLang="zh-CN" dirty="0" smtClean="0">
-                <a:latin typeface="Times New Roman" charset="0"/>
-                <a:ea typeface="Times New Roman" charset="0"/>
-                <a:cs typeface="Times New Roman" charset="0"/>
-              </a:rPr>
-              <a:t>:</a:t>
-            </a:r>
-            <a:r>
-              <a:rPr kumimoji="1" lang="zh-CN" altLang="en-US" dirty="0" smtClean="0">
-                <a:latin typeface="Times New Roman" charset="0"/>
-                <a:ea typeface="Times New Roman" charset="0"/>
-                <a:cs typeface="Times New Roman" charset="0"/>
-              </a:rPr>
-              <a:t> </a:t>
-            </a:r>
-            <a:r>
-              <a:rPr kumimoji="1" lang="en-US" altLang="zh-CN" dirty="0" smtClean="0">
-                <a:latin typeface="Times New Roman" charset="0"/>
-                <a:ea typeface="Times New Roman" charset="0"/>
-                <a:cs typeface="Times New Roman" charset="0"/>
-              </a:rPr>
-              <a:t>particular</a:t>
-            </a:r>
-            <a:r>
-              <a:rPr kumimoji="1" lang="zh-CN" altLang="en-US" dirty="0" smtClean="0">
-                <a:latin typeface="Times New Roman" charset="0"/>
-                <a:ea typeface="Times New Roman" charset="0"/>
-                <a:cs typeface="Times New Roman" charset="0"/>
-              </a:rPr>
-              <a:t> </a:t>
-            </a:r>
-            <a:r>
-              <a:rPr kumimoji="1" lang="en-US" altLang="zh-CN" dirty="0" smtClean="0">
-                <a:latin typeface="Times New Roman" charset="0"/>
-                <a:ea typeface="Times New Roman" charset="0"/>
-                <a:cs typeface="Times New Roman" charset="0"/>
-              </a:rPr>
-              <a:t>case</a:t>
-            </a:r>
-            <a:r>
-              <a:rPr kumimoji="1" lang="zh-CN" altLang="en-US" dirty="0" smtClean="0">
-                <a:latin typeface="Times New Roman" charset="0"/>
-                <a:ea typeface="Times New Roman" charset="0"/>
-                <a:cs typeface="Times New Roman" charset="0"/>
-              </a:rPr>
-              <a:t> </a:t>
-            </a:r>
-            <a:r>
-              <a:rPr kumimoji="1" lang="en-US" altLang="zh-CN" dirty="0" smtClean="0">
-                <a:latin typeface="Times New Roman" charset="0"/>
-                <a:ea typeface="Times New Roman" charset="0"/>
-                <a:cs typeface="Times New Roman" charset="0"/>
-              </a:rPr>
-              <a:t>of</a:t>
-            </a:r>
-            <a:r>
-              <a:rPr kumimoji="1" lang="zh-CN" altLang="en-US" dirty="0" smtClean="0">
-                <a:latin typeface="Times New Roman" charset="0"/>
-                <a:ea typeface="Times New Roman" charset="0"/>
-                <a:cs typeface="Times New Roman" charset="0"/>
-              </a:rPr>
-              <a:t> </a:t>
-            </a:r>
-            <a:r>
-              <a:rPr kumimoji="1" lang="en-US" altLang="zh-CN" dirty="0" smtClean="0">
-                <a:latin typeface="Times New Roman" charset="0"/>
-                <a:ea typeface="Times New Roman" charset="0"/>
-                <a:cs typeface="Times New Roman" charset="0"/>
-              </a:rPr>
-              <a:t>RBFSVM</a:t>
-            </a:r>
-            <a:r>
-              <a:rPr kumimoji="1" lang="zh-CN" altLang="en-US" dirty="0" smtClean="0">
-                <a:latin typeface="Times New Roman" charset="0"/>
-                <a:ea typeface="Times New Roman" charset="0"/>
-                <a:cs typeface="Times New Roman" charset="0"/>
-              </a:rPr>
-              <a:t> </a:t>
-            </a:r>
-            <a:endParaRPr kumimoji="1" lang="zh-CN" altLang="en-US" dirty="0">
+                <a:hlinkClick r:id="rId5" action="ppaction://hlinksldjump"/>
+              </a:rPr>
+              <a:t> </a:t>
+            </a:r>
+            <a:r>
+              <a:rPr kumimoji="1" lang="en-US" altLang="zh-CN" dirty="0" smtClean="0">
+                <a:latin typeface="Times New Roman" charset="0"/>
+                <a:ea typeface="Times New Roman" charset="0"/>
+                <a:cs typeface="Times New Roman" charset="0"/>
+                <a:hlinkClick r:id="rId5" action="ppaction://hlinksldjump"/>
+              </a:rPr>
+              <a:t>construct</a:t>
+            </a:r>
+            <a:r>
+              <a:rPr kumimoji="1" lang="zh-CN" altLang="en-US" dirty="0" smtClean="0">
+                <a:latin typeface="Times New Roman" charset="0"/>
+                <a:ea typeface="Times New Roman" charset="0"/>
+                <a:cs typeface="Times New Roman" charset="0"/>
+                <a:hlinkClick r:id="rId5" action="ppaction://hlinksldjump"/>
+              </a:rPr>
+              <a:t> </a:t>
+            </a:r>
+            <a:r>
+              <a:rPr kumimoji="1" lang="en-US" altLang="zh-CN" dirty="0" smtClean="0">
+                <a:latin typeface="Times New Roman" charset="0"/>
+                <a:ea typeface="Times New Roman" charset="0"/>
+                <a:cs typeface="Times New Roman" charset="0"/>
+                <a:hlinkClick r:id="rId5" action="ppaction://hlinksldjump"/>
+              </a:rPr>
+              <a:t>multi-classifier</a:t>
+            </a:r>
+            <a:r>
+              <a:rPr kumimoji="1" lang="zh-CN" altLang="en-US" dirty="0" smtClean="0">
+                <a:latin typeface="Times New Roman" charset="0"/>
+                <a:ea typeface="Times New Roman" charset="0"/>
+                <a:cs typeface="Times New Roman" charset="0"/>
+                <a:hlinkClick r:id="rId5" action="ppaction://hlinksldjump"/>
+              </a:rPr>
+              <a:t> </a:t>
+            </a:r>
+            <a:r>
+              <a:rPr kumimoji="1" lang="en-US" altLang="zh-CN" dirty="0" smtClean="0">
+                <a:latin typeface="Times New Roman" charset="0"/>
+                <a:ea typeface="Times New Roman" charset="0"/>
+                <a:cs typeface="Times New Roman" charset="0"/>
+                <a:hlinkClick r:id="rId5" action="ppaction://hlinksldjump"/>
+              </a:rPr>
+              <a:t>SVM</a:t>
+            </a:r>
+            <a:r>
+              <a:rPr kumimoji="1" lang="en-US" altLang="zh-CN" dirty="0" smtClean="0">
+                <a:latin typeface="Times New Roman" charset="0"/>
+                <a:ea typeface="Times New Roman" charset="0"/>
+                <a:cs typeface="Times New Roman" charset="0"/>
+              </a:rPr>
+              <a:t>?</a:t>
+            </a:r>
+            <a:r>
+              <a:rPr kumimoji="1" lang="zh-CN" altLang="en-US" dirty="0" smtClean="0">
+                <a:latin typeface="Times New Roman" charset="0"/>
+                <a:ea typeface="Times New Roman" charset="0"/>
+                <a:cs typeface="Times New Roman" charset="0"/>
+              </a:rPr>
+              <a:t> </a:t>
+            </a:r>
+            <a:endParaRPr kumimoji="1" lang="en-US" altLang="zh-CN" dirty="0">
               <a:latin typeface="Times New Roman" charset="0"/>
               <a:ea typeface="Times New Roman" charset="0"/>
               <a:cs typeface="Times New Roman" charset="0"/>
             </a:endParaRPr>
           </a:p>
-        </p:txBody>
-      </p:sp>
-      <p:sp>
-        <p:nvSpPr>
-          <p:cNvPr id="9" name="文本框 8"/>
-          <p:cNvSpPr txBox="1"/>
-          <p:nvPr/>
-        </p:nvSpPr>
-        <p:spPr>
-          <a:xfrm>
-            <a:off x="7484046" y="4539596"/>
-            <a:ext cx="2262158" cy="369332"/>
-          </a:xfrm>
-          <a:prstGeom prst="rect">
-            <a:avLst/>
-          </a:prstGeom>
-          <a:noFill/>
-        </p:spPr>
-        <p:txBody>
-          <a:bodyPr wrap="none" rtlCol="0">
-            <a:spAutoFit/>
-          </a:bodyPr>
-          <a:lstStyle/>
-          <a:p>
-            <a:r>
-              <a:rPr kumimoji="1" lang="en-US" altLang="zh-CN" dirty="0" smtClean="0">
-                <a:latin typeface="Times New Roman" charset="0"/>
-                <a:ea typeface="Times New Roman" charset="0"/>
-                <a:cs typeface="Times New Roman" charset="0"/>
-              </a:rPr>
-              <a:t>Method</a:t>
-            </a:r>
-            <a:r>
-              <a:rPr kumimoji="1" lang="zh-CN" altLang="en-US" dirty="0" smtClean="0">
-                <a:latin typeface="Times New Roman" charset="0"/>
-                <a:ea typeface="Times New Roman" charset="0"/>
-                <a:cs typeface="Times New Roman" charset="0"/>
-              </a:rPr>
-              <a:t> </a:t>
-            </a:r>
-            <a:r>
-              <a:rPr kumimoji="1" lang="en-US" altLang="zh-CN" dirty="0" smtClean="0">
-                <a:latin typeface="Times New Roman" charset="0"/>
-                <a:ea typeface="Times New Roman" charset="0"/>
-                <a:cs typeface="Times New Roman" charset="0"/>
-              </a:rPr>
-              <a:t>Supported</a:t>
-            </a:r>
-            <a:r>
-              <a:rPr kumimoji="1" lang="zh-CN" altLang="en-US" dirty="0" smtClean="0">
-                <a:latin typeface="Times New Roman" charset="0"/>
-                <a:ea typeface="Times New Roman" charset="0"/>
-                <a:cs typeface="Times New Roman" charset="0"/>
-              </a:rPr>
-              <a:t> </a:t>
-            </a:r>
-            <a:r>
-              <a:rPr kumimoji="1" lang="en-US" altLang="zh-CN" dirty="0" smtClean="0">
-                <a:latin typeface="Times New Roman" charset="0"/>
-                <a:ea typeface="Times New Roman" charset="0"/>
-                <a:cs typeface="Times New Roman" charset="0"/>
-              </a:rPr>
-              <a:t>by:</a:t>
-            </a:r>
-            <a:endParaRPr kumimoji="1" lang="zh-CN" altLang="en-US" dirty="0">
-              <a:latin typeface="Times New Roman" charset="0"/>
-              <a:ea typeface="Times New Roman" charset="0"/>
-              <a:cs typeface="Times New Roman" charset="0"/>
-            </a:endParaRPr>
+          <a:p>
+            <a:endParaRPr kumimoji="1" lang="zh-CN" altLang="en-US" dirty="0"/>
           </a:p>
         </p:txBody>
       </p:sp>
     </p:spTree>
     <p:extLst>
       <p:ext uri="{BB962C8B-B14F-4D97-AF65-F5344CB8AC3E}">
-        <p14:creationId xmlns:p14="http://schemas.microsoft.com/office/powerpoint/2010/main" val="967295812"/>
+        <p14:creationId xmlns:p14="http://schemas.microsoft.com/office/powerpoint/2010/main" val="1369389605"/>
       </p:ext>
     </p:extLst>
   </p:cSld>
